--- a/images/map.pptx
+++ b/images/map.pptx
@@ -6,6 +6,7 @@
   </p:sldMasterIdLst>
   <p:sldIdLst>
     <p:sldId id="256" r:id="rId2"/>
+    <p:sldId id="257" r:id="rId3"/>
   </p:sldIdLst>
   <p:sldSz cx="12192000" cy="6858000"/>
   <p:notesSz cx="6858000" cy="9144000"/>
@@ -104,6 +105,11 @@
       </a:defRPr>
     </a:lvl9pPr>
   </p:defaultTextStyle>
+  <p:extLst>
+    <p:ext uri="{EFAFB233-063F-42B5-8137-9DF3F51BA10A}">
+      <p15:sldGuideLst xmlns:p15="http://schemas.microsoft.com/office/powerpoint/2012/main"/>
+    </p:ext>
+  </p:extLst>
 </p:presentation>
 </file>
 
@@ -238,7 +244,7 @@
           <a:p>
             <a:fld id="{031F6F84-56E5-4BF1-A4D7-2842F09AB003}" type="datetimeFigureOut">
               <a:rPr lang="zh-CN" altLang="en-US" smtClean="0"/>
-              <a:t>2017/4/19</a:t>
+              <a:t>2017/4/20</a:t>
             </a:fld>
             <a:endParaRPr lang="zh-CN" altLang="en-US"/>
           </a:p>
@@ -408,7 +414,7 @@
           <a:p>
             <a:fld id="{031F6F84-56E5-4BF1-A4D7-2842F09AB003}" type="datetimeFigureOut">
               <a:rPr lang="zh-CN" altLang="en-US" smtClean="0"/>
-              <a:t>2017/4/19</a:t>
+              <a:t>2017/4/20</a:t>
             </a:fld>
             <a:endParaRPr lang="zh-CN" altLang="en-US"/>
           </a:p>
@@ -588,7 +594,7 @@
           <a:p>
             <a:fld id="{031F6F84-56E5-4BF1-A4D7-2842F09AB003}" type="datetimeFigureOut">
               <a:rPr lang="zh-CN" altLang="en-US" smtClean="0"/>
-              <a:t>2017/4/19</a:t>
+              <a:t>2017/4/20</a:t>
             </a:fld>
             <a:endParaRPr lang="zh-CN" altLang="en-US"/>
           </a:p>
@@ -758,7 +764,7 @@
           <a:p>
             <a:fld id="{031F6F84-56E5-4BF1-A4D7-2842F09AB003}" type="datetimeFigureOut">
               <a:rPr lang="zh-CN" altLang="en-US" smtClean="0"/>
-              <a:t>2017/4/19</a:t>
+              <a:t>2017/4/20</a:t>
             </a:fld>
             <a:endParaRPr lang="zh-CN" altLang="en-US"/>
           </a:p>
@@ -1004,7 +1010,7 @@
           <a:p>
             <a:fld id="{031F6F84-56E5-4BF1-A4D7-2842F09AB003}" type="datetimeFigureOut">
               <a:rPr lang="zh-CN" altLang="en-US" smtClean="0"/>
-              <a:t>2017/4/19</a:t>
+              <a:t>2017/4/20</a:t>
             </a:fld>
             <a:endParaRPr lang="zh-CN" altLang="en-US"/>
           </a:p>
@@ -1236,7 +1242,7 @@
           <a:p>
             <a:fld id="{031F6F84-56E5-4BF1-A4D7-2842F09AB003}" type="datetimeFigureOut">
               <a:rPr lang="zh-CN" altLang="en-US" smtClean="0"/>
-              <a:t>2017/4/19</a:t>
+              <a:t>2017/4/20</a:t>
             </a:fld>
             <a:endParaRPr lang="zh-CN" altLang="en-US"/>
           </a:p>
@@ -1603,7 +1609,7 @@
           <a:p>
             <a:fld id="{031F6F84-56E5-4BF1-A4D7-2842F09AB003}" type="datetimeFigureOut">
               <a:rPr lang="zh-CN" altLang="en-US" smtClean="0"/>
-              <a:t>2017/4/19</a:t>
+              <a:t>2017/4/20</a:t>
             </a:fld>
             <a:endParaRPr lang="zh-CN" altLang="en-US"/>
           </a:p>
@@ -1721,7 +1727,7 @@
           <a:p>
             <a:fld id="{031F6F84-56E5-4BF1-A4D7-2842F09AB003}" type="datetimeFigureOut">
               <a:rPr lang="zh-CN" altLang="en-US" smtClean="0"/>
-              <a:t>2017/4/19</a:t>
+              <a:t>2017/4/20</a:t>
             </a:fld>
             <a:endParaRPr lang="zh-CN" altLang="en-US"/>
           </a:p>
@@ -1816,7 +1822,7 @@
           <a:p>
             <a:fld id="{031F6F84-56E5-4BF1-A4D7-2842F09AB003}" type="datetimeFigureOut">
               <a:rPr lang="zh-CN" altLang="en-US" smtClean="0"/>
-              <a:t>2017/4/19</a:t>
+              <a:t>2017/4/20</a:t>
             </a:fld>
             <a:endParaRPr lang="zh-CN" altLang="en-US"/>
           </a:p>
@@ -2093,7 +2099,7 @@
           <a:p>
             <a:fld id="{031F6F84-56E5-4BF1-A4D7-2842F09AB003}" type="datetimeFigureOut">
               <a:rPr lang="zh-CN" altLang="en-US" smtClean="0"/>
-              <a:t>2017/4/19</a:t>
+              <a:t>2017/4/20</a:t>
             </a:fld>
             <a:endParaRPr lang="zh-CN" altLang="en-US"/>
           </a:p>
@@ -2346,7 +2352,7 @@
           <a:p>
             <a:fld id="{031F6F84-56E5-4BF1-A4D7-2842F09AB003}" type="datetimeFigureOut">
               <a:rPr lang="zh-CN" altLang="en-US" smtClean="0"/>
-              <a:t>2017/4/19</a:t>
+              <a:t>2017/4/20</a:t>
             </a:fld>
             <a:endParaRPr lang="zh-CN" altLang="en-US"/>
           </a:p>
@@ -2559,7 +2565,7 @@
           <a:p>
             <a:fld id="{031F6F84-56E5-4BF1-A4D7-2842F09AB003}" type="datetimeFigureOut">
               <a:rPr lang="zh-CN" altLang="en-US" smtClean="0"/>
-              <a:t>2017/4/19</a:t>
+              <a:t>2017/4/20</a:t>
             </a:fld>
             <a:endParaRPr lang="zh-CN" altLang="en-US"/>
           </a:p>
@@ -2972,7 +2978,7 @@
         </p:nvSpPr>
         <p:spPr>
           <a:xfrm>
-            <a:off x="390292" y="2174488"/>
+            <a:off x="390292" y="2542478"/>
             <a:ext cx="3601844" cy="2553629"/>
           </a:xfrm>
           <a:prstGeom prst="roundRect">
@@ -3012,7 +3018,7 @@
         </p:nvSpPr>
         <p:spPr>
           <a:xfrm>
-            <a:off x="1254511" y="2421156"/>
+            <a:off x="1254511" y="2789146"/>
             <a:ext cx="2185639" cy="369332"/>
           </a:xfrm>
           <a:prstGeom prst="rect">
@@ -3050,7 +3056,7 @@
         </p:nvSpPr>
         <p:spPr>
           <a:xfrm>
-            <a:off x="512956" y="3133493"/>
+            <a:off x="512956" y="3501483"/>
             <a:ext cx="4282068" cy="369332"/>
           </a:xfrm>
           <a:prstGeom prst="rect">
@@ -3080,7 +3086,7 @@
         </p:nvSpPr>
         <p:spPr>
           <a:xfrm>
-            <a:off x="512956" y="3674327"/>
+            <a:off x="512956" y="4042317"/>
             <a:ext cx="4282068" cy="369332"/>
           </a:xfrm>
           <a:prstGeom prst="rect">
@@ -3110,7 +3116,7 @@
         </p:nvSpPr>
         <p:spPr>
           <a:xfrm>
-            <a:off x="512956" y="4159405"/>
+            <a:off x="512956" y="4527395"/>
             <a:ext cx="4282068" cy="369332"/>
           </a:xfrm>
           <a:prstGeom prst="rect">
@@ -3140,7 +3146,7 @@
         </p:nvSpPr>
         <p:spPr>
           <a:xfrm>
-            <a:off x="7612563" y="438615"/>
+            <a:off x="7612563" y="806605"/>
             <a:ext cx="3601844" cy="2553629"/>
           </a:xfrm>
           <a:prstGeom prst="roundRect">
@@ -3180,7 +3186,7 @@
         </p:nvSpPr>
         <p:spPr>
           <a:xfrm>
-            <a:off x="8476782" y="685283"/>
+            <a:off x="8476782" y="1053273"/>
             <a:ext cx="2185639" cy="369332"/>
           </a:xfrm>
           <a:prstGeom prst="rect">
@@ -3218,7 +3224,7 @@
         </p:nvSpPr>
         <p:spPr>
           <a:xfrm>
-            <a:off x="7701774" y="1372117"/>
+            <a:off x="7701774" y="1740107"/>
             <a:ext cx="4282068" cy="369332"/>
           </a:xfrm>
           <a:prstGeom prst="rect">
@@ -3248,7 +3254,7 @@
         </p:nvSpPr>
         <p:spPr>
           <a:xfrm>
-            <a:off x="7701774" y="1912951"/>
+            <a:off x="7701774" y="2280941"/>
             <a:ext cx="4282068" cy="369332"/>
           </a:xfrm>
           <a:prstGeom prst="rect">
@@ -3264,15 +3270,7 @@
           <a:p>
             <a:r>
               <a:rPr lang="en-US" altLang="zh-CN" dirty="0" smtClean="0"/>
-              <a:t>eventName2: [listener1</a:t>
-            </a:r>
-            <a:r>
-              <a:rPr lang="en-US" altLang="zh-CN" dirty="0" smtClean="0"/>
-              <a:t>,listener2</a:t>
-            </a:r>
-            <a:r>
-              <a:rPr lang="en-US" altLang="zh-CN" dirty="0" smtClean="0"/>
-              <a:t>…]</a:t>
+              <a:t>eventName2: [listener1,listener2…]</a:t>
             </a:r>
             <a:endParaRPr lang="zh-CN" altLang="en-US" dirty="0"/>
           </a:p>
@@ -3286,7 +3284,7 @@
         </p:nvSpPr>
         <p:spPr>
           <a:xfrm>
-            <a:off x="7701774" y="2398029"/>
+            <a:off x="7701774" y="2766019"/>
             <a:ext cx="4282068" cy="369332"/>
           </a:xfrm>
           <a:prstGeom prst="rect">
@@ -3316,7 +3314,7 @@
         </p:nvSpPr>
         <p:spPr>
           <a:xfrm>
-            <a:off x="7612563" y="3805766"/>
+            <a:off x="7612563" y="4173756"/>
             <a:ext cx="3601844" cy="2553629"/>
           </a:xfrm>
           <a:prstGeom prst="roundRect">
@@ -3356,7 +3354,7 @@
         </p:nvSpPr>
         <p:spPr>
           <a:xfrm>
-            <a:off x="8476782" y="4052434"/>
+            <a:off x="8476782" y="4420424"/>
             <a:ext cx="2185639" cy="369332"/>
           </a:xfrm>
           <a:prstGeom prst="rect">
@@ -3394,7 +3392,7 @@
         </p:nvSpPr>
         <p:spPr>
           <a:xfrm>
-            <a:off x="7735227" y="4764771"/>
+            <a:off x="7735227" y="5132761"/>
             <a:ext cx="4282068" cy="369332"/>
           </a:xfrm>
           <a:prstGeom prst="rect">
@@ -3424,7 +3422,7 @@
         </p:nvSpPr>
         <p:spPr>
           <a:xfrm>
-            <a:off x="7735227" y="5305605"/>
+            <a:off x="7735227" y="5673595"/>
             <a:ext cx="4282068" cy="369332"/>
           </a:xfrm>
           <a:prstGeom prst="rect">
@@ -3454,7 +3452,7 @@
         </p:nvSpPr>
         <p:spPr>
           <a:xfrm>
-            <a:off x="7735227" y="5790683"/>
+            <a:off x="7735227" y="6158673"/>
             <a:ext cx="4282068" cy="369332"/>
           </a:xfrm>
           <a:prstGeom prst="rect">
@@ -3484,7 +3482,7 @@
         </p:nvSpPr>
         <p:spPr>
           <a:xfrm>
-            <a:off x="3992136" y="1392561"/>
+            <a:off x="3992136" y="1760551"/>
             <a:ext cx="479503" cy="4160746"/>
           </a:xfrm>
           <a:prstGeom prst="leftBrace">
@@ -3522,7 +3520,7 @@
         </p:nvSpPr>
         <p:spPr>
           <a:xfrm>
-            <a:off x="4237462" y="1839952"/>
+            <a:off x="4237462" y="2207942"/>
             <a:ext cx="3233853" cy="334536"/>
           </a:xfrm>
           <a:prstGeom prst="rightArrow">
@@ -3562,7 +3560,7 @@
         </p:nvSpPr>
         <p:spPr>
           <a:xfrm>
-            <a:off x="4231887" y="4748045"/>
+            <a:off x="4231887" y="5116035"/>
             <a:ext cx="3239428" cy="334536"/>
           </a:xfrm>
           <a:prstGeom prst="rightArrow">
@@ -3602,7 +3600,7 @@
         </p:nvSpPr>
         <p:spPr>
           <a:xfrm>
-            <a:off x="4471639" y="1546152"/>
+            <a:off x="4471639" y="1914142"/>
             <a:ext cx="2575932" cy="369332"/>
           </a:xfrm>
           <a:prstGeom prst="rect">
@@ -3632,7 +3630,7 @@
         </p:nvSpPr>
         <p:spPr>
           <a:xfrm>
-            <a:off x="4471639" y="4457291"/>
+            <a:off x="4471639" y="4825281"/>
             <a:ext cx="2575932" cy="369332"/>
           </a:xfrm>
           <a:prstGeom prst="rect">
@@ -3662,7 +3660,7 @@
         </p:nvSpPr>
         <p:spPr>
           <a:xfrm>
-            <a:off x="8820614" y="5846439"/>
+            <a:off x="8820614" y="6214429"/>
             <a:ext cx="1182029" cy="421049"/>
           </a:xfrm>
           <a:prstGeom prst="wedgeRoundRectCallout">
@@ -3710,7 +3708,7 @@
         </p:nvSpPr>
         <p:spPr>
           <a:xfrm>
-            <a:off x="8820614" y="2489929"/>
+            <a:off x="8820614" y="2857919"/>
             <a:ext cx="1841807" cy="421049"/>
           </a:xfrm>
           <a:prstGeom prst="wedgeRoundRectCallout">
@@ -3754,6 +3752,714 @@
     <p:extLst>
       <p:ext uri="{BB962C8B-B14F-4D97-AF65-F5344CB8AC3E}">
         <p14:creationId xmlns:p14="http://schemas.microsoft.com/office/powerpoint/2010/main" val="1683656711"/>
+      </p:ext>
+    </p:extLst>
+  </p:cSld>
+  <p:clrMapOvr>
+    <a:masterClrMapping/>
+  </p:clrMapOvr>
+</p:sld>
+</file>
+
+<file path=ppt/slides/slide2.xml><?xml version="1.0" encoding="utf-8"?>
+<p:sld xmlns:a="http://schemas.openxmlformats.org/drawingml/2006/main" xmlns:r="http://schemas.openxmlformats.org/officeDocument/2006/relationships" xmlns:p="http://schemas.openxmlformats.org/presentationml/2006/main">
+  <p:cSld>
+    <p:spTree>
+      <p:nvGrpSpPr>
+        <p:cNvPr id="1" name=""/>
+        <p:cNvGrpSpPr/>
+        <p:nvPr/>
+      </p:nvGrpSpPr>
+      <p:grpSpPr>
+        <a:xfrm>
+          <a:off x="0" y="0"/>
+          <a:ext cx="0" cy="0"/>
+          <a:chOff x="0" y="0"/>
+          <a:chExt cx="0" cy="0"/>
+        </a:xfrm>
+      </p:grpSpPr>
+      <p:sp>
+        <p:nvSpPr>
+          <p:cNvPr id="4" name="圆角矩形 3"/>
+          <p:cNvSpPr/>
+          <p:nvPr/>
+        </p:nvSpPr>
+        <p:spPr>
+          <a:xfrm>
+            <a:off x="4538542" y="2843561"/>
+            <a:ext cx="3155795" cy="2765503"/>
+          </a:xfrm>
+          <a:prstGeom prst="roundRect">
+            <a:avLst/>
+          </a:prstGeom>
+        </p:spPr>
+        <p:style>
+          <a:lnRef idx="2">
+            <a:schemeClr val="accent1">
+              <a:shade val="50000"/>
+            </a:schemeClr>
+          </a:lnRef>
+          <a:fillRef idx="1">
+            <a:schemeClr val="accent1"/>
+          </a:fillRef>
+          <a:effectRef idx="0">
+            <a:schemeClr val="accent1"/>
+          </a:effectRef>
+          <a:fontRef idx="minor">
+            <a:schemeClr val="lt1"/>
+          </a:fontRef>
+        </p:style>
+        <p:txBody>
+          <a:bodyPr rtlCol="0" anchor="ctr"/>
+          <a:lstStyle/>
+          <a:p>
+            <a:pPr algn="ctr"/>
+            <a:endParaRPr lang="zh-CN" altLang="en-US"/>
+          </a:p>
+        </p:txBody>
+      </p:sp>
+      <p:sp>
+        <p:nvSpPr>
+          <p:cNvPr id="5" name="文本框 4"/>
+          <p:cNvSpPr txBox="1"/>
+          <p:nvPr/>
+        </p:nvSpPr>
+        <p:spPr>
+          <a:xfrm>
+            <a:off x="5809780" y="4092496"/>
+            <a:ext cx="1817649" cy="369332"/>
+          </a:xfrm>
+          <a:prstGeom prst="rect">
+            <a:avLst/>
+          </a:prstGeom>
+          <a:noFill/>
+        </p:spPr>
+        <p:txBody>
+          <a:bodyPr wrap="square" rtlCol="0">
+            <a:spAutoFit/>
+          </a:bodyPr>
+          <a:lstStyle/>
+          <a:p>
+            <a:r>
+              <a:rPr lang="en-US" altLang="zh-CN" dirty="0" smtClean="0"/>
+              <a:t>binary</a:t>
+            </a:r>
+            <a:endParaRPr lang="zh-CN" altLang="en-US" dirty="0"/>
+          </a:p>
+        </p:txBody>
+      </p:sp>
+      <p:sp>
+        <p:nvSpPr>
+          <p:cNvPr id="6" name="右箭头 5"/>
+          <p:cNvSpPr/>
+          <p:nvPr/>
+        </p:nvSpPr>
+        <p:spPr>
+          <a:xfrm>
+            <a:off x="3713352" y="3947531"/>
+            <a:ext cx="825190" cy="557561"/>
+          </a:xfrm>
+          <a:prstGeom prst="rightArrow">
+            <a:avLst/>
+          </a:prstGeom>
+        </p:spPr>
+        <p:style>
+          <a:lnRef idx="2">
+            <a:schemeClr val="accent1">
+              <a:shade val="50000"/>
+            </a:schemeClr>
+          </a:lnRef>
+          <a:fillRef idx="1">
+            <a:schemeClr val="accent1"/>
+          </a:fillRef>
+          <a:effectRef idx="0">
+            <a:schemeClr val="accent1"/>
+          </a:effectRef>
+          <a:fontRef idx="minor">
+            <a:schemeClr val="lt1"/>
+          </a:fontRef>
+        </p:style>
+        <p:txBody>
+          <a:bodyPr rtlCol="0" anchor="ctr"/>
+          <a:lstStyle/>
+          <a:p>
+            <a:pPr algn="ctr"/>
+            <a:endParaRPr lang="zh-CN" altLang="en-US"/>
+          </a:p>
+        </p:txBody>
+      </p:sp>
+      <p:sp>
+        <p:nvSpPr>
+          <p:cNvPr id="8" name="椭圆 7"/>
+          <p:cNvSpPr/>
+          <p:nvPr/>
+        </p:nvSpPr>
+        <p:spPr>
+          <a:xfrm>
+            <a:off x="2364054" y="3066585"/>
+            <a:ext cx="1349298" cy="2386361"/>
+          </a:xfrm>
+          <a:prstGeom prst="ellipse">
+            <a:avLst/>
+          </a:prstGeom>
+        </p:spPr>
+        <p:style>
+          <a:lnRef idx="2">
+            <a:schemeClr val="accent1">
+              <a:shade val="50000"/>
+            </a:schemeClr>
+          </a:lnRef>
+          <a:fillRef idx="1">
+            <a:schemeClr val="accent1"/>
+          </a:fillRef>
+          <a:effectRef idx="0">
+            <a:schemeClr val="accent1"/>
+          </a:effectRef>
+          <a:fontRef idx="minor">
+            <a:schemeClr val="lt1"/>
+          </a:fontRef>
+        </p:style>
+        <p:txBody>
+          <a:bodyPr rtlCol="0" anchor="ctr"/>
+          <a:lstStyle/>
+          <a:p>
+            <a:pPr algn="ctr"/>
+            <a:endParaRPr lang="zh-CN" altLang="en-US"/>
+          </a:p>
+        </p:txBody>
+      </p:sp>
+      <p:sp>
+        <p:nvSpPr>
+          <p:cNvPr id="9" name="文本框 8"/>
+          <p:cNvSpPr txBox="1"/>
+          <p:nvPr/>
+        </p:nvSpPr>
+        <p:spPr>
+          <a:xfrm>
+            <a:off x="2640048" y="3277116"/>
+            <a:ext cx="903249" cy="369332"/>
+          </a:xfrm>
+          <a:prstGeom prst="rect">
+            <a:avLst/>
+          </a:prstGeom>
+          <a:noFill/>
+        </p:spPr>
+        <p:txBody>
+          <a:bodyPr wrap="square" rtlCol="0">
+            <a:spAutoFit/>
+          </a:bodyPr>
+          <a:lstStyle/>
+          <a:p>
+            <a:r>
+              <a:rPr lang="en-US" altLang="zh-CN" dirty="0" smtClean="0"/>
+              <a:t>binary</a:t>
+            </a:r>
+            <a:endParaRPr lang="zh-CN" altLang="en-US" dirty="0"/>
+          </a:p>
+        </p:txBody>
+      </p:sp>
+      <p:sp>
+        <p:nvSpPr>
+          <p:cNvPr id="10" name="文本框 9"/>
+          <p:cNvSpPr txBox="1"/>
+          <p:nvPr/>
+        </p:nvSpPr>
+        <p:spPr>
+          <a:xfrm>
+            <a:off x="2698591" y="3578199"/>
+            <a:ext cx="903249" cy="369332"/>
+          </a:xfrm>
+          <a:prstGeom prst="rect">
+            <a:avLst/>
+          </a:prstGeom>
+          <a:noFill/>
+        </p:spPr>
+        <p:txBody>
+          <a:bodyPr wrap="square" rtlCol="0">
+            <a:spAutoFit/>
+          </a:bodyPr>
+          <a:lstStyle/>
+          <a:p>
+            <a:r>
+              <a:rPr lang="en-US" altLang="zh-CN" dirty="0" smtClean="0"/>
+              <a:t>utf8</a:t>
+            </a:r>
+            <a:endParaRPr lang="zh-CN" altLang="en-US" dirty="0"/>
+          </a:p>
+        </p:txBody>
+      </p:sp>
+      <p:sp>
+        <p:nvSpPr>
+          <p:cNvPr id="11" name="文本框 10"/>
+          <p:cNvSpPr txBox="1"/>
+          <p:nvPr/>
+        </p:nvSpPr>
+        <p:spPr>
+          <a:xfrm>
+            <a:off x="2698592" y="3929799"/>
+            <a:ext cx="903249" cy="369332"/>
+          </a:xfrm>
+          <a:prstGeom prst="rect">
+            <a:avLst/>
+          </a:prstGeom>
+          <a:noFill/>
+        </p:spPr>
+        <p:txBody>
+          <a:bodyPr wrap="square" rtlCol="0">
+            <a:spAutoFit/>
+          </a:bodyPr>
+          <a:lstStyle/>
+          <a:p>
+            <a:r>
+              <a:rPr lang="en-US" altLang="zh-CN" dirty="0" smtClean="0"/>
+              <a:t>ascii</a:t>
+            </a:r>
+            <a:endParaRPr lang="zh-CN" altLang="en-US" dirty="0"/>
+          </a:p>
+        </p:txBody>
+      </p:sp>
+      <p:sp>
+        <p:nvSpPr>
+          <p:cNvPr id="12" name="文本框 11"/>
+          <p:cNvSpPr txBox="1"/>
+          <p:nvPr/>
+        </p:nvSpPr>
+        <p:spPr>
+          <a:xfrm>
+            <a:off x="2698591" y="4283378"/>
+            <a:ext cx="903249" cy="369332"/>
+          </a:xfrm>
+          <a:prstGeom prst="rect">
+            <a:avLst/>
+          </a:prstGeom>
+          <a:noFill/>
+        </p:spPr>
+        <p:txBody>
+          <a:bodyPr wrap="square" rtlCol="0">
+            <a:spAutoFit/>
+          </a:bodyPr>
+          <a:lstStyle/>
+          <a:p>
+            <a:r>
+              <a:rPr lang="en-US" altLang="zh-CN" dirty="0" smtClean="0"/>
+              <a:t>hex</a:t>
+            </a:r>
+            <a:endParaRPr lang="zh-CN" altLang="en-US" dirty="0"/>
+          </a:p>
+        </p:txBody>
+      </p:sp>
+      <p:sp>
+        <p:nvSpPr>
+          <p:cNvPr id="13" name="文本框 12"/>
+          <p:cNvSpPr txBox="1"/>
+          <p:nvPr/>
+        </p:nvSpPr>
+        <p:spPr>
+          <a:xfrm>
+            <a:off x="2659562" y="4636957"/>
+            <a:ext cx="903249" cy="369332"/>
+          </a:xfrm>
+          <a:prstGeom prst="rect">
+            <a:avLst/>
+          </a:prstGeom>
+          <a:noFill/>
+        </p:spPr>
+        <p:txBody>
+          <a:bodyPr wrap="square" rtlCol="0">
+            <a:spAutoFit/>
+          </a:bodyPr>
+          <a:lstStyle/>
+          <a:p>
+            <a:r>
+              <a:rPr lang="en-US" altLang="zh-CN" dirty="0" smtClean="0"/>
+              <a:t>base64</a:t>
+            </a:r>
+            <a:endParaRPr lang="zh-CN" altLang="en-US" dirty="0"/>
+          </a:p>
+        </p:txBody>
+      </p:sp>
+      <p:sp>
+        <p:nvSpPr>
+          <p:cNvPr id="14" name="文本框 13"/>
+          <p:cNvSpPr txBox="1"/>
+          <p:nvPr/>
+        </p:nvSpPr>
+        <p:spPr>
+          <a:xfrm>
+            <a:off x="2759923" y="4946779"/>
+            <a:ext cx="903249" cy="369332"/>
+          </a:xfrm>
+          <a:prstGeom prst="rect">
+            <a:avLst/>
+          </a:prstGeom>
+          <a:noFill/>
+        </p:spPr>
+        <p:txBody>
+          <a:bodyPr wrap="square" rtlCol="0">
+            <a:spAutoFit/>
+          </a:bodyPr>
+          <a:lstStyle/>
+          <a:p>
+            <a:r>
+              <a:rPr lang="en-US" altLang="zh-CN" dirty="0" smtClean="0"/>
+              <a:t>…</a:t>
+            </a:r>
+            <a:endParaRPr lang="zh-CN" altLang="en-US" dirty="0"/>
+          </a:p>
+        </p:txBody>
+      </p:sp>
+      <p:sp>
+        <p:nvSpPr>
+          <p:cNvPr id="15" name="右箭头 14"/>
+          <p:cNvSpPr/>
+          <p:nvPr/>
+        </p:nvSpPr>
+        <p:spPr>
+          <a:xfrm>
+            <a:off x="7690616" y="3977269"/>
+            <a:ext cx="825190" cy="557561"/>
+          </a:xfrm>
+          <a:prstGeom prst="rightArrow">
+            <a:avLst/>
+          </a:prstGeom>
+        </p:spPr>
+        <p:style>
+          <a:lnRef idx="2">
+            <a:schemeClr val="accent1">
+              <a:shade val="50000"/>
+            </a:schemeClr>
+          </a:lnRef>
+          <a:fillRef idx="1">
+            <a:schemeClr val="accent1"/>
+          </a:fillRef>
+          <a:effectRef idx="0">
+            <a:schemeClr val="accent1"/>
+          </a:effectRef>
+          <a:fontRef idx="minor">
+            <a:schemeClr val="lt1"/>
+          </a:fontRef>
+        </p:style>
+        <p:txBody>
+          <a:bodyPr rtlCol="0" anchor="ctr"/>
+          <a:lstStyle/>
+          <a:p>
+            <a:pPr algn="ctr"/>
+            <a:endParaRPr lang="zh-CN" altLang="en-US"/>
+          </a:p>
+        </p:txBody>
+      </p:sp>
+      <p:sp>
+        <p:nvSpPr>
+          <p:cNvPr id="16" name="椭圆 15"/>
+          <p:cNvSpPr/>
+          <p:nvPr/>
+        </p:nvSpPr>
+        <p:spPr>
+          <a:xfrm>
+            <a:off x="8526954" y="3007115"/>
+            <a:ext cx="1349298" cy="2386361"/>
+          </a:xfrm>
+          <a:prstGeom prst="ellipse">
+            <a:avLst/>
+          </a:prstGeom>
+        </p:spPr>
+        <p:style>
+          <a:lnRef idx="2">
+            <a:schemeClr val="accent1">
+              <a:shade val="50000"/>
+            </a:schemeClr>
+          </a:lnRef>
+          <a:fillRef idx="1">
+            <a:schemeClr val="accent1"/>
+          </a:fillRef>
+          <a:effectRef idx="0">
+            <a:schemeClr val="accent1"/>
+          </a:effectRef>
+          <a:fontRef idx="minor">
+            <a:schemeClr val="lt1"/>
+          </a:fontRef>
+        </p:style>
+        <p:txBody>
+          <a:bodyPr rtlCol="0" anchor="ctr"/>
+          <a:lstStyle/>
+          <a:p>
+            <a:pPr algn="ctr"/>
+            <a:endParaRPr lang="zh-CN" altLang="en-US"/>
+          </a:p>
+        </p:txBody>
+      </p:sp>
+      <p:sp>
+        <p:nvSpPr>
+          <p:cNvPr id="17" name="文本框 16"/>
+          <p:cNvSpPr txBox="1"/>
+          <p:nvPr/>
+        </p:nvSpPr>
+        <p:spPr>
+          <a:xfrm>
+            <a:off x="8802948" y="3217646"/>
+            <a:ext cx="903249" cy="369332"/>
+          </a:xfrm>
+          <a:prstGeom prst="rect">
+            <a:avLst/>
+          </a:prstGeom>
+          <a:noFill/>
+        </p:spPr>
+        <p:txBody>
+          <a:bodyPr wrap="square" rtlCol="0">
+            <a:spAutoFit/>
+          </a:bodyPr>
+          <a:lstStyle/>
+          <a:p>
+            <a:r>
+              <a:rPr lang="en-US" altLang="zh-CN" dirty="0" smtClean="0"/>
+              <a:t>binary</a:t>
+            </a:r>
+            <a:endParaRPr lang="zh-CN" altLang="en-US" dirty="0"/>
+          </a:p>
+        </p:txBody>
+      </p:sp>
+      <p:sp>
+        <p:nvSpPr>
+          <p:cNvPr id="18" name="文本框 17"/>
+          <p:cNvSpPr txBox="1"/>
+          <p:nvPr/>
+        </p:nvSpPr>
+        <p:spPr>
+          <a:xfrm>
+            <a:off x="8861491" y="3518729"/>
+            <a:ext cx="903249" cy="369332"/>
+          </a:xfrm>
+          <a:prstGeom prst="rect">
+            <a:avLst/>
+          </a:prstGeom>
+          <a:noFill/>
+        </p:spPr>
+        <p:txBody>
+          <a:bodyPr wrap="square" rtlCol="0">
+            <a:spAutoFit/>
+          </a:bodyPr>
+          <a:lstStyle/>
+          <a:p>
+            <a:r>
+              <a:rPr lang="en-US" altLang="zh-CN" dirty="0" smtClean="0"/>
+              <a:t>utf8</a:t>
+            </a:r>
+            <a:endParaRPr lang="zh-CN" altLang="en-US" dirty="0"/>
+          </a:p>
+        </p:txBody>
+      </p:sp>
+      <p:sp>
+        <p:nvSpPr>
+          <p:cNvPr id="19" name="文本框 18"/>
+          <p:cNvSpPr txBox="1"/>
+          <p:nvPr/>
+        </p:nvSpPr>
+        <p:spPr>
+          <a:xfrm>
+            <a:off x="8861492" y="3870329"/>
+            <a:ext cx="903249" cy="369332"/>
+          </a:xfrm>
+          <a:prstGeom prst="rect">
+            <a:avLst/>
+          </a:prstGeom>
+          <a:noFill/>
+        </p:spPr>
+        <p:txBody>
+          <a:bodyPr wrap="square" rtlCol="0">
+            <a:spAutoFit/>
+          </a:bodyPr>
+          <a:lstStyle/>
+          <a:p>
+            <a:r>
+              <a:rPr lang="en-US" altLang="zh-CN" dirty="0" smtClean="0"/>
+              <a:t>ascii</a:t>
+            </a:r>
+            <a:endParaRPr lang="zh-CN" altLang="en-US" dirty="0"/>
+          </a:p>
+        </p:txBody>
+      </p:sp>
+      <p:sp>
+        <p:nvSpPr>
+          <p:cNvPr id="20" name="文本框 19"/>
+          <p:cNvSpPr txBox="1"/>
+          <p:nvPr/>
+        </p:nvSpPr>
+        <p:spPr>
+          <a:xfrm>
+            <a:off x="8861491" y="4223908"/>
+            <a:ext cx="903249" cy="369332"/>
+          </a:xfrm>
+          <a:prstGeom prst="rect">
+            <a:avLst/>
+          </a:prstGeom>
+          <a:noFill/>
+        </p:spPr>
+        <p:txBody>
+          <a:bodyPr wrap="square" rtlCol="0">
+            <a:spAutoFit/>
+          </a:bodyPr>
+          <a:lstStyle/>
+          <a:p>
+            <a:r>
+              <a:rPr lang="en-US" altLang="zh-CN" dirty="0" smtClean="0"/>
+              <a:t>hex</a:t>
+            </a:r>
+            <a:endParaRPr lang="zh-CN" altLang="en-US" dirty="0"/>
+          </a:p>
+        </p:txBody>
+      </p:sp>
+      <p:sp>
+        <p:nvSpPr>
+          <p:cNvPr id="21" name="文本框 20"/>
+          <p:cNvSpPr txBox="1"/>
+          <p:nvPr/>
+        </p:nvSpPr>
+        <p:spPr>
+          <a:xfrm>
+            <a:off x="8822462" y="4577487"/>
+            <a:ext cx="903249" cy="369332"/>
+          </a:xfrm>
+          <a:prstGeom prst="rect">
+            <a:avLst/>
+          </a:prstGeom>
+          <a:noFill/>
+        </p:spPr>
+        <p:txBody>
+          <a:bodyPr wrap="square" rtlCol="0">
+            <a:spAutoFit/>
+          </a:bodyPr>
+          <a:lstStyle/>
+          <a:p>
+            <a:r>
+              <a:rPr lang="en-US" altLang="zh-CN" dirty="0" smtClean="0"/>
+              <a:t>base64</a:t>
+            </a:r>
+            <a:endParaRPr lang="zh-CN" altLang="en-US" dirty="0"/>
+          </a:p>
+        </p:txBody>
+      </p:sp>
+      <p:sp>
+        <p:nvSpPr>
+          <p:cNvPr id="22" name="文本框 21"/>
+          <p:cNvSpPr txBox="1"/>
+          <p:nvPr/>
+        </p:nvSpPr>
+        <p:spPr>
+          <a:xfrm>
+            <a:off x="8922823" y="4887309"/>
+            <a:ext cx="903249" cy="369332"/>
+          </a:xfrm>
+          <a:prstGeom prst="rect">
+            <a:avLst/>
+          </a:prstGeom>
+          <a:noFill/>
+        </p:spPr>
+        <p:txBody>
+          <a:bodyPr wrap="square" rtlCol="0">
+            <a:spAutoFit/>
+          </a:bodyPr>
+          <a:lstStyle/>
+          <a:p>
+            <a:r>
+              <a:rPr lang="en-US" altLang="zh-CN" dirty="0" smtClean="0"/>
+              <a:t>…</a:t>
+            </a:r>
+            <a:endParaRPr lang="zh-CN" altLang="en-US" dirty="0"/>
+          </a:p>
+        </p:txBody>
+      </p:sp>
+      <p:sp>
+        <p:nvSpPr>
+          <p:cNvPr id="23" name="文本框 22"/>
+          <p:cNvSpPr txBox="1"/>
+          <p:nvPr/>
+        </p:nvSpPr>
+        <p:spPr>
+          <a:xfrm>
+            <a:off x="5809780" y="5813350"/>
+            <a:ext cx="1382751" cy="369332"/>
+          </a:xfrm>
+          <a:prstGeom prst="rect">
+            <a:avLst/>
+          </a:prstGeom>
+          <a:noFill/>
+        </p:spPr>
+        <p:txBody>
+          <a:bodyPr wrap="square" rtlCol="0">
+            <a:spAutoFit/>
+          </a:bodyPr>
+          <a:lstStyle/>
+          <a:p>
+            <a:r>
+              <a:rPr lang="en-US" altLang="zh-CN" dirty="0" smtClean="0"/>
+              <a:t>buffer</a:t>
+            </a:r>
+            <a:endParaRPr lang="zh-CN" altLang="en-US" dirty="0"/>
+          </a:p>
+        </p:txBody>
+      </p:sp>
+      <p:sp>
+        <p:nvSpPr>
+          <p:cNvPr id="24" name="文本框 23"/>
+          <p:cNvSpPr txBox="1"/>
+          <p:nvPr/>
+        </p:nvSpPr>
+        <p:spPr>
+          <a:xfrm>
+            <a:off x="2759923" y="5798636"/>
+            <a:ext cx="1120701" cy="369332"/>
+          </a:xfrm>
+          <a:prstGeom prst="rect">
+            <a:avLst/>
+          </a:prstGeom>
+          <a:noFill/>
+        </p:spPr>
+        <p:txBody>
+          <a:bodyPr wrap="square" rtlCol="0">
+            <a:spAutoFit/>
+          </a:bodyPr>
+          <a:lstStyle/>
+          <a:p>
+            <a:r>
+              <a:rPr lang="zh-CN" altLang="en-US" dirty="0"/>
+              <a:t>数据</a:t>
+            </a:r>
+          </a:p>
+        </p:txBody>
+      </p:sp>
+      <p:sp>
+        <p:nvSpPr>
+          <p:cNvPr id="25" name="文本框 24"/>
+          <p:cNvSpPr txBox="1"/>
+          <p:nvPr/>
+        </p:nvSpPr>
+        <p:spPr>
+          <a:xfrm>
+            <a:off x="9045487" y="5794922"/>
+            <a:ext cx="1120701" cy="369332"/>
+          </a:xfrm>
+          <a:prstGeom prst="rect">
+            <a:avLst/>
+          </a:prstGeom>
+          <a:noFill/>
+        </p:spPr>
+        <p:txBody>
+          <a:bodyPr wrap="square" rtlCol="0">
+            <a:spAutoFit/>
+          </a:bodyPr>
+          <a:lstStyle/>
+          <a:p>
+            <a:r>
+              <a:rPr lang="zh-CN" altLang="en-US" dirty="0"/>
+              <a:t>数据</a:t>
+            </a:r>
+          </a:p>
+        </p:txBody>
+      </p:sp>
+    </p:spTree>
+    <p:extLst>
+      <p:ext uri="{BB962C8B-B14F-4D97-AF65-F5344CB8AC3E}">
+        <p14:creationId xmlns:p14="http://schemas.microsoft.com/office/powerpoint/2010/main" val="77438121"/>
       </p:ext>
     </p:extLst>
   </p:cSld>

--- a/images/map.pptx
+++ b/images/map.pptx
@@ -7,6 +7,8 @@
   <p:sldIdLst>
     <p:sldId id="256" r:id="rId2"/>
     <p:sldId id="257" r:id="rId3"/>
+    <p:sldId id="258" r:id="rId4"/>
+    <p:sldId id="259" r:id="rId5"/>
   </p:sldIdLst>
   <p:sldSz cx="12192000" cy="6858000"/>
   <p:notesSz cx="6858000" cy="9144000"/>
@@ -244,7 +246,7 @@
           <a:p>
             <a:fld id="{031F6F84-56E5-4BF1-A4D7-2842F09AB003}" type="datetimeFigureOut">
               <a:rPr lang="zh-CN" altLang="en-US" smtClean="0"/>
-              <a:t>2017/4/20</a:t>
+              <a:t>2017/4/21</a:t>
             </a:fld>
             <a:endParaRPr lang="zh-CN" altLang="en-US"/>
           </a:p>
@@ -414,7 +416,7 @@
           <a:p>
             <a:fld id="{031F6F84-56E5-4BF1-A4D7-2842F09AB003}" type="datetimeFigureOut">
               <a:rPr lang="zh-CN" altLang="en-US" smtClean="0"/>
-              <a:t>2017/4/20</a:t>
+              <a:t>2017/4/21</a:t>
             </a:fld>
             <a:endParaRPr lang="zh-CN" altLang="en-US"/>
           </a:p>
@@ -594,7 +596,7 @@
           <a:p>
             <a:fld id="{031F6F84-56E5-4BF1-A4D7-2842F09AB003}" type="datetimeFigureOut">
               <a:rPr lang="zh-CN" altLang="en-US" smtClean="0"/>
-              <a:t>2017/4/20</a:t>
+              <a:t>2017/4/21</a:t>
             </a:fld>
             <a:endParaRPr lang="zh-CN" altLang="en-US"/>
           </a:p>
@@ -764,7 +766,7 @@
           <a:p>
             <a:fld id="{031F6F84-56E5-4BF1-A4D7-2842F09AB003}" type="datetimeFigureOut">
               <a:rPr lang="zh-CN" altLang="en-US" smtClean="0"/>
-              <a:t>2017/4/20</a:t>
+              <a:t>2017/4/21</a:t>
             </a:fld>
             <a:endParaRPr lang="zh-CN" altLang="en-US"/>
           </a:p>
@@ -1010,7 +1012,7 @@
           <a:p>
             <a:fld id="{031F6F84-56E5-4BF1-A4D7-2842F09AB003}" type="datetimeFigureOut">
               <a:rPr lang="zh-CN" altLang="en-US" smtClean="0"/>
-              <a:t>2017/4/20</a:t>
+              <a:t>2017/4/21</a:t>
             </a:fld>
             <a:endParaRPr lang="zh-CN" altLang="en-US"/>
           </a:p>
@@ -1242,7 +1244,7 @@
           <a:p>
             <a:fld id="{031F6F84-56E5-4BF1-A4D7-2842F09AB003}" type="datetimeFigureOut">
               <a:rPr lang="zh-CN" altLang="en-US" smtClean="0"/>
-              <a:t>2017/4/20</a:t>
+              <a:t>2017/4/21</a:t>
             </a:fld>
             <a:endParaRPr lang="zh-CN" altLang="en-US"/>
           </a:p>
@@ -1609,7 +1611,7 @@
           <a:p>
             <a:fld id="{031F6F84-56E5-4BF1-A4D7-2842F09AB003}" type="datetimeFigureOut">
               <a:rPr lang="zh-CN" altLang="en-US" smtClean="0"/>
-              <a:t>2017/4/20</a:t>
+              <a:t>2017/4/21</a:t>
             </a:fld>
             <a:endParaRPr lang="zh-CN" altLang="en-US"/>
           </a:p>
@@ -1727,7 +1729,7 @@
           <a:p>
             <a:fld id="{031F6F84-56E5-4BF1-A4D7-2842F09AB003}" type="datetimeFigureOut">
               <a:rPr lang="zh-CN" altLang="en-US" smtClean="0"/>
-              <a:t>2017/4/20</a:t>
+              <a:t>2017/4/21</a:t>
             </a:fld>
             <a:endParaRPr lang="zh-CN" altLang="en-US"/>
           </a:p>
@@ -1822,7 +1824,7 @@
           <a:p>
             <a:fld id="{031F6F84-56E5-4BF1-A4D7-2842F09AB003}" type="datetimeFigureOut">
               <a:rPr lang="zh-CN" altLang="en-US" smtClean="0"/>
-              <a:t>2017/4/20</a:t>
+              <a:t>2017/4/21</a:t>
             </a:fld>
             <a:endParaRPr lang="zh-CN" altLang="en-US"/>
           </a:p>
@@ -2099,7 +2101,7 @@
           <a:p>
             <a:fld id="{031F6F84-56E5-4BF1-A4D7-2842F09AB003}" type="datetimeFigureOut">
               <a:rPr lang="zh-CN" altLang="en-US" smtClean="0"/>
-              <a:t>2017/4/20</a:t>
+              <a:t>2017/4/21</a:t>
             </a:fld>
             <a:endParaRPr lang="zh-CN" altLang="en-US"/>
           </a:p>
@@ -2352,7 +2354,7 @@
           <a:p>
             <a:fld id="{031F6F84-56E5-4BF1-A4D7-2842F09AB003}" type="datetimeFigureOut">
               <a:rPr lang="zh-CN" altLang="en-US" smtClean="0"/>
-              <a:t>2017/4/20</a:t>
+              <a:t>2017/4/21</a:t>
             </a:fld>
             <a:endParaRPr lang="zh-CN" altLang="en-US"/>
           </a:p>
@@ -2565,7 +2567,7 @@
           <a:p>
             <a:fld id="{031F6F84-56E5-4BF1-A4D7-2842F09AB003}" type="datetimeFigureOut">
               <a:rPr lang="zh-CN" altLang="en-US" smtClean="0"/>
-              <a:t>2017/4/20</a:t>
+              <a:t>2017/4/21</a:t>
             </a:fld>
             <a:endParaRPr lang="zh-CN" altLang="en-US"/>
           </a:p>
@@ -4469,6 +4471,4425 @@
 </p:sld>
 </file>
 
+<file path=ppt/slides/slide3.xml><?xml version="1.0" encoding="utf-8"?>
+<p:sld xmlns:a="http://schemas.openxmlformats.org/drawingml/2006/main" xmlns:r="http://schemas.openxmlformats.org/officeDocument/2006/relationships" xmlns:p="http://schemas.openxmlformats.org/presentationml/2006/main">
+  <p:cSld>
+    <p:spTree>
+      <p:nvGrpSpPr>
+        <p:cNvPr id="1" name=""/>
+        <p:cNvGrpSpPr/>
+        <p:nvPr/>
+      </p:nvGrpSpPr>
+      <p:grpSpPr>
+        <a:xfrm>
+          <a:off x="0" y="0"/>
+          <a:ext cx="0" cy="0"/>
+          <a:chOff x="0" y="0"/>
+          <a:chExt cx="0" cy="0"/>
+        </a:xfrm>
+      </p:grpSpPr>
+      <p:sp>
+        <p:nvSpPr>
+          <p:cNvPr id="4" name="圆角矩形 3"/>
+          <p:cNvSpPr/>
+          <p:nvPr/>
+        </p:nvSpPr>
+        <p:spPr>
+          <a:xfrm>
+            <a:off x="521328" y="3501483"/>
+            <a:ext cx="1151358" cy="1248937"/>
+          </a:xfrm>
+          <a:prstGeom prst="roundRect">
+            <a:avLst/>
+          </a:prstGeom>
+        </p:spPr>
+        <p:style>
+          <a:lnRef idx="2">
+            <a:schemeClr val="accent1">
+              <a:shade val="50000"/>
+            </a:schemeClr>
+          </a:lnRef>
+          <a:fillRef idx="1">
+            <a:schemeClr val="accent1"/>
+          </a:fillRef>
+          <a:effectRef idx="0">
+            <a:schemeClr val="accent1"/>
+          </a:effectRef>
+          <a:fontRef idx="minor">
+            <a:schemeClr val="lt1"/>
+          </a:fontRef>
+        </p:style>
+        <p:txBody>
+          <a:bodyPr rtlCol="0" anchor="ctr"/>
+          <a:lstStyle/>
+          <a:p>
+            <a:pPr algn="ctr"/>
+            <a:endParaRPr lang="zh-CN" altLang="en-US"/>
+          </a:p>
+        </p:txBody>
+      </p:sp>
+      <p:sp>
+        <p:nvSpPr>
+          <p:cNvPr id="5" name="文本框 4"/>
+          <p:cNvSpPr txBox="1"/>
+          <p:nvPr/>
+        </p:nvSpPr>
+        <p:spPr>
+          <a:xfrm>
+            <a:off x="713680" y="4119705"/>
+            <a:ext cx="869796" cy="369332"/>
+          </a:xfrm>
+          <a:prstGeom prst="rect">
+            <a:avLst/>
+          </a:prstGeom>
+          <a:noFill/>
+        </p:spPr>
+        <p:txBody>
+          <a:bodyPr wrap="square" rtlCol="0">
+            <a:spAutoFit/>
+          </a:bodyPr>
+          <a:lstStyle/>
+          <a:p>
+            <a:r>
+              <a:rPr lang="zh-CN" altLang="en-US" dirty="0" smtClean="0"/>
+              <a:t>源文件</a:t>
+            </a:r>
+            <a:endParaRPr lang="zh-CN" altLang="en-US" dirty="0"/>
+          </a:p>
+        </p:txBody>
+      </p:sp>
+      <p:sp>
+        <p:nvSpPr>
+          <p:cNvPr id="6" name="矩形 5"/>
+          <p:cNvSpPr/>
+          <p:nvPr/>
+        </p:nvSpPr>
+        <p:spPr>
+          <a:xfrm>
+            <a:off x="2816614" y="3947533"/>
+            <a:ext cx="1618792" cy="802887"/>
+          </a:xfrm>
+          <a:prstGeom prst="rect">
+            <a:avLst/>
+          </a:prstGeom>
+        </p:spPr>
+        <p:style>
+          <a:lnRef idx="2">
+            <a:schemeClr val="accent1">
+              <a:shade val="50000"/>
+            </a:schemeClr>
+          </a:lnRef>
+          <a:fillRef idx="1">
+            <a:schemeClr val="accent1"/>
+          </a:fillRef>
+          <a:effectRef idx="0">
+            <a:schemeClr val="accent1"/>
+          </a:effectRef>
+          <a:fontRef idx="minor">
+            <a:schemeClr val="lt1"/>
+          </a:fontRef>
+        </p:style>
+        <p:txBody>
+          <a:bodyPr rtlCol="0" anchor="ctr"/>
+          <a:lstStyle/>
+          <a:p>
+            <a:pPr algn="ctr"/>
+            <a:endParaRPr lang="zh-CN" altLang="en-US"/>
+          </a:p>
+        </p:txBody>
+      </p:sp>
+      <p:sp>
+        <p:nvSpPr>
+          <p:cNvPr id="7" name="矩形 6"/>
+          <p:cNvSpPr/>
+          <p:nvPr/>
+        </p:nvSpPr>
+        <p:spPr>
+          <a:xfrm>
+            <a:off x="2910470" y="4304370"/>
+            <a:ext cx="312234" cy="345687"/>
+          </a:xfrm>
+          <a:prstGeom prst="rect">
+            <a:avLst/>
+          </a:prstGeom>
+        </p:spPr>
+        <p:style>
+          <a:lnRef idx="2">
+            <a:schemeClr val="accent3">
+              <a:shade val="50000"/>
+            </a:schemeClr>
+          </a:lnRef>
+          <a:fillRef idx="1">
+            <a:schemeClr val="accent3"/>
+          </a:fillRef>
+          <a:effectRef idx="0">
+            <a:schemeClr val="accent3"/>
+          </a:effectRef>
+          <a:fontRef idx="minor">
+            <a:schemeClr val="lt1"/>
+          </a:fontRef>
+        </p:style>
+        <p:txBody>
+          <a:bodyPr rtlCol="0" anchor="ctr"/>
+          <a:lstStyle/>
+          <a:p>
+            <a:pPr algn="ctr"/>
+            <a:endParaRPr lang="zh-CN" altLang="en-US"/>
+          </a:p>
+        </p:txBody>
+      </p:sp>
+      <p:sp>
+        <p:nvSpPr>
+          <p:cNvPr id="8" name="矩形 7"/>
+          <p:cNvSpPr/>
+          <p:nvPr/>
+        </p:nvSpPr>
+        <p:spPr>
+          <a:xfrm>
+            <a:off x="3263592" y="4304370"/>
+            <a:ext cx="312234" cy="345688"/>
+          </a:xfrm>
+          <a:prstGeom prst="rect">
+            <a:avLst/>
+          </a:prstGeom>
+        </p:spPr>
+        <p:style>
+          <a:lnRef idx="2">
+            <a:schemeClr val="accent3">
+              <a:shade val="50000"/>
+            </a:schemeClr>
+          </a:lnRef>
+          <a:fillRef idx="1">
+            <a:schemeClr val="accent3"/>
+          </a:fillRef>
+          <a:effectRef idx="0">
+            <a:schemeClr val="accent3"/>
+          </a:effectRef>
+          <a:fontRef idx="minor">
+            <a:schemeClr val="lt1"/>
+          </a:fontRef>
+        </p:style>
+        <p:txBody>
+          <a:bodyPr rtlCol="0" anchor="ctr"/>
+          <a:lstStyle/>
+          <a:p>
+            <a:pPr algn="ctr"/>
+            <a:endParaRPr lang="zh-CN" altLang="en-US"/>
+          </a:p>
+        </p:txBody>
+      </p:sp>
+      <p:sp>
+        <p:nvSpPr>
+          <p:cNvPr id="9" name="矩形 8"/>
+          <p:cNvSpPr/>
+          <p:nvPr/>
+        </p:nvSpPr>
+        <p:spPr>
+          <a:xfrm>
+            <a:off x="3616714" y="4304370"/>
+            <a:ext cx="312234" cy="345688"/>
+          </a:xfrm>
+          <a:prstGeom prst="rect">
+            <a:avLst/>
+          </a:prstGeom>
+        </p:spPr>
+        <p:style>
+          <a:lnRef idx="2">
+            <a:schemeClr val="accent3">
+              <a:shade val="50000"/>
+            </a:schemeClr>
+          </a:lnRef>
+          <a:fillRef idx="1">
+            <a:schemeClr val="accent3"/>
+          </a:fillRef>
+          <a:effectRef idx="0">
+            <a:schemeClr val="accent3"/>
+          </a:effectRef>
+          <a:fontRef idx="minor">
+            <a:schemeClr val="lt1"/>
+          </a:fontRef>
+        </p:style>
+        <p:txBody>
+          <a:bodyPr rtlCol="0" anchor="ctr"/>
+          <a:lstStyle/>
+          <a:p>
+            <a:pPr algn="ctr"/>
+            <a:endParaRPr lang="zh-CN" altLang="en-US"/>
+          </a:p>
+        </p:txBody>
+      </p:sp>
+      <p:sp>
+        <p:nvSpPr>
+          <p:cNvPr id="10" name="矩形 9"/>
+          <p:cNvSpPr/>
+          <p:nvPr/>
+        </p:nvSpPr>
+        <p:spPr>
+          <a:xfrm>
+            <a:off x="3969836" y="4304370"/>
+            <a:ext cx="312234" cy="345688"/>
+          </a:xfrm>
+          <a:prstGeom prst="rect">
+            <a:avLst/>
+          </a:prstGeom>
+        </p:spPr>
+        <p:style>
+          <a:lnRef idx="2">
+            <a:schemeClr val="accent3">
+              <a:shade val="50000"/>
+            </a:schemeClr>
+          </a:lnRef>
+          <a:fillRef idx="1">
+            <a:schemeClr val="accent3"/>
+          </a:fillRef>
+          <a:effectRef idx="0">
+            <a:schemeClr val="accent3"/>
+          </a:effectRef>
+          <a:fontRef idx="minor">
+            <a:schemeClr val="lt1"/>
+          </a:fontRef>
+        </p:style>
+        <p:txBody>
+          <a:bodyPr rtlCol="0" anchor="ctr"/>
+          <a:lstStyle/>
+          <a:p>
+            <a:pPr algn="ctr"/>
+            <a:endParaRPr lang="zh-CN" altLang="en-US"/>
+          </a:p>
+        </p:txBody>
+      </p:sp>
+      <p:sp>
+        <p:nvSpPr>
+          <p:cNvPr id="11" name="右箭头 10"/>
+          <p:cNvSpPr/>
+          <p:nvPr/>
+        </p:nvSpPr>
+        <p:spPr>
+          <a:xfrm>
+            <a:off x="1797206" y="4086252"/>
+            <a:ext cx="934843" cy="625811"/>
+          </a:xfrm>
+          <a:prstGeom prst="rightArrow">
+            <a:avLst/>
+          </a:prstGeom>
+        </p:spPr>
+        <p:style>
+          <a:lnRef idx="2">
+            <a:schemeClr val="accent4">
+              <a:shade val="50000"/>
+            </a:schemeClr>
+          </a:lnRef>
+          <a:fillRef idx="1">
+            <a:schemeClr val="accent4"/>
+          </a:fillRef>
+          <a:effectRef idx="0">
+            <a:schemeClr val="accent4"/>
+          </a:effectRef>
+          <a:fontRef idx="minor">
+            <a:schemeClr val="lt1"/>
+          </a:fontRef>
+        </p:style>
+        <p:txBody>
+          <a:bodyPr rtlCol="0" anchor="ctr"/>
+          <a:lstStyle/>
+          <a:p>
+            <a:pPr algn="ctr"/>
+            <a:endParaRPr lang="zh-CN" altLang="en-US"/>
+          </a:p>
+        </p:txBody>
+      </p:sp>
+      <p:sp>
+        <p:nvSpPr>
+          <p:cNvPr id="12" name="文本框 11"/>
+          <p:cNvSpPr txBox="1"/>
+          <p:nvPr/>
+        </p:nvSpPr>
+        <p:spPr>
+          <a:xfrm>
+            <a:off x="1795348" y="4208911"/>
+            <a:ext cx="892097" cy="369332"/>
+          </a:xfrm>
+          <a:prstGeom prst="rect">
+            <a:avLst/>
+          </a:prstGeom>
+          <a:noFill/>
+        </p:spPr>
+        <p:txBody>
+          <a:bodyPr wrap="square" rtlCol="0">
+            <a:spAutoFit/>
+          </a:bodyPr>
+          <a:lstStyle/>
+          <a:p>
+            <a:r>
+              <a:rPr lang="en-US" altLang="zh-CN" dirty="0" smtClean="0"/>
+              <a:t>_read()</a:t>
+            </a:r>
+            <a:endParaRPr lang="zh-CN" altLang="en-US" dirty="0"/>
+          </a:p>
+        </p:txBody>
+      </p:sp>
+      <p:sp>
+        <p:nvSpPr>
+          <p:cNvPr id="13" name="右箭头 12"/>
+          <p:cNvSpPr/>
+          <p:nvPr/>
+        </p:nvSpPr>
+        <p:spPr>
+          <a:xfrm>
+            <a:off x="4502313" y="4083211"/>
+            <a:ext cx="1084450" cy="625811"/>
+          </a:xfrm>
+          <a:prstGeom prst="rightArrow">
+            <a:avLst/>
+          </a:prstGeom>
+        </p:spPr>
+        <p:style>
+          <a:lnRef idx="2">
+            <a:schemeClr val="accent4">
+              <a:shade val="50000"/>
+            </a:schemeClr>
+          </a:lnRef>
+          <a:fillRef idx="1">
+            <a:schemeClr val="accent4"/>
+          </a:fillRef>
+          <a:effectRef idx="0">
+            <a:schemeClr val="accent4"/>
+          </a:effectRef>
+          <a:fontRef idx="minor">
+            <a:schemeClr val="lt1"/>
+          </a:fontRef>
+        </p:style>
+        <p:txBody>
+          <a:bodyPr rtlCol="0" anchor="ctr"/>
+          <a:lstStyle/>
+          <a:p>
+            <a:pPr algn="ctr"/>
+            <a:endParaRPr lang="zh-CN" altLang="en-US"/>
+          </a:p>
+        </p:txBody>
+      </p:sp>
+      <p:sp>
+        <p:nvSpPr>
+          <p:cNvPr id="14" name="文本框 13"/>
+          <p:cNvSpPr txBox="1"/>
+          <p:nvPr/>
+        </p:nvSpPr>
+        <p:spPr>
+          <a:xfrm>
+            <a:off x="4679797" y="4216348"/>
+            <a:ext cx="892097" cy="369332"/>
+          </a:xfrm>
+          <a:prstGeom prst="rect">
+            <a:avLst/>
+          </a:prstGeom>
+          <a:noFill/>
+        </p:spPr>
+        <p:txBody>
+          <a:bodyPr wrap="square" rtlCol="0">
+            <a:spAutoFit/>
+          </a:bodyPr>
+          <a:lstStyle/>
+          <a:p>
+            <a:r>
+              <a:rPr lang="en-US" altLang="zh-CN" dirty="0" smtClean="0"/>
+              <a:t>read()</a:t>
+            </a:r>
+            <a:endParaRPr lang="zh-CN" altLang="en-US" dirty="0"/>
+          </a:p>
+        </p:txBody>
+      </p:sp>
+      <p:sp>
+        <p:nvSpPr>
+          <p:cNvPr id="15" name="文本框 14"/>
+          <p:cNvSpPr txBox="1"/>
+          <p:nvPr/>
+        </p:nvSpPr>
+        <p:spPr>
+          <a:xfrm>
+            <a:off x="3091675" y="4373509"/>
+            <a:ext cx="706244" cy="338554"/>
+          </a:xfrm>
+          <a:prstGeom prst="rect">
+            <a:avLst/>
+          </a:prstGeom>
+          <a:noFill/>
+        </p:spPr>
+        <p:txBody>
+          <a:bodyPr wrap="square" rtlCol="0">
+            <a:spAutoFit/>
+          </a:bodyPr>
+          <a:lstStyle/>
+          <a:p>
+            <a:r>
+              <a:rPr lang="en-US" altLang="zh-CN" sz="1600" dirty="0" smtClean="0"/>
+              <a:t>chunk</a:t>
+            </a:r>
+            <a:endParaRPr lang="zh-CN" altLang="en-US" sz="1600" dirty="0"/>
+          </a:p>
+        </p:txBody>
+      </p:sp>
+      <p:sp>
+        <p:nvSpPr>
+          <p:cNvPr id="16" name="文本框 15"/>
+          <p:cNvSpPr txBox="1"/>
+          <p:nvPr/>
+        </p:nvSpPr>
+        <p:spPr>
+          <a:xfrm>
+            <a:off x="3263592" y="3942172"/>
+            <a:ext cx="769434" cy="369332"/>
+          </a:xfrm>
+          <a:prstGeom prst="rect">
+            <a:avLst/>
+          </a:prstGeom>
+          <a:noFill/>
+        </p:spPr>
+        <p:txBody>
+          <a:bodyPr wrap="square" rtlCol="0">
+            <a:spAutoFit/>
+          </a:bodyPr>
+          <a:lstStyle/>
+          <a:p>
+            <a:r>
+              <a:rPr lang="en-US" altLang="zh-CN" dirty="0" smtClean="0"/>
+              <a:t>buffer</a:t>
+            </a:r>
+            <a:endParaRPr lang="zh-CN" altLang="en-US" dirty="0"/>
+          </a:p>
+        </p:txBody>
+      </p:sp>
+      <p:sp>
+        <p:nvSpPr>
+          <p:cNvPr id="17" name="矩形 16"/>
+          <p:cNvSpPr/>
+          <p:nvPr/>
+        </p:nvSpPr>
+        <p:spPr>
+          <a:xfrm>
+            <a:off x="2816614" y="2859176"/>
+            <a:ext cx="312234" cy="345688"/>
+          </a:xfrm>
+          <a:prstGeom prst="rect">
+            <a:avLst/>
+          </a:prstGeom>
+        </p:spPr>
+        <p:style>
+          <a:lnRef idx="2">
+            <a:schemeClr val="accent3">
+              <a:shade val="50000"/>
+            </a:schemeClr>
+          </a:lnRef>
+          <a:fillRef idx="1">
+            <a:schemeClr val="accent3"/>
+          </a:fillRef>
+          <a:effectRef idx="0">
+            <a:schemeClr val="accent3"/>
+          </a:effectRef>
+          <a:fontRef idx="minor">
+            <a:schemeClr val="lt1"/>
+          </a:fontRef>
+        </p:style>
+        <p:txBody>
+          <a:bodyPr rtlCol="0" anchor="ctr"/>
+          <a:lstStyle/>
+          <a:p>
+            <a:pPr algn="ctr"/>
+            <a:endParaRPr lang="zh-CN" altLang="en-US"/>
+          </a:p>
+        </p:txBody>
+      </p:sp>
+      <p:sp>
+        <p:nvSpPr>
+          <p:cNvPr id="18" name="下箭头 17"/>
+          <p:cNvSpPr/>
+          <p:nvPr/>
+        </p:nvSpPr>
+        <p:spPr>
+          <a:xfrm>
+            <a:off x="2706959" y="3345367"/>
+            <a:ext cx="531543" cy="512956"/>
+          </a:xfrm>
+          <a:prstGeom prst="downArrow">
+            <a:avLst/>
+          </a:prstGeom>
+        </p:spPr>
+        <p:style>
+          <a:lnRef idx="2">
+            <a:schemeClr val="accent4">
+              <a:shade val="50000"/>
+            </a:schemeClr>
+          </a:lnRef>
+          <a:fillRef idx="1">
+            <a:schemeClr val="accent4"/>
+          </a:fillRef>
+          <a:effectRef idx="0">
+            <a:schemeClr val="accent4"/>
+          </a:effectRef>
+          <a:fontRef idx="minor">
+            <a:schemeClr val="lt1"/>
+          </a:fontRef>
+        </p:style>
+        <p:txBody>
+          <a:bodyPr rtlCol="0" anchor="ctr"/>
+          <a:lstStyle/>
+          <a:p>
+            <a:pPr algn="ctr"/>
+            <a:endParaRPr lang="zh-CN" altLang="en-US"/>
+          </a:p>
+        </p:txBody>
+      </p:sp>
+      <p:sp>
+        <p:nvSpPr>
+          <p:cNvPr id="19" name="文本框 18"/>
+          <p:cNvSpPr txBox="1"/>
+          <p:nvPr/>
+        </p:nvSpPr>
+        <p:spPr>
+          <a:xfrm>
+            <a:off x="2583367" y="3394429"/>
+            <a:ext cx="836342" cy="369332"/>
+          </a:xfrm>
+          <a:prstGeom prst="rect">
+            <a:avLst/>
+          </a:prstGeom>
+          <a:noFill/>
+        </p:spPr>
+        <p:txBody>
+          <a:bodyPr wrap="square" rtlCol="0">
+            <a:spAutoFit/>
+          </a:bodyPr>
+          <a:lstStyle/>
+          <a:p>
+            <a:r>
+              <a:rPr lang="en-US" altLang="zh-CN" dirty="0" smtClean="0"/>
+              <a:t>Push()</a:t>
+            </a:r>
+            <a:endParaRPr lang="zh-CN" altLang="en-US" dirty="0"/>
+          </a:p>
+        </p:txBody>
+      </p:sp>
+      <p:sp>
+        <p:nvSpPr>
+          <p:cNvPr id="21" name="图文框 20"/>
+          <p:cNvSpPr/>
+          <p:nvPr/>
+        </p:nvSpPr>
+        <p:spPr>
+          <a:xfrm>
+            <a:off x="1739594" y="3271769"/>
+            <a:ext cx="3969832" cy="2649529"/>
+          </a:xfrm>
+          <a:prstGeom prst="frame">
+            <a:avLst>
+              <a:gd name="adj1" fmla="val 0"/>
+            </a:avLst>
+          </a:prstGeom>
+          <a:solidFill>
+            <a:srgbClr val="FF0000"/>
+          </a:solidFill>
+        </p:spPr>
+        <p:style>
+          <a:lnRef idx="2">
+            <a:schemeClr val="accent1">
+              <a:shade val="50000"/>
+            </a:schemeClr>
+          </a:lnRef>
+          <a:fillRef idx="1">
+            <a:schemeClr val="accent1"/>
+          </a:fillRef>
+          <a:effectRef idx="0">
+            <a:schemeClr val="accent1"/>
+          </a:effectRef>
+          <a:fontRef idx="minor">
+            <a:schemeClr val="lt1"/>
+          </a:fontRef>
+        </p:style>
+        <p:txBody>
+          <a:bodyPr rtlCol="0" anchor="ctr"/>
+          <a:lstStyle/>
+          <a:p>
+            <a:pPr algn="ctr"/>
+            <a:endParaRPr lang="zh-CN" altLang="en-US">
+              <a:solidFill>
+                <a:schemeClr val="tx1"/>
+              </a:solidFill>
+            </a:endParaRPr>
+          </a:p>
+        </p:txBody>
+      </p:sp>
+      <p:sp>
+        <p:nvSpPr>
+          <p:cNvPr id="22" name="文本框 21"/>
+          <p:cNvSpPr txBox="1"/>
+          <p:nvPr/>
+        </p:nvSpPr>
+        <p:spPr>
+          <a:xfrm>
+            <a:off x="3162298" y="5585640"/>
+            <a:ext cx="1345581" cy="369332"/>
+          </a:xfrm>
+          <a:prstGeom prst="rect">
+            <a:avLst/>
+          </a:prstGeom>
+          <a:noFill/>
+        </p:spPr>
+        <p:txBody>
+          <a:bodyPr wrap="square" rtlCol="0">
+            <a:spAutoFit/>
+          </a:bodyPr>
+          <a:lstStyle/>
+          <a:p>
+            <a:r>
+              <a:rPr lang="en-US" altLang="zh-CN" dirty="0" smtClean="0"/>
+              <a:t>Readable</a:t>
+            </a:r>
+            <a:endParaRPr lang="zh-CN" altLang="en-US" dirty="0"/>
+          </a:p>
+        </p:txBody>
+      </p:sp>
+      <p:sp>
+        <p:nvSpPr>
+          <p:cNvPr id="2" name="椭圆 1"/>
+          <p:cNvSpPr/>
+          <p:nvPr/>
+        </p:nvSpPr>
+        <p:spPr>
+          <a:xfrm>
+            <a:off x="1938446" y="5304401"/>
+            <a:ext cx="709960" cy="508497"/>
+          </a:xfrm>
+          <a:prstGeom prst="ellipse">
+            <a:avLst/>
+          </a:prstGeom>
+        </p:spPr>
+        <p:style>
+          <a:lnRef idx="2">
+            <a:schemeClr val="accent6">
+              <a:shade val="50000"/>
+            </a:schemeClr>
+          </a:lnRef>
+          <a:fillRef idx="1">
+            <a:schemeClr val="accent6"/>
+          </a:fillRef>
+          <a:effectRef idx="0">
+            <a:schemeClr val="accent6"/>
+          </a:effectRef>
+          <a:fontRef idx="minor">
+            <a:schemeClr val="lt1"/>
+          </a:fontRef>
+        </p:style>
+        <p:txBody>
+          <a:bodyPr rtlCol="0" anchor="ctr"/>
+          <a:lstStyle/>
+          <a:p>
+            <a:pPr algn="ctr"/>
+            <a:endParaRPr lang="zh-CN" altLang="en-US"/>
+          </a:p>
+        </p:txBody>
+      </p:sp>
+      <p:sp>
+        <p:nvSpPr>
+          <p:cNvPr id="3" name="文本框 2"/>
+          <p:cNvSpPr txBox="1"/>
+          <p:nvPr/>
+        </p:nvSpPr>
+        <p:spPr>
+          <a:xfrm>
+            <a:off x="2027654" y="5371312"/>
+            <a:ext cx="620752" cy="369332"/>
+          </a:xfrm>
+          <a:prstGeom prst="rect">
+            <a:avLst/>
+          </a:prstGeom>
+          <a:noFill/>
+        </p:spPr>
+        <p:txBody>
+          <a:bodyPr wrap="square" rtlCol="0">
+            <a:spAutoFit/>
+          </a:bodyPr>
+          <a:lstStyle/>
+          <a:p>
+            <a:r>
+              <a:rPr lang="en-US" altLang="zh-CN" dirty="0" smtClean="0"/>
+              <a:t>end</a:t>
+            </a:r>
+            <a:endParaRPr lang="zh-CN" altLang="en-US" dirty="0"/>
+          </a:p>
+        </p:txBody>
+      </p:sp>
+      <p:sp>
+        <p:nvSpPr>
+          <p:cNvPr id="23" name="椭圆 22"/>
+          <p:cNvSpPr/>
+          <p:nvPr/>
+        </p:nvSpPr>
+        <p:spPr>
+          <a:xfrm>
+            <a:off x="2434676" y="4871803"/>
+            <a:ext cx="709960" cy="508497"/>
+          </a:xfrm>
+          <a:prstGeom prst="ellipse">
+            <a:avLst/>
+          </a:prstGeom>
+        </p:spPr>
+        <p:style>
+          <a:lnRef idx="2">
+            <a:schemeClr val="accent6">
+              <a:shade val="50000"/>
+            </a:schemeClr>
+          </a:lnRef>
+          <a:fillRef idx="1">
+            <a:schemeClr val="accent6"/>
+          </a:fillRef>
+          <a:effectRef idx="0">
+            <a:schemeClr val="accent6"/>
+          </a:effectRef>
+          <a:fontRef idx="minor">
+            <a:schemeClr val="lt1"/>
+          </a:fontRef>
+        </p:style>
+        <p:txBody>
+          <a:bodyPr rtlCol="0" anchor="ctr"/>
+          <a:lstStyle/>
+          <a:p>
+            <a:pPr algn="ctr"/>
+            <a:endParaRPr lang="zh-CN" altLang="en-US"/>
+          </a:p>
+        </p:txBody>
+      </p:sp>
+      <p:sp>
+        <p:nvSpPr>
+          <p:cNvPr id="24" name="文本框 23"/>
+          <p:cNvSpPr txBox="1"/>
+          <p:nvPr/>
+        </p:nvSpPr>
+        <p:spPr>
+          <a:xfrm>
+            <a:off x="2446751" y="4938714"/>
+            <a:ext cx="697885" cy="369332"/>
+          </a:xfrm>
+          <a:prstGeom prst="rect">
+            <a:avLst/>
+          </a:prstGeom>
+          <a:noFill/>
+        </p:spPr>
+        <p:txBody>
+          <a:bodyPr wrap="square" rtlCol="0">
+            <a:spAutoFit/>
+          </a:bodyPr>
+          <a:lstStyle/>
+          <a:p>
+            <a:r>
+              <a:rPr lang="en-US" altLang="zh-CN" dirty="0" smtClean="0"/>
+              <a:t>close</a:t>
+            </a:r>
+            <a:endParaRPr lang="zh-CN" altLang="en-US" dirty="0"/>
+          </a:p>
+        </p:txBody>
+      </p:sp>
+      <p:sp>
+        <p:nvSpPr>
+          <p:cNvPr id="25" name="椭圆 24"/>
+          <p:cNvSpPr/>
+          <p:nvPr/>
+        </p:nvSpPr>
+        <p:spPr>
+          <a:xfrm>
+            <a:off x="3171581" y="5093863"/>
+            <a:ext cx="709960" cy="508497"/>
+          </a:xfrm>
+          <a:prstGeom prst="ellipse">
+            <a:avLst/>
+          </a:prstGeom>
+        </p:spPr>
+        <p:style>
+          <a:lnRef idx="2">
+            <a:schemeClr val="accent6">
+              <a:shade val="50000"/>
+            </a:schemeClr>
+          </a:lnRef>
+          <a:fillRef idx="1">
+            <a:schemeClr val="accent6"/>
+          </a:fillRef>
+          <a:effectRef idx="0">
+            <a:schemeClr val="accent6"/>
+          </a:effectRef>
+          <a:fontRef idx="minor">
+            <a:schemeClr val="lt1"/>
+          </a:fontRef>
+        </p:style>
+        <p:txBody>
+          <a:bodyPr rtlCol="0" anchor="ctr"/>
+          <a:lstStyle/>
+          <a:p>
+            <a:pPr algn="ctr"/>
+            <a:endParaRPr lang="zh-CN" altLang="en-US"/>
+          </a:p>
+        </p:txBody>
+      </p:sp>
+      <p:sp>
+        <p:nvSpPr>
+          <p:cNvPr id="26" name="文本框 25"/>
+          <p:cNvSpPr txBox="1"/>
+          <p:nvPr/>
+        </p:nvSpPr>
+        <p:spPr>
+          <a:xfrm>
+            <a:off x="3224557" y="5160774"/>
+            <a:ext cx="732264" cy="369332"/>
+          </a:xfrm>
+          <a:prstGeom prst="rect">
+            <a:avLst/>
+          </a:prstGeom>
+          <a:noFill/>
+        </p:spPr>
+        <p:txBody>
+          <a:bodyPr wrap="square" rtlCol="0">
+            <a:spAutoFit/>
+          </a:bodyPr>
+          <a:lstStyle/>
+          <a:p>
+            <a:r>
+              <a:rPr lang="en-US" altLang="zh-CN" dirty="0" smtClean="0"/>
+              <a:t>error</a:t>
+            </a:r>
+            <a:endParaRPr lang="zh-CN" altLang="en-US" dirty="0"/>
+          </a:p>
+        </p:txBody>
+      </p:sp>
+      <p:sp>
+        <p:nvSpPr>
+          <p:cNvPr id="27" name="椭圆 26"/>
+          <p:cNvSpPr/>
+          <p:nvPr/>
+        </p:nvSpPr>
+        <p:spPr>
+          <a:xfrm>
+            <a:off x="4693726" y="5212439"/>
+            <a:ext cx="709960" cy="508497"/>
+          </a:xfrm>
+          <a:prstGeom prst="ellipse">
+            <a:avLst/>
+          </a:prstGeom>
+        </p:spPr>
+        <p:style>
+          <a:lnRef idx="2">
+            <a:schemeClr val="accent6">
+              <a:shade val="50000"/>
+            </a:schemeClr>
+          </a:lnRef>
+          <a:fillRef idx="1">
+            <a:schemeClr val="accent6"/>
+          </a:fillRef>
+          <a:effectRef idx="0">
+            <a:schemeClr val="accent6"/>
+          </a:effectRef>
+          <a:fontRef idx="minor">
+            <a:schemeClr val="lt1"/>
+          </a:fontRef>
+        </p:style>
+        <p:txBody>
+          <a:bodyPr rtlCol="0" anchor="ctr"/>
+          <a:lstStyle/>
+          <a:p>
+            <a:pPr algn="ctr"/>
+            <a:endParaRPr lang="zh-CN" altLang="en-US"/>
+          </a:p>
+        </p:txBody>
+      </p:sp>
+      <p:sp>
+        <p:nvSpPr>
+          <p:cNvPr id="28" name="文本框 27"/>
+          <p:cNvSpPr txBox="1"/>
+          <p:nvPr/>
+        </p:nvSpPr>
+        <p:spPr>
+          <a:xfrm>
+            <a:off x="4782934" y="5279350"/>
+            <a:ext cx="620752" cy="369332"/>
+          </a:xfrm>
+          <a:prstGeom prst="rect">
+            <a:avLst/>
+          </a:prstGeom>
+          <a:noFill/>
+        </p:spPr>
+        <p:txBody>
+          <a:bodyPr wrap="square" rtlCol="0">
+            <a:spAutoFit/>
+          </a:bodyPr>
+          <a:lstStyle/>
+          <a:p>
+            <a:r>
+              <a:rPr lang="en-US" altLang="zh-CN" dirty="0" smtClean="0"/>
+              <a:t>data</a:t>
+            </a:r>
+            <a:endParaRPr lang="zh-CN" altLang="en-US" dirty="0"/>
+          </a:p>
+        </p:txBody>
+      </p:sp>
+      <p:sp>
+        <p:nvSpPr>
+          <p:cNvPr id="29" name="椭圆 28"/>
+          <p:cNvSpPr/>
+          <p:nvPr/>
+        </p:nvSpPr>
+        <p:spPr>
+          <a:xfrm>
+            <a:off x="3881541" y="4781276"/>
+            <a:ext cx="980393" cy="508497"/>
+          </a:xfrm>
+          <a:prstGeom prst="ellipse">
+            <a:avLst/>
+          </a:prstGeom>
+        </p:spPr>
+        <p:style>
+          <a:lnRef idx="2">
+            <a:schemeClr val="accent6">
+              <a:shade val="50000"/>
+            </a:schemeClr>
+          </a:lnRef>
+          <a:fillRef idx="1">
+            <a:schemeClr val="accent6"/>
+          </a:fillRef>
+          <a:effectRef idx="0">
+            <a:schemeClr val="accent6"/>
+          </a:effectRef>
+          <a:fontRef idx="minor">
+            <a:schemeClr val="lt1"/>
+          </a:fontRef>
+        </p:style>
+        <p:txBody>
+          <a:bodyPr rtlCol="0" anchor="ctr"/>
+          <a:lstStyle/>
+          <a:p>
+            <a:pPr algn="ctr"/>
+            <a:endParaRPr lang="zh-CN" altLang="en-US"/>
+          </a:p>
+        </p:txBody>
+      </p:sp>
+      <p:sp>
+        <p:nvSpPr>
+          <p:cNvPr id="30" name="文本框 29"/>
+          <p:cNvSpPr txBox="1"/>
+          <p:nvPr/>
+        </p:nvSpPr>
+        <p:spPr>
+          <a:xfrm>
+            <a:off x="3860168" y="4849287"/>
+            <a:ext cx="1139308" cy="369332"/>
+          </a:xfrm>
+          <a:prstGeom prst="rect">
+            <a:avLst/>
+          </a:prstGeom>
+          <a:noFill/>
+        </p:spPr>
+        <p:txBody>
+          <a:bodyPr wrap="square" rtlCol="0">
+            <a:spAutoFit/>
+          </a:bodyPr>
+          <a:lstStyle/>
+          <a:p>
+            <a:r>
+              <a:rPr lang="en-US" altLang="zh-CN" dirty="0" smtClean="0"/>
+              <a:t>readable</a:t>
+            </a:r>
+            <a:endParaRPr lang="zh-CN" altLang="en-US" dirty="0"/>
+          </a:p>
+        </p:txBody>
+      </p:sp>
+      <p:sp>
+        <p:nvSpPr>
+          <p:cNvPr id="20" name="圆角矩形 19"/>
+          <p:cNvSpPr/>
+          <p:nvPr/>
+        </p:nvSpPr>
+        <p:spPr>
+          <a:xfrm>
+            <a:off x="3486617" y="3310647"/>
+            <a:ext cx="2100146" cy="547676"/>
+          </a:xfrm>
+          <a:prstGeom prst="roundRect">
+            <a:avLst/>
+          </a:prstGeom>
+        </p:spPr>
+        <p:style>
+          <a:lnRef idx="1">
+            <a:schemeClr val="accent6"/>
+          </a:lnRef>
+          <a:fillRef idx="2">
+            <a:schemeClr val="accent6"/>
+          </a:fillRef>
+          <a:effectRef idx="1">
+            <a:schemeClr val="accent6"/>
+          </a:effectRef>
+          <a:fontRef idx="minor">
+            <a:schemeClr val="dk1"/>
+          </a:fontRef>
+        </p:style>
+        <p:txBody>
+          <a:bodyPr rtlCol="0" anchor="ctr"/>
+          <a:lstStyle/>
+          <a:p>
+            <a:pPr algn="ctr"/>
+            <a:endParaRPr lang="zh-CN" altLang="en-US"/>
+          </a:p>
+        </p:txBody>
+      </p:sp>
+      <p:sp>
+        <p:nvSpPr>
+          <p:cNvPr id="31" name="文本框 30"/>
+          <p:cNvSpPr txBox="1"/>
+          <p:nvPr/>
+        </p:nvSpPr>
+        <p:spPr>
+          <a:xfrm>
+            <a:off x="3429000" y="3433456"/>
+            <a:ext cx="2865865" cy="369332"/>
+          </a:xfrm>
+          <a:prstGeom prst="rect">
+            <a:avLst/>
+          </a:prstGeom>
+          <a:noFill/>
+        </p:spPr>
+        <p:txBody>
+          <a:bodyPr wrap="square" rtlCol="0">
+            <a:spAutoFit/>
+          </a:bodyPr>
+          <a:lstStyle/>
+          <a:p>
+            <a:r>
+              <a:rPr lang="zh-CN" altLang="en-US" dirty="0" smtClean="0"/>
+              <a:t>两种模式、三种状态</a:t>
+            </a:r>
+            <a:endParaRPr lang="zh-CN" altLang="en-US" dirty="0"/>
+          </a:p>
+        </p:txBody>
+      </p:sp>
+      <p:sp>
+        <p:nvSpPr>
+          <p:cNvPr id="32" name="矩形 31"/>
+          <p:cNvSpPr/>
+          <p:nvPr/>
+        </p:nvSpPr>
+        <p:spPr>
+          <a:xfrm>
+            <a:off x="7251084" y="3954970"/>
+            <a:ext cx="1618792" cy="802887"/>
+          </a:xfrm>
+          <a:prstGeom prst="rect">
+            <a:avLst/>
+          </a:prstGeom>
+        </p:spPr>
+        <p:style>
+          <a:lnRef idx="2">
+            <a:schemeClr val="accent1">
+              <a:shade val="50000"/>
+            </a:schemeClr>
+          </a:lnRef>
+          <a:fillRef idx="1">
+            <a:schemeClr val="accent1"/>
+          </a:fillRef>
+          <a:effectRef idx="0">
+            <a:schemeClr val="accent1"/>
+          </a:effectRef>
+          <a:fontRef idx="minor">
+            <a:schemeClr val="lt1"/>
+          </a:fontRef>
+        </p:style>
+        <p:txBody>
+          <a:bodyPr rtlCol="0" anchor="ctr"/>
+          <a:lstStyle/>
+          <a:p>
+            <a:pPr algn="ctr"/>
+            <a:endParaRPr lang="zh-CN" altLang="en-US"/>
+          </a:p>
+        </p:txBody>
+      </p:sp>
+      <p:sp>
+        <p:nvSpPr>
+          <p:cNvPr id="33" name="矩形 32"/>
+          <p:cNvSpPr/>
+          <p:nvPr/>
+        </p:nvSpPr>
+        <p:spPr>
+          <a:xfrm>
+            <a:off x="7344940" y="4311807"/>
+            <a:ext cx="312234" cy="345687"/>
+          </a:xfrm>
+          <a:prstGeom prst="rect">
+            <a:avLst/>
+          </a:prstGeom>
+        </p:spPr>
+        <p:style>
+          <a:lnRef idx="2">
+            <a:schemeClr val="accent3">
+              <a:shade val="50000"/>
+            </a:schemeClr>
+          </a:lnRef>
+          <a:fillRef idx="1">
+            <a:schemeClr val="accent3"/>
+          </a:fillRef>
+          <a:effectRef idx="0">
+            <a:schemeClr val="accent3"/>
+          </a:effectRef>
+          <a:fontRef idx="minor">
+            <a:schemeClr val="lt1"/>
+          </a:fontRef>
+        </p:style>
+        <p:txBody>
+          <a:bodyPr rtlCol="0" anchor="ctr"/>
+          <a:lstStyle/>
+          <a:p>
+            <a:pPr algn="ctr"/>
+            <a:endParaRPr lang="zh-CN" altLang="en-US"/>
+          </a:p>
+        </p:txBody>
+      </p:sp>
+      <p:sp>
+        <p:nvSpPr>
+          <p:cNvPr id="34" name="矩形 33"/>
+          <p:cNvSpPr/>
+          <p:nvPr/>
+        </p:nvSpPr>
+        <p:spPr>
+          <a:xfrm>
+            <a:off x="7698062" y="4311807"/>
+            <a:ext cx="312234" cy="345688"/>
+          </a:xfrm>
+          <a:prstGeom prst="rect">
+            <a:avLst/>
+          </a:prstGeom>
+        </p:spPr>
+        <p:style>
+          <a:lnRef idx="2">
+            <a:schemeClr val="accent3">
+              <a:shade val="50000"/>
+            </a:schemeClr>
+          </a:lnRef>
+          <a:fillRef idx="1">
+            <a:schemeClr val="accent3"/>
+          </a:fillRef>
+          <a:effectRef idx="0">
+            <a:schemeClr val="accent3"/>
+          </a:effectRef>
+          <a:fontRef idx="minor">
+            <a:schemeClr val="lt1"/>
+          </a:fontRef>
+        </p:style>
+        <p:txBody>
+          <a:bodyPr rtlCol="0" anchor="ctr"/>
+          <a:lstStyle/>
+          <a:p>
+            <a:pPr algn="ctr"/>
+            <a:endParaRPr lang="zh-CN" altLang="en-US"/>
+          </a:p>
+        </p:txBody>
+      </p:sp>
+      <p:sp>
+        <p:nvSpPr>
+          <p:cNvPr id="35" name="矩形 34"/>
+          <p:cNvSpPr/>
+          <p:nvPr/>
+        </p:nvSpPr>
+        <p:spPr>
+          <a:xfrm>
+            <a:off x="8051184" y="4311807"/>
+            <a:ext cx="312234" cy="345688"/>
+          </a:xfrm>
+          <a:prstGeom prst="rect">
+            <a:avLst/>
+          </a:prstGeom>
+        </p:spPr>
+        <p:style>
+          <a:lnRef idx="2">
+            <a:schemeClr val="accent3">
+              <a:shade val="50000"/>
+            </a:schemeClr>
+          </a:lnRef>
+          <a:fillRef idx="1">
+            <a:schemeClr val="accent3"/>
+          </a:fillRef>
+          <a:effectRef idx="0">
+            <a:schemeClr val="accent3"/>
+          </a:effectRef>
+          <a:fontRef idx="minor">
+            <a:schemeClr val="lt1"/>
+          </a:fontRef>
+        </p:style>
+        <p:txBody>
+          <a:bodyPr rtlCol="0" anchor="ctr"/>
+          <a:lstStyle/>
+          <a:p>
+            <a:pPr algn="ctr"/>
+            <a:endParaRPr lang="zh-CN" altLang="en-US"/>
+          </a:p>
+        </p:txBody>
+      </p:sp>
+      <p:sp>
+        <p:nvSpPr>
+          <p:cNvPr id="36" name="矩形 35"/>
+          <p:cNvSpPr/>
+          <p:nvPr/>
+        </p:nvSpPr>
+        <p:spPr>
+          <a:xfrm>
+            <a:off x="8404306" y="4311807"/>
+            <a:ext cx="312234" cy="345688"/>
+          </a:xfrm>
+          <a:prstGeom prst="rect">
+            <a:avLst/>
+          </a:prstGeom>
+        </p:spPr>
+        <p:style>
+          <a:lnRef idx="2">
+            <a:schemeClr val="accent3">
+              <a:shade val="50000"/>
+            </a:schemeClr>
+          </a:lnRef>
+          <a:fillRef idx="1">
+            <a:schemeClr val="accent3"/>
+          </a:fillRef>
+          <a:effectRef idx="0">
+            <a:schemeClr val="accent3"/>
+          </a:effectRef>
+          <a:fontRef idx="minor">
+            <a:schemeClr val="lt1"/>
+          </a:fontRef>
+        </p:style>
+        <p:txBody>
+          <a:bodyPr rtlCol="0" anchor="ctr"/>
+          <a:lstStyle/>
+          <a:p>
+            <a:pPr algn="ctr"/>
+            <a:endParaRPr lang="zh-CN" altLang="en-US"/>
+          </a:p>
+        </p:txBody>
+      </p:sp>
+      <p:sp>
+        <p:nvSpPr>
+          <p:cNvPr id="37" name="右箭头 36"/>
+          <p:cNvSpPr/>
+          <p:nvPr/>
+        </p:nvSpPr>
+        <p:spPr>
+          <a:xfrm>
+            <a:off x="6231676" y="4093689"/>
+            <a:ext cx="934843" cy="625811"/>
+          </a:xfrm>
+          <a:prstGeom prst="rightArrow">
+            <a:avLst/>
+          </a:prstGeom>
+        </p:spPr>
+        <p:style>
+          <a:lnRef idx="2">
+            <a:schemeClr val="accent4">
+              <a:shade val="50000"/>
+            </a:schemeClr>
+          </a:lnRef>
+          <a:fillRef idx="1">
+            <a:schemeClr val="accent4"/>
+          </a:fillRef>
+          <a:effectRef idx="0">
+            <a:schemeClr val="accent4"/>
+          </a:effectRef>
+          <a:fontRef idx="minor">
+            <a:schemeClr val="lt1"/>
+          </a:fontRef>
+        </p:style>
+        <p:txBody>
+          <a:bodyPr rtlCol="0" anchor="ctr"/>
+          <a:lstStyle/>
+          <a:p>
+            <a:pPr algn="ctr"/>
+            <a:endParaRPr lang="zh-CN" altLang="en-US"/>
+          </a:p>
+        </p:txBody>
+      </p:sp>
+      <p:sp>
+        <p:nvSpPr>
+          <p:cNvPr id="38" name="文本框 37"/>
+          <p:cNvSpPr txBox="1"/>
+          <p:nvPr/>
+        </p:nvSpPr>
+        <p:spPr>
+          <a:xfrm>
+            <a:off x="6229818" y="4216348"/>
+            <a:ext cx="892097" cy="369332"/>
+          </a:xfrm>
+          <a:prstGeom prst="rect">
+            <a:avLst/>
+          </a:prstGeom>
+          <a:noFill/>
+        </p:spPr>
+        <p:txBody>
+          <a:bodyPr wrap="square" rtlCol="0">
+            <a:spAutoFit/>
+          </a:bodyPr>
+          <a:lstStyle/>
+          <a:p>
+            <a:r>
+              <a:rPr lang="en-US" altLang="zh-CN" dirty="0" smtClean="0"/>
+              <a:t>write()</a:t>
+            </a:r>
+            <a:endParaRPr lang="zh-CN" altLang="en-US" dirty="0"/>
+          </a:p>
+        </p:txBody>
+      </p:sp>
+      <p:sp>
+        <p:nvSpPr>
+          <p:cNvPr id="39" name="右箭头 38"/>
+          <p:cNvSpPr/>
+          <p:nvPr/>
+        </p:nvSpPr>
+        <p:spPr>
+          <a:xfrm>
+            <a:off x="8936783" y="4090648"/>
+            <a:ext cx="1084450" cy="625811"/>
+          </a:xfrm>
+          <a:prstGeom prst="rightArrow">
+            <a:avLst/>
+          </a:prstGeom>
+        </p:spPr>
+        <p:style>
+          <a:lnRef idx="2">
+            <a:schemeClr val="accent4">
+              <a:shade val="50000"/>
+            </a:schemeClr>
+          </a:lnRef>
+          <a:fillRef idx="1">
+            <a:schemeClr val="accent4"/>
+          </a:fillRef>
+          <a:effectRef idx="0">
+            <a:schemeClr val="accent4"/>
+          </a:effectRef>
+          <a:fontRef idx="minor">
+            <a:schemeClr val="lt1"/>
+          </a:fontRef>
+        </p:style>
+        <p:txBody>
+          <a:bodyPr rtlCol="0" anchor="ctr"/>
+          <a:lstStyle/>
+          <a:p>
+            <a:pPr algn="ctr"/>
+            <a:endParaRPr lang="zh-CN" altLang="en-US"/>
+          </a:p>
+        </p:txBody>
+      </p:sp>
+      <p:sp>
+        <p:nvSpPr>
+          <p:cNvPr id="40" name="文本框 39"/>
+          <p:cNvSpPr txBox="1"/>
+          <p:nvPr/>
+        </p:nvSpPr>
+        <p:spPr>
+          <a:xfrm>
+            <a:off x="9002757" y="4223785"/>
+            <a:ext cx="892097" cy="369332"/>
+          </a:xfrm>
+          <a:prstGeom prst="rect">
+            <a:avLst/>
+          </a:prstGeom>
+          <a:noFill/>
+        </p:spPr>
+        <p:txBody>
+          <a:bodyPr wrap="square" rtlCol="0">
+            <a:spAutoFit/>
+          </a:bodyPr>
+          <a:lstStyle/>
+          <a:p>
+            <a:r>
+              <a:rPr lang="en-US" altLang="zh-CN" dirty="0" smtClean="0"/>
+              <a:t>_write()</a:t>
+            </a:r>
+            <a:endParaRPr lang="zh-CN" altLang="en-US" dirty="0"/>
+          </a:p>
+        </p:txBody>
+      </p:sp>
+      <p:sp>
+        <p:nvSpPr>
+          <p:cNvPr id="41" name="文本框 40"/>
+          <p:cNvSpPr txBox="1"/>
+          <p:nvPr/>
+        </p:nvSpPr>
+        <p:spPr>
+          <a:xfrm>
+            <a:off x="7526145" y="4380946"/>
+            <a:ext cx="706244" cy="338554"/>
+          </a:xfrm>
+          <a:prstGeom prst="rect">
+            <a:avLst/>
+          </a:prstGeom>
+          <a:noFill/>
+        </p:spPr>
+        <p:txBody>
+          <a:bodyPr wrap="square" rtlCol="0">
+            <a:spAutoFit/>
+          </a:bodyPr>
+          <a:lstStyle/>
+          <a:p>
+            <a:r>
+              <a:rPr lang="en-US" altLang="zh-CN" sz="1600" dirty="0" smtClean="0"/>
+              <a:t>chunk</a:t>
+            </a:r>
+            <a:endParaRPr lang="zh-CN" altLang="en-US" sz="1600" dirty="0"/>
+          </a:p>
+        </p:txBody>
+      </p:sp>
+      <p:sp>
+        <p:nvSpPr>
+          <p:cNvPr id="42" name="文本框 41"/>
+          <p:cNvSpPr txBox="1"/>
+          <p:nvPr/>
+        </p:nvSpPr>
+        <p:spPr>
+          <a:xfrm>
+            <a:off x="7698062" y="3949609"/>
+            <a:ext cx="769434" cy="369332"/>
+          </a:xfrm>
+          <a:prstGeom prst="rect">
+            <a:avLst/>
+          </a:prstGeom>
+          <a:noFill/>
+        </p:spPr>
+        <p:txBody>
+          <a:bodyPr wrap="square" rtlCol="0">
+            <a:spAutoFit/>
+          </a:bodyPr>
+          <a:lstStyle/>
+          <a:p>
+            <a:r>
+              <a:rPr lang="en-US" altLang="zh-CN" dirty="0" smtClean="0"/>
+              <a:t>buffer</a:t>
+            </a:r>
+            <a:endParaRPr lang="zh-CN" altLang="en-US" dirty="0"/>
+          </a:p>
+        </p:txBody>
+      </p:sp>
+      <p:sp>
+        <p:nvSpPr>
+          <p:cNvPr id="43" name="矩形 42"/>
+          <p:cNvSpPr/>
+          <p:nvPr/>
+        </p:nvSpPr>
+        <p:spPr>
+          <a:xfrm>
+            <a:off x="5778189" y="4216348"/>
+            <a:ext cx="312234" cy="345688"/>
+          </a:xfrm>
+          <a:prstGeom prst="rect">
+            <a:avLst/>
+          </a:prstGeom>
+        </p:spPr>
+        <p:style>
+          <a:lnRef idx="2">
+            <a:schemeClr val="accent3">
+              <a:shade val="50000"/>
+            </a:schemeClr>
+          </a:lnRef>
+          <a:fillRef idx="1">
+            <a:schemeClr val="accent3"/>
+          </a:fillRef>
+          <a:effectRef idx="0">
+            <a:schemeClr val="accent3"/>
+          </a:effectRef>
+          <a:fontRef idx="minor">
+            <a:schemeClr val="lt1"/>
+          </a:fontRef>
+        </p:style>
+        <p:txBody>
+          <a:bodyPr rtlCol="0" anchor="ctr"/>
+          <a:lstStyle/>
+          <a:p>
+            <a:pPr algn="ctr"/>
+            <a:endParaRPr lang="zh-CN" altLang="en-US"/>
+          </a:p>
+        </p:txBody>
+      </p:sp>
+      <p:sp>
+        <p:nvSpPr>
+          <p:cNvPr id="46" name="图文框 45"/>
+          <p:cNvSpPr/>
+          <p:nvPr/>
+        </p:nvSpPr>
+        <p:spPr>
+          <a:xfrm>
+            <a:off x="6174064" y="3279206"/>
+            <a:ext cx="3969832" cy="2649529"/>
+          </a:xfrm>
+          <a:prstGeom prst="frame">
+            <a:avLst>
+              <a:gd name="adj1" fmla="val 0"/>
+            </a:avLst>
+          </a:prstGeom>
+          <a:solidFill>
+            <a:srgbClr val="FF0000"/>
+          </a:solidFill>
+        </p:spPr>
+        <p:style>
+          <a:lnRef idx="2">
+            <a:schemeClr val="accent1">
+              <a:shade val="50000"/>
+            </a:schemeClr>
+          </a:lnRef>
+          <a:fillRef idx="1">
+            <a:schemeClr val="accent1"/>
+          </a:fillRef>
+          <a:effectRef idx="0">
+            <a:schemeClr val="accent1"/>
+          </a:effectRef>
+          <a:fontRef idx="minor">
+            <a:schemeClr val="lt1"/>
+          </a:fontRef>
+        </p:style>
+        <p:txBody>
+          <a:bodyPr rtlCol="0" anchor="ctr"/>
+          <a:lstStyle/>
+          <a:p>
+            <a:pPr algn="ctr"/>
+            <a:endParaRPr lang="zh-CN" altLang="en-US">
+              <a:solidFill>
+                <a:schemeClr val="tx1"/>
+              </a:solidFill>
+            </a:endParaRPr>
+          </a:p>
+        </p:txBody>
+      </p:sp>
+      <p:sp>
+        <p:nvSpPr>
+          <p:cNvPr id="47" name="文本框 46"/>
+          <p:cNvSpPr txBox="1"/>
+          <p:nvPr/>
+        </p:nvSpPr>
+        <p:spPr>
+          <a:xfrm>
+            <a:off x="7596768" y="5593077"/>
+            <a:ext cx="1345581" cy="369332"/>
+          </a:xfrm>
+          <a:prstGeom prst="rect">
+            <a:avLst/>
+          </a:prstGeom>
+          <a:noFill/>
+        </p:spPr>
+        <p:txBody>
+          <a:bodyPr wrap="square" rtlCol="0">
+            <a:spAutoFit/>
+          </a:bodyPr>
+          <a:lstStyle/>
+          <a:p>
+            <a:r>
+              <a:rPr lang="en-US" altLang="zh-CN" dirty="0" smtClean="0"/>
+              <a:t>Writable</a:t>
+            </a:r>
+            <a:endParaRPr lang="zh-CN" altLang="en-US" dirty="0"/>
+          </a:p>
+        </p:txBody>
+      </p:sp>
+      <p:sp>
+        <p:nvSpPr>
+          <p:cNvPr id="48" name="椭圆 47"/>
+          <p:cNvSpPr/>
+          <p:nvPr/>
+        </p:nvSpPr>
+        <p:spPr>
+          <a:xfrm>
+            <a:off x="6372916" y="5311838"/>
+            <a:ext cx="709960" cy="508497"/>
+          </a:xfrm>
+          <a:prstGeom prst="ellipse">
+            <a:avLst/>
+          </a:prstGeom>
+        </p:spPr>
+        <p:style>
+          <a:lnRef idx="2">
+            <a:schemeClr val="accent6">
+              <a:shade val="50000"/>
+            </a:schemeClr>
+          </a:lnRef>
+          <a:fillRef idx="1">
+            <a:schemeClr val="accent6"/>
+          </a:fillRef>
+          <a:effectRef idx="0">
+            <a:schemeClr val="accent6"/>
+          </a:effectRef>
+          <a:fontRef idx="minor">
+            <a:schemeClr val="lt1"/>
+          </a:fontRef>
+        </p:style>
+        <p:txBody>
+          <a:bodyPr rtlCol="0" anchor="ctr"/>
+          <a:lstStyle/>
+          <a:p>
+            <a:pPr algn="ctr"/>
+            <a:endParaRPr lang="zh-CN" altLang="en-US"/>
+          </a:p>
+        </p:txBody>
+      </p:sp>
+      <p:sp>
+        <p:nvSpPr>
+          <p:cNvPr id="49" name="文本框 48"/>
+          <p:cNvSpPr txBox="1"/>
+          <p:nvPr/>
+        </p:nvSpPr>
+        <p:spPr>
+          <a:xfrm>
+            <a:off x="6404508" y="5378749"/>
+            <a:ext cx="678368" cy="369332"/>
+          </a:xfrm>
+          <a:prstGeom prst="rect">
+            <a:avLst/>
+          </a:prstGeom>
+          <a:noFill/>
+        </p:spPr>
+        <p:txBody>
+          <a:bodyPr wrap="square" rtlCol="0">
+            <a:spAutoFit/>
+          </a:bodyPr>
+          <a:lstStyle/>
+          <a:p>
+            <a:r>
+              <a:rPr lang="en-US" altLang="zh-CN" dirty="0" smtClean="0"/>
+              <a:t>drain</a:t>
+            </a:r>
+            <a:endParaRPr lang="zh-CN" altLang="en-US" dirty="0"/>
+          </a:p>
+        </p:txBody>
+      </p:sp>
+      <p:sp>
+        <p:nvSpPr>
+          <p:cNvPr id="50" name="椭圆 49"/>
+          <p:cNvSpPr/>
+          <p:nvPr/>
+        </p:nvSpPr>
+        <p:spPr>
+          <a:xfrm>
+            <a:off x="6869146" y="4879240"/>
+            <a:ext cx="709960" cy="508497"/>
+          </a:xfrm>
+          <a:prstGeom prst="ellipse">
+            <a:avLst/>
+          </a:prstGeom>
+        </p:spPr>
+        <p:style>
+          <a:lnRef idx="2">
+            <a:schemeClr val="accent6">
+              <a:shade val="50000"/>
+            </a:schemeClr>
+          </a:lnRef>
+          <a:fillRef idx="1">
+            <a:schemeClr val="accent6"/>
+          </a:fillRef>
+          <a:effectRef idx="0">
+            <a:schemeClr val="accent6"/>
+          </a:effectRef>
+          <a:fontRef idx="minor">
+            <a:schemeClr val="lt1"/>
+          </a:fontRef>
+        </p:style>
+        <p:txBody>
+          <a:bodyPr rtlCol="0" anchor="ctr"/>
+          <a:lstStyle/>
+          <a:p>
+            <a:pPr algn="ctr"/>
+            <a:endParaRPr lang="zh-CN" altLang="en-US"/>
+          </a:p>
+        </p:txBody>
+      </p:sp>
+      <p:sp>
+        <p:nvSpPr>
+          <p:cNvPr id="51" name="文本框 50"/>
+          <p:cNvSpPr txBox="1"/>
+          <p:nvPr/>
+        </p:nvSpPr>
+        <p:spPr>
+          <a:xfrm>
+            <a:off x="6881221" y="4946151"/>
+            <a:ext cx="697885" cy="369332"/>
+          </a:xfrm>
+          <a:prstGeom prst="rect">
+            <a:avLst/>
+          </a:prstGeom>
+          <a:noFill/>
+        </p:spPr>
+        <p:txBody>
+          <a:bodyPr wrap="square" rtlCol="0">
+            <a:spAutoFit/>
+          </a:bodyPr>
+          <a:lstStyle/>
+          <a:p>
+            <a:r>
+              <a:rPr lang="en-US" altLang="zh-CN" dirty="0" smtClean="0"/>
+              <a:t>close</a:t>
+            </a:r>
+            <a:endParaRPr lang="zh-CN" altLang="en-US" dirty="0"/>
+          </a:p>
+        </p:txBody>
+      </p:sp>
+      <p:sp>
+        <p:nvSpPr>
+          <p:cNvPr id="52" name="椭圆 51"/>
+          <p:cNvSpPr/>
+          <p:nvPr/>
+        </p:nvSpPr>
+        <p:spPr>
+          <a:xfrm>
+            <a:off x="7606051" y="5101300"/>
+            <a:ext cx="709960" cy="508497"/>
+          </a:xfrm>
+          <a:prstGeom prst="ellipse">
+            <a:avLst/>
+          </a:prstGeom>
+        </p:spPr>
+        <p:style>
+          <a:lnRef idx="2">
+            <a:schemeClr val="accent6">
+              <a:shade val="50000"/>
+            </a:schemeClr>
+          </a:lnRef>
+          <a:fillRef idx="1">
+            <a:schemeClr val="accent6"/>
+          </a:fillRef>
+          <a:effectRef idx="0">
+            <a:schemeClr val="accent6"/>
+          </a:effectRef>
+          <a:fontRef idx="minor">
+            <a:schemeClr val="lt1"/>
+          </a:fontRef>
+        </p:style>
+        <p:txBody>
+          <a:bodyPr rtlCol="0" anchor="ctr"/>
+          <a:lstStyle/>
+          <a:p>
+            <a:pPr algn="ctr"/>
+            <a:endParaRPr lang="zh-CN" altLang="en-US"/>
+          </a:p>
+        </p:txBody>
+      </p:sp>
+      <p:sp>
+        <p:nvSpPr>
+          <p:cNvPr id="53" name="文本框 52"/>
+          <p:cNvSpPr txBox="1"/>
+          <p:nvPr/>
+        </p:nvSpPr>
+        <p:spPr>
+          <a:xfrm>
+            <a:off x="7659027" y="5168211"/>
+            <a:ext cx="732264" cy="369332"/>
+          </a:xfrm>
+          <a:prstGeom prst="rect">
+            <a:avLst/>
+          </a:prstGeom>
+          <a:noFill/>
+        </p:spPr>
+        <p:txBody>
+          <a:bodyPr wrap="square" rtlCol="0">
+            <a:spAutoFit/>
+          </a:bodyPr>
+          <a:lstStyle/>
+          <a:p>
+            <a:r>
+              <a:rPr lang="en-US" altLang="zh-CN" dirty="0" smtClean="0"/>
+              <a:t>error</a:t>
+            </a:r>
+            <a:endParaRPr lang="zh-CN" altLang="en-US" dirty="0"/>
+          </a:p>
+        </p:txBody>
+      </p:sp>
+      <p:sp>
+        <p:nvSpPr>
+          <p:cNvPr id="54" name="椭圆 53"/>
+          <p:cNvSpPr/>
+          <p:nvPr/>
+        </p:nvSpPr>
+        <p:spPr>
+          <a:xfrm>
+            <a:off x="9128196" y="5219876"/>
+            <a:ext cx="709960" cy="508497"/>
+          </a:xfrm>
+          <a:prstGeom prst="ellipse">
+            <a:avLst/>
+          </a:prstGeom>
+        </p:spPr>
+        <p:style>
+          <a:lnRef idx="2">
+            <a:schemeClr val="accent6">
+              <a:shade val="50000"/>
+            </a:schemeClr>
+          </a:lnRef>
+          <a:fillRef idx="1">
+            <a:schemeClr val="accent6"/>
+          </a:fillRef>
+          <a:effectRef idx="0">
+            <a:schemeClr val="accent6"/>
+          </a:effectRef>
+          <a:fontRef idx="minor">
+            <a:schemeClr val="lt1"/>
+          </a:fontRef>
+        </p:style>
+        <p:txBody>
+          <a:bodyPr rtlCol="0" anchor="ctr"/>
+          <a:lstStyle/>
+          <a:p>
+            <a:pPr algn="ctr"/>
+            <a:endParaRPr lang="zh-CN" altLang="en-US"/>
+          </a:p>
+        </p:txBody>
+      </p:sp>
+      <p:sp>
+        <p:nvSpPr>
+          <p:cNvPr id="55" name="文本框 54"/>
+          <p:cNvSpPr txBox="1"/>
+          <p:nvPr/>
+        </p:nvSpPr>
+        <p:spPr>
+          <a:xfrm>
+            <a:off x="9217404" y="5286787"/>
+            <a:ext cx="620752" cy="369332"/>
+          </a:xfrm>
+          <a:prstGeom prst="rect">
+            <a:avLst/>
+          </a:prstGeom>
+          <a:noFill/>
+        </p:spPr>
+        <p:txBody>
+          <a:bodyPr wrap="square" rtlCol="0">
+            <a:spAutoFit/>
+          </a:bodyPr>
+          <a:lstStyle/>
+          <a:p>
+            <a:r>
+              <a:rPr lang="en-US" altLang="zh-CN" dirty="0" smtClean="0"/>
+              <a:t>pipe</a:t>
+            </a:r>
+            <a:endParaRPr lang="zh-CN" altLang="en-US" dirty="0"/>
+          </a:p>
+        </p:txBody>
+      </p:sp>
+      <p:sp>
+        <p:nvSpPr>
+          <p:cNvPr id="56" name="椭圆 55"/>
+          <p:cNvSpPr/>
+          <p:nvPr/>
+        </p:nvSpPr>
+        <p:spPr>
+          <a:xfrm>
+            <a:off x="8316011" y="4788713"/>
+            <a:ext cx="980393" cy="508497"/>
+          </a:xfrm>
+          <a:prstGeom prst="ellipse">
+            <a:avLst/>
+          </a:prstGeom>
+        </p:spPr>
+        <p:style>
+          <a:lnRef idx="2">
+            <a:schemeClr val="accent6">
+              <a:shade val="50000"/>
+            </a:schemeClr>
+          </a:lnRef>
+          <a:fillRef idx="1">
+            <a:schemeClr val="accent6"/>
+          </a:fillRef>
+          <a:effectRef idx="0">
+            <a:schemeClr val="accent6"/>
+          </a:effectRef>
+          <a:fontRef idx="minor">
+            <a:schemeClr val="lt1"/>
+          </a:fontRef>
+        </p:style>
+        <p:txBody>
+          <a:bodyPr rtlCol="0" anchor="ctr"/>
+          <a:lstStyle/>
+          <a:p>
+            <a:pPr algn="ctr"/>
+            <a:endParaRPr lang="zh-CN" altLang="en-US"/>
+          </a:p>
+        </p:txBody>
+      </p:sp>
+      <p:sp>
+        <p:nvSpPr>
+          <p:cNvPr id="57" name="文本框 56"/>
+          <p:cNvSpPr txBox="1"/>
+          <p:nvPr/>
+        </p:nvSpPr>
+        <p:spPr>
+          <a:xfrm>
+            <a:off x="8444266" y="4856724"/>
+            <a:ext cx="989679" cy="369332"/>
+          </a:xfrm>
+          <a:prstGeom prst="rect">
+            <a:avLst/>
+          </a:prstGeom>
+          <a:noFill/>
+        </p:spPr>
+        <p:txBody>
+          <a:bodyPr wrap="square" rtlCol="0">
+            <a:spAutoFit/>
+          </a:bodyPr>
+          <a:lstStyle/>
+          <a:p>
+            <a:r>
+              <a:rPr lang="en-US" altLang="zh-CN" dirty="0" smtClean="0"/>
+              <a:t>finish</a:t>
+            </a:r>
+            <a:endParaRPr lang="zh-CN" altLang="en-US" dirty="0"/>
+          </a:p>
+        </p:txBody>
+      </p:sp>
+      <p:sp>
+        <p:nvSpPr>
+          <p:cNvPr id="60" name="圆角矩形 59"/>
+          <p:cNvSpPr/>
+          <p:nvPr/>
+        </p:nvSpPr>
+        <p:spPr>
+          <a:xfrm>
+            <a:off x="10322301" y="3508919"/>
+            <a:ext cx="1219213" cy="1248937"/>
+          </a:xfrm>
+          <a:prstGeom prst="roundRect">
+            <a:avLst/>
+          </a:prstGeom>
+        </p:spPr>
+        <p:style>
+          <a:lnRef idx="2">
+            <a:schemeClr val="accent1">
+              <a:shade val="50000"/>
+            </a:schemeClr>
+          </a:lnRef>
+          <a:fillRef idx="1">
+            <a:schemeClr val="accent1"/>
+          </a:fillRef>
+          <a:effectRef idx="0">
+            <a:schemeClr val="accent1"/>
+          </a:effectRef>
+          <a:fontRef idx="minor">
+            <a:schemeClr val="lt1"/>
+          </a:fontRef>
+        </p:style>
+        <p:txBody>
+          <a:bodyPr rtlCol="0" anchor="ctr"/>
+          <a:lstStyle/>
+          <a:p>
+            <a:pPr algn="ctr"/>
+            <a:endParaRPr lang="zh-CN" altLang="en-US"/>
+          </a:p>
+        </p:txBody>
+      </p:sp>
+      <p:sp>
+        <p:nvSpPr>
+          <p:cNvPr id="61" name="文本框 60"/>
+          <p:cNvSpPr txBox="1"/>
+          <p:nvPr/>
+        </p:nvSpPr>
+        <p:spPr>
+          <a:xfrm>
+            <a:off x="10418957" y="4127141"/>
+            <a:ext cx="1210521" cy="369332"/>
+          </a:xfrm>
+          <a:prstGeom prst="rect">
+            <a:avLst/>
+          </a:prstGeom>
+          <a:noFill/>
+        </p:spPr>
+        <p:txBody>
+          <a:bodyPr wrap="square" rtlCol="0">
+            <a:spAutoFit/>
+          </a:bodyPr>
+          <a:lstStyle/>
+          <a:p>
+            <a:r>
+              <a:rPr lang="zh-CN" altLang="en-US" dirty="0" smtClean="0"/>
+              <a:t>目的文件</a:t>
+            </a:r>
+            <a:endParaRPr lang="zh-CN" altLang="en-US" dirty="0"/>
+          </a:p>
+        </p:txBody>
+      </p:sp>
+    </p:spTree>
+    <p:extLst>
+      <p:ext uri="{BB962C8B-B14F-4D97-AF65-F5344CB8AC3E}">
+        <p14:creationId xmlns:p14="http://schemas.microsoft.com/office/powerpoint/2010/main" val="989636550"/>
+      </p:ext>
+    </p:extLst>
+  </p:cSld>
+  <p:clrMapOvr>
+    <a:masterClrMapping/>
+  </p:clrMapOvr>
+</p:sld>
+</file>
+
+<file path=ppt/slides/slide4.xml><?xml version="1.0" encoding="utf-8"?>
+<p:sld xmlns:a="http://schemas.openxmlformats.org/drawingml/2006/main" xmlns:r="http://schemas.openxmlformats.org/officeDocument/2006/relationships" xmlns:p="http://schemas.openxmlformats.org/presentationml/2006/main">
+  <p:cSld>
+    <p:spTree>
+      <p:nvGrpSpPr>
+        <p:cNvPr id="1" name=""/>
+        <p:cNvGrpSpPr/>
+        <p:nvPr/>
+      </p:nvGrpSpPr>
+      <p:grpSpPr>
+        <a:xfrm>
+          <a:off x="0" y="0"/>
+          <a:ext cx="0" cy="0"/>
+          <a:chOff x="0" y="0"/>
+          <a:chExt cx="0" cy="0"/>
+        </a:xfrm>
+      </p:grpSpPr>
+      <p:sp>
+        <p:nvSpPr>
+          <p:cNvPr id="4" name="圆角矩形 3"/>
+          <p:cNvSpPr/>
+          <p:nvPr/>
+        </p:nvSpPr>
+        <p:spPr>
+          <a:xfrm>
+            <a:off x="940266" y="5539414"/>
+            <a:ext cx="1966823" cy="403551"/>
+          </a:xfrm>
+          <a:prstGeom prst="roundRect">
+            <a:avLst/>
+          </a:prstGeom>
+        </p:spPr>
+        <p:style>
+          <a:lnRef idx="2">
+            <a:schemeClr val="accent1">
+              <a:shade val="50000"/>
+            </a:schemeClr>
+          </a:lnRef>
+          <a:fillRef idx="1">
+            <a:schemeClr val="accent1"/>
+          </a:fillRef>
+          <a:effectRef idx="0">
+            <a:schemeClr val="accent1"/>
+          </a:effectRef>
+          <a:fontRef idx="minor">
+            <a:schemeClr val="lt1"/>
+          </a:fontRef>
+        </p:style>
+        <p:txBody>
+          <a:bodyPr rtlCol="0" anchor="ctr"/>
+          <a:lstStyle/>
+          <a:p>
+            <a:pPr algn="ctr"/>
+            <a:endParaRPr lang="zh-CN" altLang="en-US"/>
+          </a:p>
+        </p:txBody>
+      </p:sp>
+      <p:sp>
+        <p:nvSpPr>
+          <p:cNvPr id="5" name="文本框 4"/>
+          <p:cNvSpPr txBox="1"/>
+          <p:nvPr/>
+        </p:nvSpPr>
+        <p:spPr>
+          <a:xfrm>
+            <a:off x="940266" y="5573633"/>
+            <a:ext cx="1500996" cy="369332"/>
+          </a:xfrm>
+          <a:prstGeom prst="rect">
+            <a:avLst/>
+          </a:prstGeom>
+          <a:noFill/>
+        </p:spPr>
+        <p:txBody>
+          <a:bodyPr wrap="square" rtlCol="0">
+            <a:spAutoFit/>
+          </a:bodyPr>
+          <a:lstStyle/>
+          <a:p>
+            <a:r>
+              <a:rPr lang="zh-CN" altLang="en-US" dirty="0"/>
+              <a:t>硬件</a:t>
+            </a:r>
+          </a:p>
+        </p:txBody>
+      </p:sp>
+      <p:sp>
+        <p:nvSpPr>
+          <p:cNvPr id="7" name="圆角矩形 6"/>
+          <p:cNvSpPr/>
+          <p:nvPr/>
+        </p:nvSpPr>
+        <p:spPr>
+          <a:xfrm>
+            <a:off x="940266" y="4339085"/>
+            <a:ext cx="1966823" cy="1043797"/>
+          </a:xfrm>
+          <a:prstGeom prst="roundRect">
+            <a:avLst/>
+          </a:prstGeom>
+        </p:spPr>
+        <p:style>
+          <a:lnRef idx="2">
+            <a:schemeClr val="accent1">
+              <a:shade val="50000"/>
+            </a:schemeClr>
+          </a:lnRef>
+          <a:fillRef idx="1">
+            <a:schemeClr val="accent1"/>
+          </a:fillRef>
+          <a:effectRef idx="0">
+            <a:schemeClr val="accent1"/>
+          </a:effectRef>
+          <a:fontRef idx="minor">
+            <a:schemeClr val="lt1"/>
+          </a:fontRef>
+        </p:style>
+        <p:txBody>
+          <a:bodyPr rtlCol="0" anchor="ctr"/>
+          <a:lstStyle/>
+          <a:p>
+            <a:pPr algn="ctr"/>
+            <a:endParaRPr lang="zh-CN" altLang="en-US"/>
+          </a:p>
+        </p:txBody>
+      </p:sp>
+      <p:sp>
+        <p:nvSpPr>
+          <p:cNvPr id="8" name="文本框 7"/>
+          <p:cNvSpPr txBox="1"/>
+          <p:nvPr/>
+        </p:nvSpPr>
+        <p:spPr>
+          <a:xfrm>
+            <a:off x="940266" y="4261448"/>
+            <a:ext cx="353683" cy="1200329"/>
+          </a:xfrm>
+          <a:prstGeom prst="rect">
+            <a:avLst/>
+          </a:prstGeom>
+          <a:noFill/>
+        </p:spPr>
+        <p:txBody>
+          <a:bodyPr wrap="square" rtlCol="0">
+            <a:spAutoFit/>
+          </a:bodyPr>
+          <a:lstStyle/>
+          <a:p>
+            <a:r>
+              <a:rPr lang="zh-CN" altLang="en-US" dirty="0" smtClean="0"/>
+              <a:t>系统进程</a:t>
+            </a:r>
+            <a:endParaRPr lang="zh-CN" altLang="en-US" dirty="0"/>
+          </a:p>
+        </p:txBody>
+      </p:sp>
+      <p:sp>
+        <p:nvSpPr>
+          <p:cNvPr id="9" name="圆角矩形 8"/>
+          <p:cNvSpPr/>
+          <p:nvPr/>
+        </p:nvSpPr>
+        <p:spPr>
+          <a:xfrm>
+            <a:off x="1041682" y="2961055"/>
+            <a:ext cx="870166" cy="1254107"/>
+          </a:xfrm>
+          <a:prstGeom prst="roundRect">
+            <a:avLst/>
+          </a:prstGeom>
+        </p:spPr>
+        <p:style>
+          <a:lnRef idx="2">
+            <a:schemeClr val="accent1">
+              <a:shade val="50000"/>
+            </a:schemeClr>
+          </a:lnRef>
+          <a:fillRef idx="1">
+            <a:schemeClr val="accent1"/>
+          </a:fillRef>
+          <a:effectRef idx="0">
+            <a:schemeClr val="accent1"/>
+          </a:effectRef>
+          <a:fontRef idx="minor">
+            <a:schemeClr val="lt1"/>
+          </a:fontRef>
+        </p:style>
+        <p:txBody>
+          <a:bodyPr rtlCol="0" anchor="ctr"/>
+          <a:lstStyle/>
+          <a:p>
+            <a:pPr algn="ctr"/>
+            <a:endParaRPr lang="zh-CN" altLang="en-US"/>
+          </a:p>
+        </p:txBody>
+      </p:sp>
+      <p:sp>
+        <p:nvSpPr>
+          <p:cNvPr id="10" name="文本框 9"/>
+          <p:cNvSpPr txBox="1"/>
+          <p:nvPr/>
+        </p:nvSpPr>
+        <p:spPr>
+          <a:xfrm>
+            <a:off x="1037429" y="2974456"/>
+            <a:ext cx="373535" cy="1200329"/>
+          </a:xfrm>
+          <a:prstGeom prst="rect">
+            <a:avLst/>
+          </a:prstGeom>
+          <a:noFill/>
+        </p:spPr>
+        <p:txBody>
+          <a:bodyPr wrap="square" rtlCol="0">
+            <a:spAutoFit/>
+          </a:bodyPr>
+          <a:lstStyle/>
+          <a:p>
+            <a:r>
+              <a:rPr lang="zh-CN" altLang="en-US" dirty="0" smtClean="0"/>
+              <a:t>用户进程</a:t>
+            </a:r>
+            <a:endParaRPr lang="zh-CN" altLang="en-US" dirty="0"/>
+          </a:p>
+        </p:txBody>
+      </p:sp>
+      <p:sp>
+        <p:nvSpPr>
+          <p:cNvPr id="12" name="矩形 11"/>
+          <p:cNvSpPr/>
+          <p:nvPr/>
+        </p:nvSpPr>
+        <p:spPr>
+          <a:xfrm>
+            <a:off x="1456114" y="3075043"/>
+            <a:ext cx="357079" cy="1137089"/>
+          </a:xfrm>
+          <a:prstGeom prst="rect">
+            <a:avLst/>
+          </a:prstGeom>
+        </p:spPr>
+        <p:style>
+          <a:lnRef idx="2">
+            <a:schemeClr val="accent3">
+              <a:shade val="50000"/>
+            </a:schemeClr>
+          </a:lnRef>
+          <a:fillRef idx="1">
+            <a:schemeClr val="accent3"/>
+          </a:fillRef>
+          <a:effectRef idx="0">
+            <a:schemeClr val="accent3"/>
+          </a:effectRef>
+          <a:fontRef idx="minor">
+            <a:schemeClr val="lt1"/>
+          </a:fontRef>
+        </p:style>
+        <p:txBody>
+          <a:bodyPr rtlCol="0" anchor="ctr"/>
+          <a:lstStyle/>
+          <a:p>
+            <a:pPr algn="ctr"/>
+            <a:endParaRPr lang="zh-CN" altLang="en-US"/>
+          </a:p>
+        </p:txBody>
+      </p:sp>
+      <p:sp>
+        <p:nvSpPr>
+          <p:cNvPr id="13" name="文本框 12"/>
+          <p:cNvSpPr txBox="1"/>
+          <p:nvPr/>
+        </p:nvSpPr>
+        <p:spPr>
+          <a:xfrm>
+            <a:off x="1423434" y="3069744"/>
+            <a:ext cx="389964" cy="1200329"/>
+          </a:xfrm>
+          <a:prstGeom prst="rect">
+            <a:avLst/>
+          </a:prstGeom>
+          <a:noFill/>
+        </p:spPr>
+        <p:txBody>
+          <a:bodyPr wrap="square" rtlCol="0">
+            <a:spAutoFit/>
+          </a:bodyPr>
+          <a:lstStyle/>
+          <a:p>
+            <a:r>
+              <a:rPr lang="zh-CN" altLang="en-US" dirty="0" smtClean="0"/>
+              <a:t>描述符表</a:t>
+            </a:r>
+            <a:endParaRPr lang="zh-CN" altLang="en-US" dirty="0"/>
+          </a:p>
+        </p:txBody>
+      </p:sp>
+      <p:sp>
+        <p:nvSpPr>
+          <p:cNvPr id="14" name="矩形 13"/>
+          <p:cNvSpPr/>
+          <p:nvPr/>
+        </p:nvSpPr>
+        <p:spPr>
+          <a:xfrm>
+            <a:off x="1517252" y="4505534"/>
+            <a:ext cx="848265" cy="369332"/>
+          </a:xfrm>
+          <a:prstGeom prst="rect">
+            <a:avLst/>
+          </a:prstGeom>
+        </p:spPr>
+        <p:style>
+          <a:lnRef idx="2">
+            <a:schemeClr val="accent3">
+              <a:shade val="50000"/>
+            </a:schemeClr>
+          </a:lnRef>
+          <a:fillRef idx="1">
+            <a:schemeClr val="accent3"/>
+          </a:fillRef>
+          <a:effectRef idx="0">
+            <a:schemeClr val="accent3"/>
+          </a:effectRef>
+          <a:fontRef idx="minor">
+            <a:schemeClr val="lt1"/>
+          </a:fontRef>
+        </p:style>
+        <p:txBody>
+          <a:bodyPr rtlCol="0" anchor="ctr"/>
+          <a:lstStyle/>
+          <a:p>
+            <a:pPr algn="ctr"/>
+            <a:endParaRPr lang="zh-CN" altLang="en-US"/>
+          </a:p>
+        </p:txBody>
+      </p:sp>
+      <p:sp>
+        <p:nvSpPr>
+          <p:cNvPr id="15" name="文本框 14"/>
+          <p:cNvSpPr txBox="1"/>
+          <p:nvPr/>
+        </p:nvSpPr>
+        <p:spPr>
+          <a:xfrm>
+            <a:off x="1508422" y="4520293"/>
+            <a:ext cx="994914" cy="369332"/>
+          </a:xfrm>
+          <a:prstGeom prst="rect">
+            <a:avLst/>
+          </a:prstGeom>
+          <a:noFill/>
+        </p:spPr>
+        <p:txBody>
+          <a:bodyPr wrap="square" rtlCol="0">
+            <a:spAutoFit/>
+          </a:bodyPr>
+          <a:lstStyle/>
+          <a:p>
+            <a:r>
+              <a:rPr lang="zh-CN" altLang="en-US" dirty="0"/>
+              <a:t>文件</a:t>
+            </a:r>
+            <a:r>
+              <a:rPr lang="zh-CN" altLang="en-US" dirty="0" smtClean="0"/>
+              <a:t>表</a:t>
+            </a:r>
+            <a:endParaRPr lang="zh-CN" altLang="en-US" dirty="0"/>
+          </a:p>
+        </p:txBody>
+      </p:sp>
+      <p:sp>
+        <p:nvSpPr>
+          <p:cNvPr id="16" name="矩形 15"/>
+          <p:cNvSpPr/>
+          <p:nvPr/>
+        </p:nvSpPr>
+        <p:spPr>
+          <a:xfrm>
+            <a:off x="1517252" y="5013548"/>
+            <a:ext cx="858329" cy="369332"/>
+          </a:xfrm>
+          <a:prstGeom prst="rect">
+            <a:avLst/>
+          </a:prstGeom>
+        </p:spPr>
+        <p:style>
+          <a:lnRef idx="2">
+            <a:schemeClr val="accent3">
+              <a:shade val="50000"/>
+            </a:schemeClr>
+          </a:lnRef>
+          <a:fillRef idx="1">
+            <a:schemeClr val="accent3"/>
+          </a:fillRef>
+          <a:effectRef idx="0">
+            <a:schemeClr val="accent3"/>
+          </a:effectRef>
+          <a:fontRef idx="minor">
+            <a:schemeClr val="lt1"/>
+          </a:fontRef>
+        </p:style>
+        <p:txBody>
+          <a:bodyPr rtlCol="0" anchor="ctr"/>
+          <a:lstStyle/>
+          <a:p>
+            <a:pPr algn="ctr"/>
+            <a:endParaRPr lang="zh-CN" altLang="en-US"/>
+          </a:p>
+        </p:txBody>
+      </p:sp>
+      <p:sp>
+        <p:nvSpPr>
+          <p:cNvPr id="17" name="文本框 16"/>
+          <p:cNvSpPr txBox="1"/>
+          <p:nvPr/>
+        </p:nvSpPr>
+        <p:spPr>
+          <a:xfrm>
+            <a:off x="1491805" y="5031457"/>
+            <a:ext cx="1217427" cy="369332"/>
+          </a:xfrm>
+          <a:prstGeom prst="rect">
+            <a:avLst/>
+          </a:prstGeom>
+          <a:noFill/>
+        </p:spPr>
+        <p:txBody>
+          <a:bodyPr wrap="square" rtlCol="0">
+            <a:spAutoFit/>
+          </a:bodyPr>
+          <a:lstStyle/>
+          <a:p>
+            <a:r>
+              <a:rPr lang="en-US" altLang="zh-CN" dirty="0" err="1" smtClean="0"/>
+              <a:t>inode</a:t>
+            </a:r>
+            <a:r>
+              <a:rPr lang="zh-CN" altLang="en-US" dirty="0" smtClean="0"/>
+              <a:t>表</a:t>
+            </a:r>
+            <a:endParaRPr lang="zh-CN" altLang="en-US" dirty="0"/>
+          </a:p>
+        </p:txBody>
+      </p:sp>
+      <p:sp>
+        <p:nvSpPr>
+          <p:cNvPr id="27" name="下箭头 26"/>
+          <p:cNvSpPr/>
+          <p:nvPr/>
+        </p:nvSpPr>
+        <p:spPr>
+          <a:xfrm>
+            <a:off x="1813193" y="5392733"/>
+            <a:ext cx="284671" cy="137225"/>
+          </a:xfrm>
+          <a:prstGeom prst="downArrow">
+            <a:avLst/>
+          </a:prstGeom>
+        </p:spPr>
+        <p:style>
+          <a:lnRef idx="2">
+            <a:schemeClr val="accent2">
+              <a:shade val="50000"/>
+            </a:schemeClr>
+          </a:lnRef>
+          <a:fillRef idx="1">
+            <a:schemeClr val="accent2"/>
+          </a:fillRef>
+          <a:effectRef idx="0">
+            <a:schemeClr val="accent2"/>
+          </a:effectRef>
+          <a:fontRef idx="minor">
+            <a:schemeClr val="lt1"/>
+          </a:fontRef>
+        </p:style>
+        <p:txBody>
+          <a:bodyPr rtlCol="0" anchor="ctr"/>
+          <a:lstStyle/>
+          <a:p>
+            <a:pPr algn="ctr"/>
+            <a:endParaRPr lang="zh-CN" altLang="en-US"/>
+          </a:p>
+        </p:txBody>
+      </p:sp>
+      <p:sp>
+        <p:nvSpPr>
+          <p:cNvPr id="28" name="下箭头 27"/>
+          <p:cNvSpPr/>
+          <p:nvPr/>
+        </p:nvSpPr>
+        <p:spPr>
+          <a:xfrm>
+            <a:off x="1752922" y="4892773"/>
+            <a:ext cx="382101" cy="120775"/>
+          </a:xfrm>
+          <a:prstGeom prst="downArrow">
+            <a:avLst/>
+          </a:prstGeom>
+        </p:spPr>
+        <p:style>
+          <a:lnRef idx="2">
+            <a:schemeClr val="accent2">
+              <a:shade val="50000"/>
+            </a:schemeClr>
+          </a:lnRef>
+          <a:fillRef idx="1">
+            <a:schemeClr val="accent2"/>
+          </a:fillRef>
+          <a:effectRef idx="0">
+            <a:schemeClr val="accent2"/>
+          </a:effectRef>
+          <a:fontRef idx="minor">
+            <a:schemeClr val="lt1"/>
+          </a:fontRef>
+        </p:style>
+        <p:txBody>
+          <a:bodyPr rtlCol="0" anchor="ctr"/>
+          <a:lstStyle/>
+          <a:p>
+            <a:pPr algn="ctr"/>
+            <a:endParaRPr lang="zh-CN" altLang="en-US"/>
+          </a:p>
+        </p:txBody>
+      </p:sp>
+      <p:sp>
+        <p:nvSpPr>
+          <p:cNvPr id="29" name="下箭头 28"/>
+          <p:cNvSpPr/>
+          <p:nvPr/>
+        </p:nvSpPr>
+        <p:spPr>
+          <a:xfrm>
+            <a:off x="1519409" y="4211186"/>
+            <a:ext cx="282896" cy="274450"/>
+          </a:xfrm>
+          <a:prstGeom prst="downArrow">
+            <a:avLst/>
+          </a:prstGeom>
+        </p:spPr>
+        <p:style>
+          <a:lnRef idx="2">
+            <a:schemeClr val="accent2">
+              <a:shade val="50000"/>
+            </a:schemeClr>
+          </a:lnRef>
+          <a:fillRef idx="1">
+            <a:schemeClr val="accent2"/>
+          </a:fillRef>
+          <a:effectRef idx="0">
+            <a:schemeClr val="accent2"/>
+          </a:effectRef>
+          <a:fontRef idx="minor">
+            <a:schemeClr val="lt1"/>
+          </a:fontRef>
+        </p:style>
+        <p:txBody>
+          <a:bodyPr rtlCol="0" anchor="ctr"/>
+          <a:lstStyle/>
+          <a:p>
+            <a:pPr algn="ctr"/>
+            <a:endParaRPr lang="zh-CN" altLang="en-US"/>
+          </a:p>
+        </p:txBody>
+      </p:sp>
+      <p:sp>
+        <p:nvSpPr>
+          <p:cNvPr id="30" name="椭圆形标注 29"/>
+          <p:cNvSpPr/>
+          <p:nvPr/>
+        </p:nvSpPr>
+        <p:spPr>
+          <a:xfrm>
+            <a:off x="2958846" y="3372932"/>
+            <a:ext cx="1199073" cy="1275520"/>
+          </a:xfrm>
+          <a:prstGeom prst="wedgeEllipseCallout">
+            <a:avLst>
+              <a:gd name="adj1" fmla="val -96756"/>
+              <a:gd name="adj2" fmla="val 52428"/>
+            </a:avLst>
+          </a:prstGeom>
+        </p:spPr>
+        <p:style>
+          <a:lnRef idx="2">
+            <a:schemeClr val="accent4">
+              <a:shade val="50000"/>
+            </a:schemeClr>
+          </a:lnRef>
+          <a:fillRef idx="1">
+            <a:schemeClr val="accent4"/>
+          </a:fillRef>
+          <a:effectRef idx="0">
+            <a:schemeClr val="accent4"/>
+          </a:effectRef>
+          <a:fontRef idx="minor">
+            <a:schemeClr val="lt1"/>
+          </a:fontRef>
+        </p:style>
+        <p:txBody>
+          <a:bodyPr rtlCol="0" anchor="ctr"/>
+          <a:lstStyle/>
+          <a:p>
+            <a:pPr algn="ctr"/>
+            <a:endParaRPr lang="zh-CN" altLang="en-US"/>
+          </a:p>
+        </p:txBody>
+      </p:sp>
+      <p:sp>
+        <p:nvSpPr>
+          <p:cNvPr id="31" name="文本框 30"/>
+          <p:cNvSpPr txBox="1"/>
+          <p:nvPr/>
+        </p:nvSpPr>
+        <p:spPr>
+          <a:xfrm>
+            <a:off x="3046886" y="3390191"/>
+            <a:ext cx="1111033" cy="338554"/>
+          </a:xfrm>
+          <a:prstGeom prst="rect">
+            <a:avLst/>
+          </a:prstGeom>
+          <a:noFill/>
+        </p:spPr>
+        <p:txBody>
+          <a:bodyPr wrap="square" rtlCol="0">
+            <a:spAutoFit/>
+          </a:bodyPr>
+          <a:lstStyle/>
+          <a:p>
+            <a:r>
+              <a:rPr lang="zh-CN" altLang="en-US" sz="1600" dirty="0" smtClean="0"/>
+              <a:t>文件状态</a:t>
+            </a:r>
+            <a:endParaRPr lang="zh-CN" altLang="en-US" sz="1600" dirty="0"/>
+          </a:p>
+        </p:txBody>
+      </p:sp>
+      <p:sp>
+        <p:nvSpPr>
+          <p:cNvPr id="32" name="文本框 31"/>
+          <p:cNvSpPr txBox="1"/>
+          <p:nvPr/>
+        </p:nvSpPr>
+        <p:spPr>
+          <a:xfrm>
+            <a:off x="3098643" y="3695304"/>
+            <a:ext cx="1059276" cy="338554"/>
+          </a:xfrm>
+          <a:prstGeom prst="rect">
+            <a:avLst/>
+          </a:prstGeom>
+          <a:noFill/>
+        </p:spPr>
+        <p:txBody>
+          <a:bodyPr wrap="square" rtlCol="0">
+            <a:spAutoFit/>
+          </a:bodyPr>
+          <a:lstStyle/>
+          <a:p>
+            <a:r>
+              <a:rPr lang="zh-CN" altLang="en-US" sz="1600" dirty="0" smtClean="0"/>
+              <a:t>索引位置</a:t>
+            </a:r>
+            <a:endParaRPr lang="zh-CN" altLang="en-US" sz="1600" dirty="0"/>
+          </a:p>
+        </p:txBody>
+      </p:sp>
+      <p:sp>
+        <p:nvSpPr>
+          <p:cNvPr id="33" name="文本框 32"/>
+          <p:cNvSpPr txBox="1"/>
+          <p:nvPr/>
+        </p:nvSpPr>
+        <p:spPr>
+          <a:xfrm>
+            <a:off x="3078791" y="4033858"/>
+            <a:ext cx="1047222" cy="338554"/>
+          </a:xfrm>
+          <a:prstGeom prst="rect">
+            <a:avLst/>
+          </a:prstGeom>
+          <a:noFill/>
+        </p:spPr>
+        <p:txBody>
+          <a:bodyPr wrap="square" rtlCol="0">
+            <a:spAutoFit/>
+          </a:bodyPr>
+          <a:lstStyle/>
+          <a:p>
+            <a:r>
+              <a:rPr lang="zh-CN" altLang="en-US" sz="1600" dirty="0" smtClean="0"/>
+              <a:t>链接数量</a:t>
+            </a:r>
+            <a:endParaRPr lang="zh-CN" altLang="en-US" sz="1600" dirty="0"/>
+          </a:p>
+        </p:txBody>
+      </p:sp>
+      <p:sp>
+        <p:nvSpPr>
+          <p:cNvPr id="34" name="椭圆形标注 33"/>
+          <p:cNvSpPr/>
+          <p:nvPr/>
+        </p:nvSpPr>
+        <p:spPr>
+          <a:xfrm>
+            <a:off x="3019292" y="4747840"/>
+            <a:ext cx="1199073" cy="1282027"/>
+          </a:xfrm>
+          <a:prstGeom prst="wedgeEllipseCallout">
+            <a:avLst>
+              <a:gd name="adj1" fmla="val -102511"/>
+              <a:gd name="adj2" fmla="val -14180"/>
+            </a:avLst>
+          </a:prstGeom>
+        </p:spPr>
+        <p:style>
+          <a:lnRef idx="2">
+            <a:schemeClr val="accent4">
+              <a:shade val="50000"/>
+            </a:schemeClr>
+          </a:lnRef>
+          <a:fillRef idx="1">
+            <a:schemeClr val="accent4"/>
+          </a:fillRef>
+          <a:effectRef idx="0">
+            <a:schemeClr val="accent4"/>
+          </a:effectRef>
+          <a:fontRef idx="minor">
+            <a:schemeClr val="lt1"/>
+          </a:fontRef>
+        </p:style>
+        <p:txBody>
+          <a:bodyPr rtlCol="0" anchor="ctr"/>
+          <a:lstStyle/>
+          <a:p>
+            <a:pPr algn="ctr"/>
+            <a:endParaRPr lang="zh-CN" altLang="en-US"/>
+          </a:p>
+        </p:txBody>
+      </p:sp>
+      <p:sp>
+        <p:nvSpPr>
+          <p:cNvPr id="35" name="文本框 34"/>
+          <p:cNvSpPr txBox="1"/>
+          <p:nvPr/>
+        </p:nvSpPr>
+        <p:spPr>
+          <a:xfrm>
+            <a:off x="3312958" y="4823972"/>
+            <a:ext cx="630645" cy="338554"/>
+          </a:xfrm>
+          <a:prstGeom prst="rect">
+            <a:avLst/>
+          </a:prstGeom>
+          <a:noFill/>
+        </p:spPr>
+        <p:txBody>
+          <a:bodyPr wrap="square" rtlCol="0">
+            <a:spAutoFit/>
+          </a:bodyPr>
+          <a:lstStyle/>
+          <a:p>
+            <a:r>
+              <a:rPr lang="zh-CN" altLang="en-US" sz="1600" dirty="0"/>
+              <a:t>大小</a:t>
+            </a:r>
+          </a:p>
+        </p:txBody>
+      </p:sp>
+      <p:sp>
+        <p:nvSpPr>
+          <p:cNvPr id="36" name="文本框 35"/>
+          <p:cNvSpPr txBox="1"/>
+          <p:nvPr/>
+        </p:nvSpPr>
+        <p:spPr>
+          <a:xfrm>
+            <a:off x="3222379" y="5123223"/>
+            <a:ext cx="811801" cy="338554"/>
+          </a:xfrm>
+          <a:prstGeom prst="rect">
+            <a:avLst/>
+          </a:prstGeom>
+          <a:noFill/>
+        </p:spPr>
+        <p:txBody>
+          <a:bodyPr wrap="square" rtlCol="0">
+            <a:spAutoFit/>
+          </a:bodyPr>
+          <a:lstStyle/>
+          <a:p>
+            <a:r>
+              <a:rPr lang="zh-CN" altLang="en-US" sz="1600" dirty="0" smtClean="0"/>
+              <a:t>创建者</a:t>
+            </a:r>
+            <a:endParaRPr lang="zh-CN" altLang="en-US" sz="1600" dirty="0"/>
+          </a:p>
+        </p:txBody>
+      </p:sp>
+      <p:sp>
+        <p:nvSpPr>
+          <p:cNvPr id="37" name="文本框 36"/>
+          <p:cNvSpPr txBox="1"/>
+          <p:nvPr/>
+        </p:nvSpPr>
+        <p:spPr>
+          <a:xfrm>
+            <a:off x="3158598" y="5432085"/>
+            <a:ext cx="1047222" cy="338554"/>
+          </a:xfrm>
+          <a:prstGeom prst="rect">
+            <a:avLst/>
+          </a:prstGeom>
+          <a:noFill/>
+        </p:spPr>
+        <p:txBody>
+          <a:bodyPr wrap="square" rtlCol="0">
+            <a:spAutoFit/>
+          </a:bodyPr>
+          <a:lstStyle/>
+          <a:p>
+            <a:r>
+              <a:rPr lang="zh-CN" altLang="en-US" sz="1600" dirty="0" smtClean="0"/>
+              <a:t>时间节点</a:t>
+            </a:r>
+            <a:endParaRPr lang="zh-CN" altLang="en-US" sz="1600" dirty="0"/>
+          </a:p>
+        </p:txBody>
+      </p:sp>
+      <p:sp>
+        <p:nvSpPr>
+          <p:cNvPr id="42" name="文本框 41"/>
+          <p:cNvSpPr txBox="1"/>
+          <p:nvPr/>
+        </p:nvSpPr>
+        <p:spPr>
+          <a:xfrm>
+            <a:off x="3451927" y="5621908"/>
+            <a:ext cx="460564" cy="338554"/>
+          </a:xfrm>
+          <a:prstGeom prst="rect">
+            <a:avLst/>
+          </a:prstGeom>
+          <a:noFill/>
+        </p:spPr>
+        <p:txBody>
+          <a:bodyPr wrap="square" rtlCol="0">
+            <a:spAutoFit/>
+          </a:bodyPr>
+          <a:lstStyle/>
+          <a:p>
+            <a:r>
+              <a:rPr lang="en-US" altLang="zh-CN" sz="1600" dirty="0" smtClean="0"/>
+              <a:t>…</a:t>
+            </a:r>
+            <a:endParaRPr lang="zh-CN" altLang="en-US" sz="1600" dirty="0"/>
+          </a:p>
+        </p:txBody>
+      </p:sp>
+      <p:sp>
+        <p:nvSpPr>
+          <p:cNvPr id="43" name="文本框 42"/>
+          <p:cNvSpPr txBox="1"/>
+          <p:nvPr/>
+        </p:nvSpPr>
+        <p:spPr>
+          <a:xfrm>
+            <a:off x="3372120" y="4264697"/>
+            <a:ext cx="460564" cy="338554"/>
+          </a:xfrm>
+          <a:prstGeom prst="rect">
+            <a:avLst/>
+          </a:prstGeom>
+          <a:noFill/>
+        </p:spPr>
+        <p:txBody>
+          <a:bodyPr wrap="square" rtlCol="0">
+            <a:spAutoFit/>
+          </a:bodyPr>
+          <a:lstStyle/>
+          <a:p>
+            <a:r>
+              <a:rPr lang="en-US" altLang="zh-CN" sz="1600" dirty="0" smtClean="0"/>
+              <a:t>…</a:t>
+            </a:r>
+            <a:endParaRPr lang="zh-CN" altLang="en-US" sz="1600" dirty="0"/>
+          </a:p>
+        </p:txBody>
+      </p:sp>
+      <p:sp>
+        <p:nvSpPr>
+          <p:cNvPr id="44" name="椭圆 43"/>
+          <p:cNvSpPr/>
+          <p:nvPr/>
+        </p:nvSpPr>
+        <p:spPr>
+          <a:xfrm>
+            <a:off x="1525812" y="5564177"/>
+            <a:ext cx="859431" cy="321057"/>
+          </a:xfrm>
+          <a:prstGeom prst="ellipse">
+            <a:avLst/>
+          </a:prstGeom>
+        </p:spPr>
+        <p:style>
+          <a:lnRef idx="2">
+            <a:schemeClr val="accent4">
+              <a:shade val="50000"/>
+            </a:schemeClr>
+          </a:lnRef>
+          <a:fillRef idx="1">
+            <a:schemeClr val="accent4"/>
+          </a:fillRef>
+          <a:effectRef idx="0">
+            <a:schemeClr val="accent4"/>
+          </a:effectRef>
+          <a:fontRef idx="minor">
+            <a:schemeClr val="lt1"/>
+          </a:fontRef>
+        </p:style>
+        <p:txBody>
+          <a:bodyPr rtlCol="0" anchor="ctr"/>
+          <a:lstStyle/>
+          <a:p>
+            <a:pPr algn="ctr"/>
+            <a:endParaRPr lang="zh-CN" altLang="en-US"/>
+          </a:p>
+        </p:txBody>
+      </p:sp>
+      <p:sp>
+        <p:nvSpPr>
+          <p:cNvPr id="45" name="文本框 44"/>
+          <p:cNvSpPr txBox="1"/>
+          <p:nvPr/>
+        </p:nvSpPr>
+        <p:spPr>
+          <a:xfrm>
+            <a:off x="1456114" y="5564177"/>
+            <a:ext cx="1047222" cy="338554"/>
+          </a:xfrm>
+          <a:prstGeom prst="rect">
+            <a:avLst/>
+          </a:prstGeom>
+          <a:noFill/>
+        </p:spPr>
+        <p:txBody>
+          <a:bodyPr wrap="square" rtlCol="0">
+            <a:spAutoFit/>
+          </a:bodyPr>
+          <a:lstStyle/>
+          <a:p>
+            <a:r>
+              <a:rPr lang="zh-CN" altLang="en-US" sz="1600" dirty="0" smtClean="0"/>
+              <a:t>文件内容</a:t>
+            </a:r>
+            <a:endParaRPr lang="zh-CN" altLang="en-US" sz="1600" dirty="0"/>
+          </a:p>
+        </p:txBody>
+      </p:sp>
+      <p:sp>
+        <p:nvSpPr>
+          <p:cNvPr id="46" name="下箭头 45"/>
+          <p:cNvSpPr/>
+          <p:nvPr/>
+        </p:nvSpPr>
+        <p:spPr>
+          <a:xfrm>
+            <a:off x="2044716" y="4227430"/>
+            <a:ext cx="282896" cy="274450"/>
+          </a:xfrm>
+          <a:prstGeom prst="downArrow">
+            <a:avLst/>
+          </a:prstGeom>
+        </p:spPr>
+        <p:style>
+          <a:lnRef idx="2">
+            <a:schemeClr val="accent2">
+              <a:shade val="50000"/>
+            </a:schemeClr>
+          </a:lnRef>
+          <a:fillRef idx="1">
+            <a:schemeClr val="accent2"/>
+          </a:fillRef>
+          <a:effectRef idx="0">
+            <a:schemeClr val="accent2"/>
+          </a:effectRef>
+          <a:fontRef idx="minor">
+            <a:schemeClr val="lt1"/>
+          </a:fontRef>
+        </p:style>
+        <p:txBody>
+          <a:bodyPr rtlCol="0" anchor="ctr"/>
+          <a:lstStyle/>
+          <a:p>
+            <a:pPr algn="ctr"/>
+            <a:endParaRPr lang="zh-CN" altLang="en-US"/>
+          </a:p>
+        </p:txBody>
+      </p:sp>
+      <p:sp>
+        <p:nvSpPr>
+          <p:cNvPr id="47" name="圆角矩形 46"/>
+          <p:cNvSpPr/>
+          <p:nvPr/>
+        </p:nvSpPr>
+        <p:spPr>
+          <a:xfrm>
+            <a:off x="1930564" y="2971670"/>
+            <a:ext cx="870166" cy="1254107"/>
+          </a:xfrm>
+          <a:prstGeom prst="roundRect">
+            <a:avLst/>
+          </a:prstGeom>
+        </p:spPr>
+        <p:style>
+          <a:lnRef idx="2">
+            <a:schemeClr val="accent1">
+              <a:shade val="50000"/>
+            </a:schemeClr>
+          </a:lnRef>
+          <a:fillRef idx="1">
+            <a:schemeClr val="accent1"/>
+          </a:fillRef>
+          <a:effectRef idx="0">
+            <a:schemeClr val="accent1"/>
+          </a:effectRef>
+          <a:fontRef idx="minor">
+            <a:schemeClr val="lt1"/>
+          </a:fontRef>
+        </p:style>
+        <p:txBody>
+          <a:bodyPr rtlCol="0" anchor="ctr"/>
+          <a:lstStyle/>
+          <a:p>
+            <a:pPr algn="ctr"/>
+            <a:endParaRPr lang="zh-CN" altLang="en-US"/>
+          </a:p>
+        </p:txBody>
+      </p:sp>
+      <p:sp>
+        <p:nvSpPr>
+          <p:cNvPr id="48" name="文本框 47"/>
+          <p:cNvSpPr txBox="1"/>
+          <p:nvPr/>
+        </p:nvSpPr>
+        <p:spPr>
+          <a:xfrm>
+            <a:off x="2359587" y="3004908"/>
+            <a:ext cx="356679" cy="1200329"/>
+          </a:xfrm>
+          <a:prstGeom prst="rect">
+            <a:avLst/>
+          </a:prstGeom>
+          <a:noFill/>
+        </p:spPr>
+        <p:txBody>
+          <a:bodyPr wrap="square" rtlCol="0">
+            <a:spAutoFit/>
+          </a:bodyPr>
+          <a:lstStyle/>
+          <a:p>
+            <a:r>
+              <a:rPr lang="zh-CN" altLang="en-US" dirty="0" smtClean="0"/>
+              <a:t>用户进程</a:t>
+            </a:r>
+            <a:endParaRPr lang="zh-CN" altLang="en-US" dirty="0"/>
+          </a:p>
+        </p:txBody>
+      </p:sp>
+      <p:sp>
+        <p:nvSpPr>
+          <p:cNvPr id="49" name="矩形 48"/>
+          <p:cNvSpPr/>
+          <p:nvPr/>
+        </p:nvSpPr>
+        <p:spPr>
+          <a:xfrm>
+            <a:off x="2017194" y="3079767"/>
+            <a:ext cx="357079" cy="1137089"/>
+          </a:xfrm>
+          <a:prstGeom prst="rect">
+            <a:avLst/>
+          </a:prstGeom>
+        </p:spPr>
+        <p:style>
+          <a:lnRef idx="2">
+            <a:schemeClr val="accent3">
+              <a:shade val="50000"/>
+            </a:schemeClr>
+          </a:lnRef>
+          <a:fillRef idx="1">
+            <a:schemeClr val="accent3"/>
+          </a:fillRef>
+          <a:effectRef idx="0">
+            <a:schemeClr val="accent3"/>
+          </a:effectRef>
+          <a:fontRef idx="minor">
+            <a:schemeClr val="lt1"/>
+          </a:fontRef>
+        </p:style>
+        <p:txBody>
+          <a:bodyPr rtlCol="0" anchor="ctr"/>
+          <a:lstStyle/>
+          <a:p>
+            <a:pPr algn="ctr"/>
+            <a:endParaRPr lang="zh-CN" altLang="en-US"/>
+          </a:p>
+        </p:txBody>
+      </p:sp>
+      <p:sp>
+        <p:nvSpPr>
+          <p:cNvPr id="50" name="文本框 49"/>
+          <p:cNvSpPr txBox="1"/>
+          <p:nvPr/>
+        </p:nvSpPr>
+        <p:spPr>
+          <a:xfrm>
+            <a:off x="1991653" y="3065162"/>
+            <a:ext cx="389964" cy="1200329"/>
+          </a:xfrm>
+          <a:prstGeom prst="rect">
+            <a:avLst/>
+          </a:prstGeom>
+          <a:noFill/>
+        </p:spPr>
+        <p:txBody>
+          <a:bodyPr wrap="square" rtlCol="0">
+            <a:spAutoFit/>
+          </a:bodyPr>
+          <a:lstStyle/>
+          <a:p>
+            <a:r>
+              <a:rPr lang="zh-CN" altLang="en-US" dirty="0" smtClean="0"/>
+              <a:t>描述符表</a:t>
+            </a:r>
+            <a:endParaRPr lang="zh-CN" altLang="en-US" dirty="0"/>
+          </a:p>
+        </p:txBody>
+      </p:sp>
+      <p:sp>
+        <p:nvSpPr>
+          <p:cNvPr id="51" name="矩形 50"/>
+          <p:cNvSpPr/>
+          <p:nvPr/>
+        </p:nvSpPr>
+        <p:spPr>
+          <a:xfrm>
+            <a:off x="4908417" y="3114037"/>
+            <a:ext cx="1621766" cy="437166"/>
+          </a:xfrm>
+          <a:prstGeom prst="rect">
+            <a:avLst/>
+          </a:prstGeom>
+        </p:spPr>
+        <p:style>
+          <a:lnRef idx="2">
+            <a:schemeClr val="accent3">
+              <a:shade val="50000"/>
+            </a:schemeClr>
+          </a:lnRef>
+          <a:fillRef idx="1">
+            <a:schemeClr val="accent3"/>
+          </a:fillRef>
+          <a:effectRef idx="0">
+            <a:schemeClr val="accent3"/>
+          </a:effectRef>
+          <a:fontRef idx="minor">
+            <a:schemeClr val="lt1"/>
+          </a:fontRef>
+        </p:style>
+        <p:txBody>
+          <a:bodyPr rtlCol="0" anchor="ctr"/>
+          <a:lstStyle/>
+          <a:p>
+            <a:pPr algn="ctr"/>
+            <a:endParaRPr lang="zh-CN" altLang="en-US"/>
+          </a:p>
+        </p:txBody>
+      </p:sp>
+      <p:sp>
+        <p:nvSpPr>
+          <p:cNvPr id="52" name="文本框 51"/>
+          <p:cNvSpPr txBox="1"/>
+          <p:nvPr/>
+        </p:nvSpPr>
+        <p:spPr>
+          <a:xfrm>
+            <a:off x="5342579" y="3147954"/>
+            <a:ext cx="1155939" cy="369332"/>
+          </a:xfrm>
+          <a:prstGeom prst="rect">
+            <a:avLst/>
+          </a:prstGeom>
+          <a:noFill/>
+        </p:spPr>
+        <p:txBody>
+          <a:bodyPr wrap="square" rtlCol="0">
+            <a:spAutoFit/>
+          </a:bodyPr>
+          <a:lstStyle/>
+          <a:p>
+            <a:r>
+              <a:rPr lang="en-US" altLang="zh-CN" dirty="0"/>
+              <a:t>Buffer</a:t>
+            </a:r>
+            <a:endParaRPr lang="zh-CN" altLang="en-US" dirty="0"/>
+          </a:p>
+        </p:txBody>
+      </p:sp>
+      <p:sp>
+        <p:nvSpPr>
+          <p:cNvPr id="54" name="上下箭头 53"/>
+          <p:cNvSpPr/>
+          <p:nvPr/>
+        </p:nvSpPr>
+        <p:spPr>
+          <a:xfrm>
+            <a:off x="5451882" y="4747840"/>
+            <a:ext cx="526212" cy="635040"/>
+          </a:xfrm>
+          <a:prstGeom prst="upDownArrow">
+            <a:avLst/>
+          </a:prstGeom>
+        </p:spPr>
+        <p:style>
+          <a:lnRef idx="2">
+            <a:schemeClr val="accent4">
+              <a:shade val="50000"/>
+            </a:schemeClr>
+          </a:lnRef>
+          <a:fillRef idx="1">
+            <a:schemeClr val="accent4"/>
+          </a:fillRef>
+          <a:effectRef idx="0">
+            <a:schemeClr val="accent4"/>
+          </a:effectRef>
+          <a:fontRef idx="minor">
+            <a:schemeClr val="lt1"/>
+          </a:fontRef>
+        </p:style>
+        <p:txBody>
+          <a:bodyPr rtlCol="0" anchor="ctr"/>
+          <a:lstStyle/>
+          <a:p>
+            <a:pPr algn="ctr"/>
+            <a:endParaRPr lang="zh-CN" altLang="en-US"/>
+          </a:p>
+        </p:txBody>
+      </p:sp>
+      <p:sp>
+        <p:nvSpPr>
+          <p:cNvPr id="55" name="文本框 54"/>
+          <p:cNvSpPr txBox="1"/>
+          <p:nvPr/>
+        </p:nvSpPr>
+        <p:spPr>
+          <a:xfrm>
+            <a:off x="5083786" y="4880694"/>
+            <a:ext cx="1414732" cy="369332"/>
+          </a:xfrm>
+          <a:prstGeom prst="rect">
+            <a:avLst/>
+          </a:prstGeom>
+          <a:noFill/>
+        </p:spPr>
+        <p:txBody>
+          <a:bodyPr wrap="square" rtlCol="0">
+            <a:spAutoFit/>
+          </a:bodyPr>
+          <a:lstStyle/>
+          <a:p>
+            <a:r>
+              <a:rPr lang="zh-CN" altLang="en-US" dirty="0" smtClean="0"/>
+              <a:t>打开</a:t>
+            </a:r>
+            <a:r>
+              <a:rPr lang="en-US" altLang="zh-CN" dirty="0" smtClean="0"/>
+              <a:t>/</a:t>
+            </a:r>
+            <a:r>
+              <a:rPr lang="zh-CN" altLang="en-US" dirty="0" smtClean="0"/>
+              <a:t>关闭</a:t>
+            </a:r>
+            <a:endParaRPr lang="zh-CN" altLang="en-US" dirty="0"/>
+          </a:p>
+        </p:txBody>
+      </p:sp>
+      <p:sp>
+        <p:nvSpPr>
+          <p:cNvPr id="56" name="矩形 55"/>
+          <p:cNvSpPr/>
+          <p:nvPr/>
+        </p:nvSpPr>
+        <p:spPr>
+          <a:xfrm>
+            <a:off x="4908418" y="5413276"/>
+            <a:ext cx="1621766" cy="437166"/>
+          </a:xfrm>
+          <a:prstGeom prst="rect">
+            <a:avLst/>
+          </a:prstGeom>
+        </p:spPr>
+        <p:style>
+          <a:lnRef idx="2">
+            <a:schemeClr val="accent3">
+              <a:shade val="50000"/>
+            </a:schemeClr>
+          </a:lnRef>
+          <a:fillRef idx="1">
+            <a:schemeClr val="accent3"/>
+          </a:fillRef>
+          <a:effectRef idx="0">
+            <a:schemeClr val="accent3"/>
+          </a:effectRef>
+          <a:fontRef idx="minor">
+            <a:schemeClr val="lt1"/>
+          </a:fontRef>
+        </p:style>
+        <p:txBody>
+          <a:bodyPr rtlCol="0" anchor="ctr"/>
+          <a:lstStyle/>
+          <a:p>
+            <a:pPr algn="ctr"/>
+            <a:endParaRPr lang="zh-CN" altLang="en-US"/>
+          </a:p>
+        </p:txBody>
+      </p:sp>
+      <p:sp>
+        <p:nvSpPr>
+          <p:cNvPr id="57" name="文本框 56"/>
+          <p:cNvSpPr txBox="1"/>
+          <p:nvPr/>
+        </p:nvSpPr>
+        <p:spPr>
+          <a:xfrm>
+            <a:off x="5236223" y="5481110"/>
+            <a:ext cx="1155939" cy="369332"/>
+          </a:xfrm>
+          <a:prstGeom prst="rect">
+            <a:avLst/>
+          </a:prstGeom>
+          <a:noFill/>
+        </p:spPr>
+        <p:txBody>
+          <a:bodyPr wrap="square" rtlCol="0">
+            <a:spAutoFit/>
+          </a:bodyPr>
+          <a:lstStyle/>
+          <a:p>
+            <a:r>
+              <a:rPr lang="zh-CN" altLang="en-US" dirty="0" smtClean="0"/>
+              <a:t>文件名</a:t>
+            </a:r>
+            <a:endParaRPr lang="zh-CN" altLang="en-US" dirty="0"/>
+          </a:p>
+        </p:txBody>
+      </p:sp>
+      <p:sp>
+        <p:nvSpPr>
+          <p:cNvPr id="58" name="矩形 57"/>
+          <p:cNvSpPr/>
+          <p:nvPr/>
+        </p:nvSpPr>
+        <p:spPr>
+          <a:xfrm>
+            <a:off x="4908418" y="4261440"/>
+            <a:ext cx="1621766" cy="437166"/>
+          </a:xfrm>
+          <a:prstGeom prst="rect">
+            <a:avLst/>
+          </a:prstGeom>
+        </p:spPr>
+        <p:style>
+          <a:lnRef idx="2">
+            <a:schemeClr val="accent3">
+              <a:shade val="50000"/>
+            </a:schemeClr>
+          </a:lnRef>
+          <a:fillRef idx="1">
+            <a:schemeClr val="accent3"/>
+          </a:fillRef>
+          <a:effectRef idx="0">
+            <a:schemeClr val="accent3"/>
+          </a:effectRef>
+          <a:fontRef idx="minor">
+            <a:schemeClr val="lt1"/>
+          </a:fontRef>
+        </p:style>
+        <p:txBody>
+          <a:bodyPr rtlCol="0" anchor="ctr"/>
+          <a:lstStyle/>
+          <a:p>
+            <a:pPr algn="ctr"/>
+            <a:endParaRPr lang="zh-CN" altLang="en-US"/>
+          </a:p>
+        </p:txBody>
+      </p:sp>
+      <p:sp>
+        <p:nvSpPr>
+          <p:cNvPr id="59" name="文本框 58"/>
+          <p:cNvSpPr txBox="1"/>
+          <p:nvPr/>
+        </p:nvSpPr>
+        <p:spPr>
+          <a:xfrm>
+            <a:off x="5236223" y="4329274"/>
+            <a:ext cx="1155939" cy="369332"/>
+          </a:xfrm>
+          <a:prstGeom prst="rect">
+            <a:avLst/>
+          </a:prstGeom>
+          <a:noFill/>
+        </p:spPr>
+        <p:txBody>
+          <a:bodyPr wrap="square" rtlCol="0">
+            <a:spAutoFit/>
+          </a:bodyPr>
+          <a:lstStyle/>
+          <a:p>
+            <a:r>
+              <a:rPr lang="zh-CN" altLang="en-US" dirty="0"/>
+              <a:t>描述符</a:t>
+            </a:r>
+          </a:p>
+        </p:txBody>
+      </p:sp>
+      <p:sp>
+        <p:nvSpPr>
+          <p:cNvPr id="60" name="上下箭头 59"/>
+          <p:cNvSpPr/>
+          <p:nvPr/>
+        </p:nvSpPr>
+        <p:spPr>
+          <a:xfrm>
+            <a:off x="5451882" y="3592483"/>
+            <a:ext cx="526212" cy="635040"/>
+          </a:xfrm>
+          <a:prstGeom prst="upDownArrow">
+            <a:avLst/>
+          </a:prstGeom>
+        </p:spPr>
+        <p:style>
+          <a:lnRef idx="2">
+            <a:schemeClr val="accent4">
+              <a:shade val="50000"/>
+            </a:schemeClr>
+          </a:lnRef>
+          <a:fillRef idx="1">
+            <a:schemeClr val="accent4"/>
+          </a:fillRef>
+          <a:effectRef idx="0">
+            <a:schemeClr val="accent4"/>
+          </a:effectRef>
+          <a:fontRef idx="minor">
+            <a:schemeClr val="lt1"/>
+          </a:fontRef>
+        </p:style>
+        <p:txBody>
+          <a:bodyPr rtlCol="0" anchor="ctr"/>
+          <a:lstStyle/>
+          <a:p>
+            <a:pPr algn="ctr"/>
+            <a:endParaRPr lang="zh-CN" altLang="en-US"/>
+          </a:p>
+        </p:txBody>
+      </p:sp>
+      <p:sp>
+        <p:nvSpPr>
+          <p:cNvPr id="61" name="文本框 60"/>
+          <p:cNvSpPr txBox="1"/>
+          <p:nvPr/>
+        </p:nvSpPr>
+        <p:spPr>
+          <a:xfrm>
+            <a:off x="5342579" y="3739952"/>
+            <a:ext cx="1414732" cy="369332"/>
+          </a:xfrm>
+          <a:prstGeom prst="rect">
+            <a:avLst/>
+          </a:prstGeom>
+          <a:noFill/>
+        </p:spPr>
+        <p:txBody>
+          <a:bodyPr wrap="square" rtlCol="0">
+            <a:spAutoFit/>
+          </a:bodyPr>
+          <a:lstStyle/>
+          <a:p>
+            <a:r>
+              <a:rPr lang="zh-CN" altLang="en-US" dirty="0"/>
+              <a:t>读</a:t>
+            </a:r>
+            <a:r>
+              <a:rPr lang="en-US" altLang="zh-CN" dirty="0" smtClean="0"/>
+              <a:t>/</a:t>
+            </a:r>
+            <a:r>
+              <a:rPr lang="zh-CN" altLang="en-US" dirty="0" smtClean="0"/>
+              <a:t>写</a:t>
+            </a:r>
+            <a:endParaRPr lang="zh-CN" altLang="en-US" dirty="0"/>
+          </a:p>
+        </p:txBody>
+      </p:sp>
+      <p:sp>
+        <p:nvSpPr>
+          <p:cNvPr id="62" name="矩形 61"/>
+          <p:cNvSpPr/>
+          <p:nvPr/>
+        </p:nvSpPr>
+        <p:spPr>
+          <a:xfrm>
+            <a:off x="7234557" y="5427657"/>
+            <a:ext cx="1245199" cy="437166"/>
+          </a:xfrm>
+          <a:prstGeom prst="rect">
+            <a:avLst/>
+          </a:prstGeom>
+        </p:spPr>
+        <p:style>
+          <a:lnRef idx="2">
+            <a:schemeClr val="accent3">
+              <a:shade val="50000"/>
+            </a:schemeClr>
+          </a:lnRef>
+          <a:fillRef idx="1">
+            <a:schemeClr val="accent3"/>
+          </a:fillRef>
+          <a:effectRef idx="0">
+            <a:schemeClr val="accent3"/>
+          </a:effectRef>
+          <a:fontRef idx="minor">
+            <a:schemeClr val="lt1"/>
+          </a:fontRef>
+        </p:style>
+        <p:txBody>
+          <a:bodyPr rtlCol="0" anchor="ctr"/>
+          <a:lstStyle/>
+          <a:p>
+            <a:pPr algn="ctr"/>
+            <a:endParaRPr lang="zh-CN" altLang="en-US"/>
+          </a:p>
+        </p:txBody>
+      </p:sp>
+      <p:sp>
+        <p:nvSpPr>
+          <p:cNvPr id="63" name="文本框 62"/>
+          <p:cNvSpPr txBox="1"/>
+          <p:nvPr/>
+        </p:nvSpPr>
+        <p:spPr>
+          <a:xfrm>
+            <a:off x="7441706" y="5495491"/>
+            <a:ext cx="946089" cy="369332"/>
+          </a:xfrm>
+          <a:prstGeom prst="rect">
+            <a:avLst/>
+          </a:prstGeom>
+          <a:noFill/>
+        </p:spPr>
+        <p:txBody>
+          <a:bodyPr wrap="square" rtlCol="0">
+            <a:spAutoFit/>
+          </a:bodyPr>
+          <a:lstStyle/>
+          <a:p>
+            <a:r>
+              <a:rPr lang="zh-CN" altLang="en-US" dirty="0" smtClean="0"/>
+              <a:t>文件</a:t>
+            </a:r>
+            <a:r>
+              <a:rPr lang="en-US" altLang="zh-CN" dirty="0" smtClean="0"/>
+              <a:t>1</a:t>
+            </a:r>
+            <a:endParaRPr lang="zh-CN" altLang="en-US" dirty="0"/>
+          </a:p>
+        </p:txBody>
+      </p:sp>
+      <p:sp>
+        <p:nvSpPr>
+          <p:cNvPr id="64" name="矩形 63"/>
+          <p:cNvSpPr/>
+          <p:nvPr/>
+        </p:nvSpPr>
+        <p:spPr>
+          <a:xfrm>
+            <a:off x="9726203" y="3828946"/>
+            <a:ext cx="1210464" cy="437166"/>
+          </a:xfrm>
+          <a:prstGeom prst="rect">
+            <a:avLst/>
+          </a:prstGeom>
+        </p:spPr>
+        <p:style>
+          <a:lnRef idx="2">
+            <a:schemeClr val="accent3">
+              <a:shade val="50000"/>
+            </a:schemeClr>
+          </a:lnRef>
+          <a:fillRef idx="1">
+            <a:schemeClr val="accent3"/>
+          </a:fillRef>
+          <a:effectRef idx="0">
+            <a:schemeClr val="accent3"/>
+          </a:effectRef>
+          <a:fontRef idx="minor">
+            <a:schemeClr val="lt1"/>
+          </a:fontRef>
+        </p:style>
+        <p:txBody>
+          <a:bodyPr rtlCol="0" anchor="ctr"/>
+          <a:lstStyle/>
+          <a:p>
+            <a:pPr algn="ctr"/>
+            <a:endParaRPr lang="zh-CN" altLang="en-US"/>
+          </a:p>
+        </p:txBody>
+      </p:sp>
+      <p:sp>
+        <p:nvSpPr>
+          <p:cNvPr id="65" name="文本框 64"/>
+          <p:cNvSpPr txBox="1"/>
+          <p:nvPr/>
+        </p:nvSpPr>
+        <p:spPr>
+          <a:xfrm>
+            <a:off x="9930300" y="3896780"/>
+            <a:ext cx="871334" cy="369332"/>
+          </a:xfrm>
+          <a:prstGeom prst="rect">
+            <a:avLst/>
+          </a:prstGeom>
+          <a:noFill/>
+        </p:spPr>
+        <p:txBody>
+          <a:bodyPr wrap="square" rtlCol="0">
+            <a:spAutoFit/>
+          </a:bodyPr>
+          <a:lstStyle/>
+          <a:p>
+            <a:r>
+              <a:rPr lang="zh-CN" altLang="en-US" dirty="0"/>
+              <a:t>可写流</a:t>
+            </a:r>
+          </a:p>
+        </p:txBody>
+      </p:sp>
+      <p:sp>
+        <p:nvSpPr>
+          <p:cNvPr id="66" name="矩形 65"/>
+          <p:cNvSpPr/>
+          <p:nvPr/>
+        </p:nvSpPr>
+        <p:spPr>
+          <a:xfrm>
+            <a:off x="7234557" y="3820275"/>
+            <a:ext cx="1245199" cy="437166"/>
+          </a:xfrm>
+          <a:prstGeom prst="rect">
+            <a:avLst/>
+          </a:prstGeom>
+        </p:spPr>
+        <p:style>
+          <a:lnRef idx="2">
+            <a:schemeClr val="accent3">
+              <a:shade val="50000"/>
+            </a:schemeClr>
+          </a:lnRef>
+          <a:fillRef idx="1">
+            <a:schemeClr val="accent3"/>
+          </a:fillRef>
+          <a:effectRef idx="0">
+            <a:schemeClr val="accent3"/>
+          </a:effectRef>
+          <a:fontRef idx="minor">
+            <a:schemeClr val="lt1"/>
+          </a:fontRef>
+        </p:style>
+        <p:txBody>
+          <a:bodyPr rtlCol="0" anchor="ctr"/>
+          <a:lstStyle/>
+          <a:p>
+            <a:pPr algn="ctr"/>
+            <a:endParaRPr lang="zh-CN" altLang="en-US"/>
+          </a:p>
+        </p:txBody>
+      </p:sp>
+      <p:sp>
+        <p:nvSpPr>
+          <p:cNvPr id="67" name="文本框 66"/>
+          <p:cNvSpPr txBox="1"/>
+          <p:nvPr/>
+        </p:nvSpPr>
+        <p:spPr>
+          <a:xfrm>
+            <a:off x="7404324" y="3888109"/>
+            <a:ext cx="983471" cy="369332"/>
+          </a:xfrm>
+          <a:prstGeom prst="rect">
+            <a:avLst/>
+          </a:prstGeom>
+          <a:noFill/>
+        </p:spPr>
+        <p:txBody>
+          <a:bodyPr wrap="square" rtlCol="0">
+            <a:spAutoFit/>
+          </a:bodyPr>
+          <a:lstStyle/>
+          <a:p>
+            <a:r>
+              <a:rPr lang="zh-CN" altLang="en-US" dirty="0" smtClean="0"/>
+              <a:t>可读流</a:t>
+            </a:r>
+            <a:endParaRPr lang="zh-CN" altLang="en-US" dirty="0"/>
+          </a:p>
+        </p:txBody>
+      </p:sp>
+      <p:sp>
+        <p:nvSpPr>
+          <p:cNvPr id="68" name="矩形 67"/>
+          <p:cNvSpPr/>
+          <p:nvPr/>
+        </p:nvSpPr>
+        <p:spPr>
+          <a:xfrm>
+            <a:off x="9779345" y="5433415"/>
+            <a:ext cx="1176190" cy="437166"/>
+          </a:xfrm>
+          <a:prstGeom prst="rect">
+            <a:avLst/>
+          </a:prstGeom>
+        </p:spPr>
+        <p:style>
+          <a:lnRef idx="2">
+            <a:schemeClr val="accent3">
+              <a:shade val="50000"/>
+            </a:schemeClr>
+          </a:lnRef>
+          <a:fillRef idx="1">
+            <a:schemeClr val="accent3"/>
+          </a:fillRef>
+          <a:effectRef idx="0">
+            <a:schemeClr val="accent3"/>
+          </a:effectRef>
+          <a:fontRef idx="minor">
+            <a:schemeClr val="lt1"/>
+          </a:fontRef>
+        </p:style>
+        <p:txBody>
+          <a:bodyPr rtlCol="0" anchor="ctr"/>
+          <a:lstStyle/>
+          <a:p>
+            <a:pPr algn="ctr"/>
+            <a:endParaRPr lang="zh-CN" altLang="en-US"/>
+          </a:p>
+        </p:txBody>
+      </p:sp>
+      <p:sp>
+        <p:nvSpPr>
+          <p:cNvPr id="69" name="文本框 68"/>
+          <p:cNvSpPr txBox="1"/>
+          <p:nvPr/>
+        </p:nvSpPr>
+        <p:spPr>
+          <a:xfrm>
+            <a:off x="9949115" y="5501249"/>
+            <a:ext cx="885649" cy="369332"/>
+          </a:xfrm>
+          <a:prstGeom prst="rect">
+            <a:avLst/>
+          </a:prstGeom>
+          <a:noFill/>
+        </p:spPr>
+        <p:txBody>
+          <a:bodyPr wrap="square" rtlCol="0">
+            <a:spAutoFit/>
+          </a:bodyPr>
+          <a:lstStyle/>
+          <a:p>
+            <a:r>
+              <a:rPr lang="zh-CN" altLang="en-US" dirty="0" smtClean="0"/>
+              <a:t>文件</a:t>
+            </a:r>
+            <a:r>
+              <a:rPr lang="en-US" altLang="zh-CN" dirty="0" smtClean="0"/>
+              <a:t>2</a:t>
+            </a:r>
+            <a:endParaRPr lang="zh-CN" altLang="en-US" dirty="0"/>
+          </a:p>
+        </p:txBody>
+      </p:sp>
+      <p:sp>
+        <p:nvSpPr>
+          <p:cNvPr id="70" name="上箭头 69"/>
+          <p:cNvSpPr/>
+          <p:nvPr/>
+        </p:nvSpPr>
+        <p:spPr>
+          <a:xfrm>
+            <a:off x="7591235" y="4372412"/>
+            <a:ext cx="698740" cy="877614"/>
+          </a:xfrm>
+          <a:prstGeom prst="upArrow">
+            <a:avLst/>
+          </a:prstGeom>
+        </p:spPr>
+        <p:style>
+          <a:lnRef idx="2">
+            <a:schemeClr val="accent4">
+              <a:shade val="50000"/>
+            </a:schemeClr>
+          </a:lnRef>
+          <a:fillRef idx="1">
+            <a:schemeClr val="accent4"/>
+          </a:fillRef>
+          <a:effectRef idx="0">
+            <a:schemeClr val="accent4"/>
+          </a:effectRef>
+          <a:fontRef idx="minor">
+            <a:schemeClr val="lt1"/>
+          </a:fontRef>
+        </p:style>
+        <p:txBody>
+          <a:bodyPr rtlCol="0" anchor="ctr"/>
+          <a:lstStyle/>
+          <a:p>
+            <a:pPr algn="ctr"/>
+            <a:endParaRPr lang="zh-CN" altLang="en-US"/>
+          </a:p>
+        </p:txBody>
+      </p:sp>
+      <p:sp>
+        <p:nvSpPr>
+          <p:cNvPr id="71" name="上箭头 70"/>
+          <p:cNvSpPr/>
+          <p:nvPr/>
+        </p:nvSpPr>
+        <p:spPr>
+          <a:xfrm>
+            <a:off x="10055515" y="4369532"/>
+            <a:ext cx="698740" cy="877614"/>
+          </a:xfrm>
+          <a:prstGeom prst="upArrow">
+            <a:avLst/>
+          </a:prstGeom>
+        </p:spPr>
+        <p:style>
+          <a:lnRef idx="2">
+            <a:schemeClr val="accent4">
+              <a:shade val="50000"/>
+            </a:schemeClr>
+          </a:lnRef>
+          <a:fillRef idx="1">
+            <a:schemeClr val="accent4"/>
+          </a:fillRef>
+          <a:effectRef idx="0">
+            <a:schemeClr val="accent4"/>
+          </a:effectRef>
+          <a:fontRef idx="minor">
+            <a:schemeClr val="lt1"/>
+          </a:fontRef>
+        </p:style>
+        <p:txBody>
+          <a:bodyPr rtlCol="0" anchor="ctr"/>
+          <a:lstStyle/>
+          <a:p>
+            <a:pPr algn="ctr"/>
+            <a:endParaRPr lang="zh-CN" altLang="en-US"/>
+          </a:p>
+        </p:txBody>
+      </p:sp>
+      <p:sp>
+        <p:nvSpPr>
+          <p:cNvPr id="72" name="右箭头 71"/>
+          <p:cNvSpPr/>
+          <p:nvPr/>
+        </p:nvSpPr>
+        <p:spPr>
+          <a:xfrm>
+            <a:off x="8619900" y="3924618"/>
+            <a:ext cx="966158" cy="301925"/>
+          </a:xfrm>
+          <a:prstGeom prst="rightArrow">
+            <a:avLst/>
+          </a:prstGeom>
+        </p:spPr>
+        <p:style>
+          <a:lnRef idx="2">
+            <a:schemeClr val="accent4">
+              <a:shade val="50000"/>
+            </a:schemeClr>
+          </a:lnRef>
+          <a:fillRef idx="1">
+            <a:schemeClr val="accent4"/>
+          </a:fillRef>
+          <a:effectRef idx="0">
+            <a:schemeClr val="accent4"/>
+          </a:effectRef>
+          <a:fontRef idx="minor">
+            <a:schemeClr val="lt1"/>
+          </a:fontRef>
+        </p:style>
+        <p:txBody>
+          <a:bodyPr rtlCol="0" anchor="ctr"/>
+          <a:lstStyle/>
+          <a:p>
+            <a:pPr algn="ctr"/>
+            <a:endParaRPr lang="zh-CN" altLang="en-US"/>
+          </a:p>
+        </p:txBody>
+      </p:sp>
+      <p:sp>
+        <p:nvSpPr>
+          <p:cNvPr id="74" name="文本框 73"/>
+          <p:cNvSpPr txBox="1"/>
+          <p:nvPr/>
+        </p:nvSpPr>
+        <p:spPr>
+          <a:xfrm>
+            <a:off x="7628676" y="4747840"/>
+            <a:ext cx="672860" cy="375383"/>
+          </a:xfrm>
+          <a:prstGeom prst="rect">
+            <a:avLst/>
+          </a:prstGeom>
+          <a:noFill/>
+        </p:spPr>
+        <p:txBody>
+          <a:bodyPr wrap="square" rtlCol="0">
+            <a:spAutoFit/>
+          </a:bodyPr>
+          <a:lstStyle/>
+          <a:p>
+            <a:r>
+              <a:rPr lang="zh-CN" altLang="en-US" dirty="0"/>
+              <a:t>创建</a:t>
+            </a:r>
+          </a:p>
+        </p:txBody>
+      </p:sp>
+      <p:sp>
+        <p:nvSpPr>
+          <p:cNvPr id="75" name="文本框 74"/>
+          <p:cNvSpPr txBox="1"/>
+          <p:nvPr/>
+        </p:nvSpPr>
+        <p:spPr>
+          <a:xfrm>
+            <a:off x="10110201" y="4753592"/>
+            <a:ext cx="672860" cy="375383"/>
+          </a:xfrm>
+          <a:prstGeom prst="rect">
+            <a:avLst/>
+          </a:prstGeom>
+          <a:noFill/>
+        </p:spPr>
+        <p:txBody>
+          <a:bodyPr wrap="square" rtlCol="0">
+            <a:spAutoFit/>
+          </a:bodyPr>
+          <a:lstStyle/>
+          <a:p>
+            <a:r>
+              <a:rPr lang="zh-CN" altLang="en-US" dirty="0"/>
+              <a:t>创建</a:t>
+            </a:r>
+          </a:p>
+        </p:txBody>
+      </p:sp>
+      <p:sp>
+        <p:nvSpPr>
+          <p:cNvPr id="76" name="文本框 75"/>
+          <p:cNvSpPr txBox="1"/>
+          <p:nvPr/>
+        </p:nvSpPr>
+        <p:spPr>
+          <a:xfrm>
+            <a:off x="8766549" y="3889314"/>
+            <a:ext cx="672860" cy="375383"/>
+          </a:xfrm>
+          <a:prstGeom prst="rect">
+            <a:avLst/>
+          </a:prstGeom>
+          <a:noFill/>
+        </p:spPr>
+        <p:txBody>
+          <a:bodyPr wrap="square" rtlCol="0">
+            <a:spAutoFit/>
+          </a:bodyPr>
+          <a:lstStyle/>
+          <a:p>
+            <a:r>
+              <a:rPr lang="zh-CN" altLang="en-US" dirty="0"/>
+              <a:t>管道</a:t>
+            </a:r>
+          </a:p>
+        </p:txBody>
+      </p:sp>
+      <p:cxnSp>
+        <p:nvCxnSpPr>
+          <p:cNvPr id="78" name="直接箭头连接符 77"/>
+          <p:cNvCxnSpPr/>
+          <p:nvPr/>
+        </p:nvCxnSpPr>
+        <p:spPr>
+          <a:xfrm flipH="1" flipV="1">
+            <a:off x="8471731" y="4415542"/>
+            <a:ext cx="7595" cy="920089"/>
+          </a:xfrm>
+          <a:prstGeom prst="straightConnector1">
+            <a:avLst/>
+          </a:prstGeom>
+          <a:ln>
+            <a:prstDash val="sysDash"/>
+            <a:tailEnd type="triangle"/>
+          </a:ln>
+        </p:spPr>
+        <p:style>
+          <a:lnRef idx="3">
+            <a:schemeClr val="accent2"/>
+          </a:lnRef>
+          <a:fillRef idx="0">
+            <a:schemeClr val="accent2"/>
+          </a:fillRef>
+          <a:effectRef idx="2">
+            <a:schemeClr val="accent2"/>
+          </a:effectRef>
+          <a:fontRef idx="minor">
+            <a:schemeClr val="tx1"/>
+          </a:fontRef>
+        </p:style>
+      </p:cxnSp>
+      <p:cxnSp>
+        <p:nvCxnSpPr>
+          <p:cNvPr id="83" name="直接箭头连接符 82"/>
+          <p:cNvCxnSpPr/>
+          <p:nvPr/>
+        </p:nvCxnSpPr>
+        <p:spPr>
+          <a:xfrm>
+            <a:off x="8507774" y="4415536"/>
+            <a:ext cx="1156540" cy="1"/>
+          </a:xfrm>
+          <a:prstGeom prst="straightConnector1">
+            <a:avLst/>
+          </a:prstGeom>
+          <a:ln>
+            <a:prstDash val="sysDash"/>
+            <a:tailEnd type="triangle"/>
+          </a:ln>
+        </p:spPr>
+        <p:style>
+          <a:lnRef idx="3">
+            <a:schemeClr val="accent2"/>
+          </a:lnRef>
+          <a:fillRef idx="0">
+            <a:schemeClr val="accent2"/>
+          </a:fillRef>
+          <a:effectRef idx="2">
+            <a:schemeClr val="accent2"/>
+          </a:effectRef>
+          <a:fontRef idx="minor">
+            <a:schemeClr val="tx1"/>
+          </a:fontRef>
+        </p:style>
+      </p:cxnSp>
+      <p:cxnSp>
+        <p:nvCxnSpPr>
+          <p:cNvPr id="84" name="直接箭头连接符 83"/>
+          <p:cNvCxnSpPr/>
+          <p:nvPr/>
+        </p:nvCxnSpPr>
+        <p:spPr>
+          <a:xfrm flipV="1">
+            <a:off x="8619900" y="5646240"/>
+            <a:ext cx="1052445" cy="19536"/>
+          </a:xfrm>
+          <a:prstGeom prst="straightConnector1">
+            <a:avLst/>
+          </a:prstGeom>
+          <a:ln>
+            <a:prstDash val="sysDash"/>
+            <a:tailEnd type="triangle"/>
+          </a:ln>
+        </p:spPr>
+        <p:style>
+          <a:lnRef idx="3">
+            <a:schemeClr val="accent2"/>
+          </a:lnRef>
+          <a:fillRef idx="0">
+            <a:schemeClr val="accent2"/>
+          </a:fillRef>
+          <a:effectRef idx="2">
+            <a:schemeClr val="accent2"/>
+          </a:effectRef>
+          <a:fontRef idx="minor">
+            <a:schemeClr val="tx1"/>
+          </a:fontRef>
+        </p:style>
+      </p:cxnSp>
+      <p:cxnSp>
+        <p:nvCxnSpPr>
+          <p:cNvPr id="85" name="直接箭头连接符 84"/>
+          <p:cNvCxnSpPr/>
+          <p:nvPr/>
+        </p:nvCxnSpPr>
+        <p:spPr>
+          <a:xfrm>
+            <a:off x="9672345" y="4418751"/>
+            <a:ext cx="20417" cy="982038"/>
+          </a:xfrm>
+          <a:prstGeom prst="straightConnector1">
+            <a:avLst/>
+          </a:prstGeom>
+          <a:ln>
+            <a:prstDash val="sysDash"/>
+            <a:tailEnd type="triangle"/>
+          </a:ln>
+        </p:spPr>
+        <p:style>
+          <a:lnRef idx="3">
+            <a:schemeClr val="accent2"/>
+          </a:lnRef>
+          <a:fillRef idx="0">
+            <a:schemeClr val="accent2"/>
+          </a:fillRef>
+          <a:effectRef idx="2">
+            <a:schemeClr val="accent2"/>
+          </a:effectRef>
+          <a:fontRef idx="minor">
+            <a:schemeClr val="tx1"/>
+          </a:fontRef>
+        </p:style>
+      </p:cxnSp>
+      <p:sp>
+        <p:nvSpPr>
+          <p:cNvPr id="93" name="文本框 92"/>
+          <p:cNvSpPr txBox="1"/>
+          <p:nvPr/>
+        </p:nvSpPr>
+        <p:spPr>
+          <a:xfrm>
+            <a:off x="8586756" y="5476696"/>
+            <a:ext cx="1130639" cy="369332"/>
+          </a:xfrm>
+          <a:prstGeom prst="rect">
+            <a:avLst/>
+          </a:prstGeom>
+          <a:noFill/>
+        </p:spPr>
+        <p:txBody>
+          <a:bodyPr wrap="square" rtlCol="0">
+            <a:spAutoFit/>
+          </a:bodyPr>
+          <a:lstStyle/>
+          <a:p>
+            <a:r>
+              <a:rPr lang="zh-CN" altLang="en-US" dirty="0" smtClean="0"/>
+              <a:t>数据流向</a:t>
+            </a:r>
+            <a:endParaRPr lang="zh-CN" altLang="en-US" dirty="0"/>
+          </a:p>
+        </p:txBody>
+      </p:sp>
+      <p:cxnSp>
+        <p:nvCxnSpPr>
+          <p:cNvPr id="95" name="直接连接符 94"/>
+          <p:cNvCxnSpPr/>
+          <p:nvPr/>
+        </p:nvCxnSpPr>
+        <p:spPr>
+          <a:xfrm flipV="1">
+            <a:off x="4487097" y="2452326"/>
+            <a:ext cx="33133" cy="3515574"/>
+          </a:xfrm>
+          <a:prstGeom prst="line">
+            <a:avLst/>
+          </a:prstGeom>
+          <a:ln>
+            <a:prstDash val="lgDashDot"/>
+          </a:ln>
+        </p:spPr>
+        <p:style>
+          <a:lnRef idx="1">
+            <a:schemeClr val="dk1"/>
+          </a:lnRef>
+          <a:fillRef idx="0">
+            <a:schemeClr val="dk1"/>
+          </a:fillRef>
+          <a:effectRef idx="0">
+            <a:schemeClr val="dk1"/>
+          </a:effectRef>
+          <a:fontRef idx="minor">
+            <a:schemeClr val="tx1"/>
+          </a:fontRef>
+        </p:style>
+      </p:cxnSp>
+      <p:cxnSp>
+        <p:nvCxnSpPr>
+          <p:cNvPr id="97" name="直接连接符 96"/>
+          <p:cNvCxnSpPr/>
+          <p:nvPr/>
+        </p:nvCxnSpPr>
+        <p:spPr>
+          <a:xfrm flipV="1">
+            <a:off x="6908237" y="2432196"/>
+            <a:ext cx="33133" cy="3515574"/>
+          </a:xfrm>
+          <a:prstGeom prst="line">
+            <a:avLst/>
+          </a:prstGeom>
+          <a:ln>
+            <a:prstDash val="lgDashDot"/>
+          </a:ln>
+        </p:spPr>
+        <p:style>
+          <a:lnRef idx="1">
+            <a:schemeClr val="dk1"/>
+          </a:lnRef>
+          <a:fillRef idx="0">
+            <a:schemeClr val="dk1"/>
+          </a:fillRef>
+          <a:effectRef idx="0">
+            <a:schemeClr val="dk1"/>
+          </a:effectRef>
+          <a:fontRef idx="minor">
+            <a:schemeClr val="tx1"/>
+          </a:fontRef>
+        </p:style>
+      </p:cxnSp>
+      <p:sp>
+        <p:nvSpPr>
+          <p:cNvPr id="98" name="右箭头 97"/>
+          <p:cNvSpPr/>
+          <p:nvPr/>
+        </p:nvSpPr>
+        <p:spPr>
+          <a:xfrm>
+            <a:off x="940266" y="2053087"/>
+            <a:ext cx="10084292" cy="517585"/>
+          </a:xfrm>
+          <a:prstGeom prst="rightArrow">
+            <a:avLst/>
+          </a:prstGeom>
+        </p:spPr>
+        <p:style>
+          <a:lnRef idx="2">
+            <a:schemeClr val="accent5">
+              <a:shade val="50000"/>
+            </a:schemeClr>
+          </a:lnRef>
+          <a:fillRef idx="1">
+            <a:schemeClr val="accent5"/>
+          </a:fillRef>
+          <a:effectRef idx="0">
+            <a:schemeClr val="accent5"/>
+          </a:effectRef>
+          <a:fontRef idx="minor">
+            <a:schemeClr val="lt1"/>
+          </a:fontRef>
+        </p:style>
+        <p:txBody>
+          <a:bodyPr rtlCol="0" anchor="ctr"/>
+          <a:lstStyle/>
+          <a:p>
+            <a:pPr algn="ctr"/>
+            <a:endParaRPr lang="zh-CN" altLang="en-US"/>
+          </a:p>
+        </p:txBody>
+      </p:sp>
+      <p:sp>
+        <p:nvSpPr>
+          <p:cNvPr id="99" name="文本框 98"/>
+          <p:cNvSpPr txBox="1"/>
+          <p:nvPr/>
+        </p:nvSpPr>
+        <p:spPr>
+          <a:xfrm>
+            <a:off x="5036305" y="2127213"/>
+            <a:ext cx="1170637" cy="369332"/>
+          </a:xfrm>
+          <a:prstGeom prst="rect">
+            <a:avLst/>
+          </a:prstGeom>
+          <a:noFill/>
+        </p:spPr>
+        <p:txBody>
+          <a:bodyPr wrap="square" rtlCol="0">
+            <a:spAutoFit/>
+          </a:bodyPr>
+          <a:lstStyle/>
+          <a:p>
+            <a:r>
+              <a:rPr lang="zh-CN" altLang="en-US" dirty="0" smtClean="0"/>
+              <a:t>抽象级别</a:t>
+            </a:r>
+            <a:endParaRPr lang="zh-CN" altLang="en-US" dirty="0"/>
+          </a:p>
+        </p:txBody>
+      </p:sp>
+      <p:sp>
+        <p:nvSpPr>
+          <p:cNvPr id="100" name="文本框 99"/>
+          <p:cNvSpPr txBox="1"/>
+          <p:nvPr/>
+        </p:nvSpPr>
+        <p:spPr>
+          <a:xfrm>
+            <a:off x="867735" y="2127213"/>
+            <a:ext cx="470698" cy="369332"/>
+          </a:xfrm>
+          <a:prstGeom prst="rect">
+            <a:avLst/>
+          </a:prstGeom>
+          <a:noFill/>
+        </p:spPr>
+        <p:txBody>
+          <a:bodyPr wrap="square" rtlCol="0">
+            <a:spAutoFit/>
+          </a:bodyPr>
+          <a:lstStyle/>
+          <a:p>
+            <a:r>
+              <a:rPr lang="zh-CN" altLang="en-US" dirty="0" smtClean="0"/>
+              <a:t>低</a:t>
+            </a:r>
+            <a:endParaRPr lang="zh-CN" altLang="en-US" dirty="0"/>
+          </a:p>
+        </p:txBody>
+      </p:sp>
+      <p:sp>
+        <p:nvSpPr>
+          <p:cNvPr id="101" name="文本框 100"/>
+          <p:cNvSpPr txBox="1"/>
+          <p:nvPr/>
+        </p:nvSpPr>
+        <p:spPr>
+          <a:xfrm>
+            <a:off x="10465105" y="2127213"/>
+            <a:ext cx="470698" cy="369332"/>
+          </a:xfrm>
+          <a:prstGeom prst="rect">
+            <a:avLst/>
+          </a:prstGeom>
+          <a:noFill/>
+        </p:spPr>
+        <p:txBody>
+          <a:bodyPr wrap="square" rtlCol="0">
+            <a:spAutoFit/>
+          </a:bodyPr>
+          <a:lstStyle/>
+          <a:p>
+            <a:r>
+              <a:rPr lang="zh-CN" altLang="en-US" dirty="0"/>
+              <a:t>高</a:t>
+            </a:r>
+            <a:endParaRPr lang="zh-CN" altLang="en-US" dirty="0"/>
+          </a:p>
+        </p:txBody>
+      </p:sp>
+    </p:spTree>
+    <p:extLst>
+      <p:ext uri="{BB962C8B-B14F-4D97-AF65-F5344CB8AC3E}">
+        <p14:creationId xmlns:p14="http://schemas.microsoft.com/office/powerpoint/2010/main" val="2331747957"/>
+      </p:ext>
+    </p:extLst>
+  </p:cSld>
+  <p:clrMapOvr>
+    <a:masterClrMapping/>
+  </p:clrMapOvr>
+</p:sld>
+</file>
+
 <file path=ppt/theme/theme1.xml><?xml version="1.0" encoding="utf-8"?>
 <a:theme xmlns:a="http://schemas.openxmlformats.org/drawingml/2006/main" name="Office 主题">
   <a:themeElements>

--- a/images/map.pptx
+++ b/images/map.pptx
@@ -9,6 +9,7 @@
     <p:sldId id="257" r:id="rId3"/>
     <p:sldId id="258" r:id="rId4"/>
     <p:sldId id="259" r:id="rId5"/>
+    <p:sldId id="260" r:id="rId6"/>
   </p:sldIdLst>
   <p:sldSz cx="12192000" cy="6858000"/>
   <p:notesSz cx="6858000" cy="9144000"/>
@@ -246,7 +247,7 @@
           <a:p>
             <a:fld id="{031F6F84-56E5-4BF1-A4D7-2842F09AB003}" type="datetimeFigureOut">
               <a:rPr lang="zh-CN" altLang="en-US" smtClean="0"/>
-              <a:t>2017/4/21</a:t>
+              <a:t>2017/4/25</a:t>
             </a:fld>
             <a:endParaRPr lang="zh-CN" altLang="en-US"/>
           </a:p>
@@ -416,7 +417,7 @@
           <a:p>
             <a:fld id="{031F6F84-56E5-4BF1-A4D7-2842F09AB003}" type="datetimeFigureOut">
               <a:rPr lang="zh-CN" altLang="en-US" smtClean="0"/>
-              <a:t>2017/4/21</a:t>
+              <a:t>2017/4/25</a:t>
             </a:fld>
             <a:endParaRPr lang="zh-CN" altLang="en-US"/>
           </a:p>
@@ -596,7 +597,7 @@
           <a:p>
             <a:fld id="{031F6F84-56E5-4BF1-A4D7-2842F09AB003}" type="datetimeFigureOut">
               <a:rPr lang="zh-CN" altLang="en-US" smtClean="0"/>
-              <a:t>2017/4/21</a:t>
+              <a:t>2017/4/25</a:t>
             </a:fld>
             <a:endParaRPr lang="zh-CN" altLang="en-US"/>
           </a:p>
@@ -766,7 +767,7 @@
           <a:p>
             <a:fld id="{031F6F84-56E5-4BF1-A4D7-2842F09AB003}" type="datetimeFigureOut">
               <a:rPr lang="zh-CN" altLang="en-US" smtClean="0"/>
-              <a:t>2017/4/21</a:t>
+              <a:t>2017/4/25</a:t>
             </a:fld>
             <a:endParaRPr lang="zh-CN" altLang="en-US"/>
           </a:p>
@@ -1012,7 +1013,7 @@
           <a:p>
             <a:fld id="{031F6F84-56E5-4BF1-A4D7-2842F09AB003}" type="datetimeFigureOut">
               <a:rPr lang="zh-CN" altLang="en-US" smtClean="0"/>
-              <a:t>2017/4/21</a:t>
+              <a:t>2017/4/25</a:t>
             </a:fld>
             <a:endParaRPr lang="zh-CN" altLang="en-US"/>
           </a:p>
@@ -1244,7 +1245,7 @@
           <a:p>
             <a:fld id="{031F6F84-56E5-4BF1-A4D7-2842F09AB003}" type="datetimeFigureOut">
               <a:rPr lang="zh-CN" altLang="en-US" smtClean="0"/>
-              <a:t>2017/4/21</a:t>
+              <a:t>2017/4/25</a:t>
             </a:fld>
             <a:endParaRPr lang="zh-CN" altLang="en-US"/>
           </a:p>
@@ -1611,7 +1612,7 @@
           <a:p>
             <a:fld id="{031F6F84-56E5-4BF1-A4D7-2842F09AB003}" type="datetimeFigureOut">
               <a:rPr lang="zh-CN" altLang="en-US" smtClean="0"/>
-              <a:t>2017/4/21</a:t>
+              <a:t>2017/4/25</a:t>
             </a:fld>
             <a:endParaRPr lang="zh-CN" altLang="en-US"/>
           </a:p>
@@ -1729,7 +1730,7 @@
           <a:p>
             <a:fld id="{031F6F84-56E5-4BF1-A4D7-2842F09AB003}" type="datetimeFigureOut">
               <a:rPr lang="zh-CN" altLang="en-US" smtClean="0"/>
-              <a:t>2017/4/21</a:t>
+              <a:t>2017/4/25</a:t>
             </a:fld>
             <a:endParaRPr lang="zh-CN" altLang="en-US"/>
           </a:p>
@@ -1824,7 +1825,7 @@
           <a:p>
             <a:fld id="{031F6F84-56E5-4BF1-A4D7-2842F09AB003}" type="datetimeFigureOut">
               <a:rPr lang="zh-CN" altLang="en-US" smtClean="0"/>
-              <a:t>2017/4/21</a:t>
+              <a:t>2017/4/25</a:t>
             </a:fld>
             <a:endParaRPr lang="zh-CN" altLang="en-US"/>
           </a:p>
@@ -2101,7 +2102,7 @@
           <a:p>
             <a:fld id="{031F6F84-56E5-4BF1-A4D7-2842F09AB003}" type="datetimeFigureOut">
               <a:rPr lang="zh-CN" altLang="en-US" smtClean="0"/>
-              <a:t>2017/4/21</a:t>
+              <a:t>2017/4/25</a:t>
             </a:fld>
             <a:endParaRPr lang="zh-CN" altLang="en-US"/>
           </a:p>
@@ -2354,7 +2355,7 @@
           <a:p>
             <a:fld id="{031F6F84-56E5-4BF1-A4D7-2842F09AB003}" type="datetimeFigureOut">
               <a:rPr lang="zh-CN" altLang="en-US" smtClean="0"/>
-              <a:t>2017/4/21</a:t>
+              <a:t>2017/4/25</a:t>
             </a:fld>
             <a:endParaRPr lang="zh-CN" altLang="en-US"/>
           </a:p>
@@ -2567,7 +2568,7 @@
           <a:p>
             <a:fld id="{031F6F84-56E5-4BF1-A4D7-2842F09AB003}" type="datetimeFigureOut">
               <a:rPr lang="zh-CN" altLang="en-US" smtClean="0"/>
-              <a:t>2017/4/21</a:t>
+              <a:t>2017/4/25</a:t>
             </a:fld>
             <a:endParaRPr lang="zh-CN" altLang="en-US"/>
           </a:p>
@@ -6514,6 +6515,13 @@
   <p:clrMapOvr>
     <a:masterClrMapping/>
   </p:clrMapOvr>
+  <p:timing>
+    <p:tnLst>
+      <p:par>
+        <p:cTn id="1" dur="indefinite" restart="never" nodeType="tmRoot"/>
+      </p:par>
+    </p:tnLst>
+  </p:timing>
 </p:sld>
 </file>
 
@@ -6950,7 +6958,7 @@
           <a:lstStyle/>
           <a:p>
             <a:r>
-              <a:rPr lang="en-US" altLang="zh-CN" dirty="0" err="1" smtClean="0"/>
+              <a:rPr lang="en-US" altLang="zh-CN" dirty="0" smtClean="0"/>
               <a:t>inode</a:t>
             </a:r>
             <a:r>
@@ -8873,7 +8881,6 @@
               <a:rPr lang="zh-CN" altLang="en-US" dirty="0"/>
               <a:t>高</a:t>
             </a:r>
-            <a:endParaRPr lang="zh-CN" altLang="en-US" dirty="0"/>
           </a:p>
         </p:txBody>
       </p:sp>
@@ -8881,6 +8888,1691 @@
     <p:extLst>
       <p:ext uri="{BB962C8B-B14F-4D97-AF65-F5344CB8AC3E}">
         <p14:creationId xmlns:p14="http://schemas.microsoft.com/office/powerpoint/2010/main" val="2331747957"/>
+      </p:ext>
+    </p:extLst>
+  </p:cSld>
+  <p:clrMapOvr>
+    <a:masterClrMapping/>
+  </p:clrMapOvr>
+  <p:timing>
+    <p:tnLst>
+      <p:par>
+        <p:cTn id="1" dur="indefinite" restart="never" nodeType="tmRoot"/>
+      </p:par>
+    </p:tnLst>
+  </p:timing>
+</p:sld>
+</file>
+
+<file path=ppt/slides/slide5.xml><?xml version="1.0" encoding="utf-8"?>
+<p:sld xmlns:a="http://schemas.openxmlformats.org/drawingml/2006/main" xmlns:r="http://schemas.openxmlformats.org/officeDocument/2006/relationships" xmlns:p="http://schemas.openxmlformats.org/presentationml/2006/main">
+  <p:cSld>
+    <p:spTree>
+      <p:nvGrpSpPr>
+        <p:cNvPr id="1" name=""/>
+        <p:cNvGrpSpPr/>
+        <p:nvPr/>
+      </p:nvGrpSpPr>
+      <p:grpSpPr>
+        <a:xfrm>
+          <a:off x="0" y="0"/>
+          <a:ext cx="0" cy="0"/>
+          <a:chOff x="0" y="0"/>
+          <a:chExt cx="0" cy="0"/>
+        </a:xfrm>
+      </p:grpSpPr>
+      <p:sp>
+        <p:nvSpPr>
+          <p:cNvPr id="4" name="圆角矩形 3"/>
+          <p:cNvSpPr/>
+          <p:nvPr/>
+        </p:nvSpPr>
+        <p:spPr>
+          <a:xfrm>
+            <a:off x="163903" y="2803584"/>
+            <a:ext cx="1440612" cy="1406107"/>
+          </a:xfrm>
+          <a:prstGeom prst="roundRect">
+            <a:avLst/>
+          </a:prstGeom>
+        </p:spPr>
+        <p:style>
+          <a:lnRef idx="2">
+            <a:schemeClr val="accent1">
+              <a:shade val="50000"/>
+            </a:schemeClr>
+          </a:lnRef>
+          <a:fillRef idx="1">
+            <a:schemeClr val="accent1"/>
+          </a:fillRef>
+          <a:effectRef idx="0">
+            <a:schemeClr val="accent1"/>
+          </a:effectRef>
+          <a:fontRef idx="minor">
+            <a:schemeClr val="lt1"/>
+          </a:fontRef>
+        </p:style>
+        <p:txBody>
+          <a:bodyPr rtlCol="0" anchor="ctr"/>
+          <a:lstStyle/>
+          <a:p>
+            <a:pPr algn="ctr"/>
+            <a:endParaRPr lang="zh-CN" altLang="en-US"/>
+          </a:p>
+        </p:txBody>
+      </p:sp>
+      <p:sp>
+        <p:nvSpPr>
+          <p:cNvPr id="7" name="圆角矩形 6"/>
+          <p:cNvSpPr/>
+          <p:nvPr/>
+        </p:nvSpPr>
+        <p:spPr>
+          <a:xfrm>
+            <a:off x="9106595" y="2639683"/>
+            <a:ext cx="2659827" cy="1776218"/>
+          </a:xfrm>
+          <a:prstGeom prst="roundRect">
+            <a:avLst/>
+          </a:prstGeom>
+        </p:spPr>
+        <p:style>
+          <a:lnRef idx="2">
+            <a:schemeClr val="accent1">
+              <a:shade val="50000"/>
+            </a:schemeClr>
+          </a:lnRef>
+          <a:fillRef idx="1">
+            <a:schemeClr val="accent1"/>
+          </a:fillRef>
+          <a:effectRef idx="0">
+            <a:schemeClr val="accent1"/>
+          </a:effectRef>
+          <a:fontRef idx="minor">
+            <a:schemeClr val="lt1"/>
+          </a:fontRef>
+        </p:style>
+        <p:txBody>
+          <a:bodyPr rtlCol="0" anchor="ctr"/>
+          <a:lstStyle/>
+          <a:p>
+            <a:pPr algn="ctr"/>
+            <a:endParaRPr lang="zh-CN" altLang="en-US"/>
+          </a:p>
+        </p:txBody>
+      </p:sp>
+      <p:sp>
+        <p:nvSpPr>
+          <p:cNvPr id="8" name="文本框 7"/>
+          <p:cNvSpPr txBox="1"/>
+          <p:nvPr/>
+        </p:nvSpPr>
+        <p:spPr>
+          <a:xfrm>
+            <a:off x="250167" y="3044973"/>
+            <a:ext cx="448573" cy="923330"/>
+          </a:xfrm>
+          <a:prstGeom prst="rect">
+            <a:avLst/>
+          </a:prstGeom>
+          <a:noFill/>
+        </p:spPr>
+        <p:txBody>
+          <a:bodyPr wrap="square" rtlCol="0">
+            <a:spAutoFit/>
+          </a:bodyPr>
+          <a:lstStyle/>
+          <a:p>
+            <a:r>
+              <a:rPr lang="zh-CN" altLang="en-US" dirty="0" smtClean="0"/>
+              <a:t>客户端</a:t>
+            </a:r>
+            <a:endParaRPr lang="zh-CN" altLang="en-US" dirty="0"/>
+          </a:p>
+        </p:txBody>
+      </p:sp>
+      <p:sp>
+        <p:nvSpPr>
+          <p:cNvPr id="11" name="矩形 10"/>
+          <p:cNvSpPr/>
+          <p:nvPr/>
+        </p:nvSpPr>
+        <p:spPr>
+          <a:xfrm>
+            <a:off x="646978" y="3153743"/>
+            <a:ext cx="793630" cy="296819"/>
+          </a:xfrm>
+          <a:prstGeom prst="rect">
+            <a:avLst/>
+          </a:prstGeom>
+        </p:spPr>
+        <p:style>
+          <a:lnRef idx="2">
+            <a:schemeClr val="accent3">
+              <a:shade val="50000"/>
+            </a:schemeClr>
+          </a:lnRef>
+          <a:fillRef idx="1">
+            <a:schemeClr val="accent3"/>
+          </a:fillRef>
+          <a:effectRef idx="0">
+            <a:schemeClr val="accent3"/>
+          </a:effectRef>
+          <a:fontRef idx="minor">
+            <a:schemeClr val="lt1"/>
+          </a:fontRef>
+        </p:style>
+        <p:txBody>
+          <a:bodyPr rtlCol="0" anchor="ctr"/>
+          <a:lstStyle/>
+          <a:p>
+            <a:pPr algn="ctr"/>
+            <a:endParaRPr lang="zh-CN" altLang="en-US"/>
+          </a:p>
+        </p:txBody>
+      </p:sp>
+      <p:sp>
+        <p:nvSpPr>
+          <p:cNvPr id="12" name="矩形 11"/>
+          <p:cNvSpPr/>
+          <p:nvPr/>
+        </p:nvSpPr>
+        <p:spPr>
+          <a:xfrm>
+            <a:off x="603848" y="3636984"/>
+            <a:ext cx="927344" cy="312302"/>
+          </a:xfrm>
+          <a:prstGeom prst="rect">
+            <a:avLst/>
+          </a:prstGeom>
+        </p:spPr>
+        <p:style>
+          <a:lnRef idx="2">
+            <a:schemeClr val="accent3">
+              <a:shade val="50000"/>
+            </a:schemeClr>
+          </a:lnRef>
+          <a:fillRef idx="1">
+            <a:schemeClr val="accent3"/>
+          </a:fillRef>
+          <a:effectRef idx="0">
+            <a:schemeClr val="accent3"/>
+          </a:effectRef>
+          <a:fontRef idx="minor">
+            <a:schemeClr val="lt1"/>
+          </a:fontRef>
+        </p:style>
+        <p:txBody>
+          <a:bodyPr rtlCol="0" anchor="ctr"/>
+          <a:lstStyle/>
+          <a:p>
+            <a:pPr algn="ctr"/>
+            <a:endParaRPr lang="zh-CN" altLang="en-US"/>
+          </a:p>
+        </p:txBody>
+      </p:sp>
+      <p:sp>
+        <p:nvSpPr>
+          <p:cNvPr id="13" name="文本框 12"/>
+          <p:cNvSpPr txBox="1"/>
+          <p:nvPr/>
+        </p:nvSpPr>
+        <p:spPr>
+          <a:xfrm>
+            <a:off x="603848" y="3108945"/>
+            <a:ext cx="931653" cy="369332"/>
+          </a:xfrm>
+          <a:prstGeom prst="rect">
+            <a:avLst/>
+          </a:prstGeom>
+          <a:noFill/>
+        </p:spPr>
+        <p:txBody>
+          <a:bodyPr wrap="square" rtlCol="0">
+            <a:spAutoFit/>
+          </a:bodyPr>
+          <a:lstStyle/>
+          <a:p>
+            <a:r>
+              <a:rPr lang="en-US" altLang="zh-CN" dirty="0" smtClean="0"/>
+              <a:t>request</a:t>
+            </a:r>
+            <a:endParaRPr lang="zh-CN" altLang="en-US" dirty="0"/>
+          </a:p>
+        </p:txBody>
+      </p:sp>
+      <p:sp>
+        <p:nvSpPr>
+          <p:cNvPr id="14" name="文本框 13"/>
+          <p:cNvSpPr txBox="1"/>
+          <p:nvPr/>
+        </p:nvSpPr>
+        <p:spPr>
+          <a:xfrm>
+            <a:off x="552091" y="3598971"/>
+            <a:ext cx="1138687" cy="369332"/>
+          </a:xfrm>
+          <a:prstGeom prst="rect">
+            <a:avLst/>
+          </a:prstGeom>
+          <a:noFill/>
+        </p:spPr>
+        <p:txBody>
+          <a:bodyPr wrap="square" rtlCol="0">
+            <a:spAutoFit/>
+          </a:bodyPr>
+          <a:lstStyle/>
+          <a:p>
+            <a:r>
+              <a:rPr lang="en-US" altLang="zh-CN" dirty="0" smtClean="0"/>
+              <a:t>response</a:t>
+            </a:r>
+            <a:endParaRPr lang="zh-CN" altLang="en-US" dirty="0"/>
+          </a:p>
+        </p:txBody>
+      </p:sp>
+      <p:sp>
+        <p:nvSpPr>
+          <p:cNvPr id="23" name="圆角矩形 22"/>
+          <p:cNvSpPr/>
+          <p:nvPr/>
+        </p:nvSpPr>
+        <p:spPr>
+          <a:xfrm>
+            <a:off x="2880140" y="2544792"/>
+            <a:ext cx="2266592" cy="1900351"/>
+          </a:xfrm>
+          <a:prstGeom prst="roundRect">
+            <a:avLst/>
+          </a:prstGeom>
+        </p:spPr>
+        <p:style>
+          <a:lnRef idx="2">
+            <a:schemeClr val="accent6">
+              <a:shade val="50000"/>
+            </a:schemeClr>
+          </a:lnRef>
+          <a:fillRef idx="1">
+            <a:schemeClr val="accent6"/>
+          </a:fillRef>
+          <a:effectRef idx="0">
+            <a:schemeClr val="accent6"/>
+          </a:effectRef>
+          <a:fontRef idx="minor">
+            <a:schemeClr val="lt1"/>
+          </a:fontRef>
+        </p:style>
+        <p:txBody>
+          <a:bodyPr rtlCol="0" anchor="ctr"/>
+          <a:lstStyle/>
+          <a:p>
+            <a:pPr algn="ctr"/>
+            <a:endParaRPr lang="zh-CN" altLang="en-US"/>
+          </a:p>
+        </p:txBody>
+      </p:sp>
+      <p:sp>
+        <p:nvSpPr>
+          <p:cNvPr id="25" name="矩形 24"/>
+          <p:cNvSpPr/>
+          <p:nvPr/>
+        </p:nvSpPr>
+        <p:spPr>
+          <a:xfrm>
+            <a:off x="3119525" y="2943439"/>
+            <a:ext cx="1863306" cy="517738"/>
+          </a:xfrm>
+          <a:prstGeom prst="rect">
+            <a:avLst/>
+          </a:prstGeom>
+        </p:spPr>
+        <p:style>
+          <a:lnRef idx="2">
+            <a:schemeClr val="accent3">
+              <a:shade val="50000"/>
+            </a:schemeClr>
+          </a:lnRef>
+          <a:fillRef idx="1">
+            <a:schemeClr val="accent3"/>
+          </a:fillRef>
+          <a:effectRef idx="0">
+            <a:schemeClr val="accent3"/>
+          </a:effectRef>
+          <a:fontRef idx="minor">
+            <a:schemeClr val="lt1"/>
+          </a:fontRef>
+        </p:style>
+        <p:txBody>
+          <a:bodyPr rtlCol="0" anchor="ctr"/>
+          <a:lstStyle/>
+          <a:p>
+            <a:pPr algn="ctr"/>
+            <a:endParaRPr lang="zh-CN" altLang="en-US"/>
+          </a:p>
+        </p:txBody>
+      </p:sp>
+      <p:sp>
+        <p:nvSpPr>
+          <p:cNvPr id="26" name="文本框 25"/>
+          <p:cNvSpPr txBox="1"/>
+          <p:nvPr/>
+        </p:nvSpPr>
+        <p:spPr>
+          <a:xfrm>
+            <a:off x="3119525" y="3007410"/>
+            <a:ext cx="1966822" cy="369332"/>
+          </a:xfrm>
+          <a:prstGeom prst="rect">
+            <a:avLst/>
+          </a:prstGeom>
+          <a:noFill/>
+        </p:spPr>
+        <p:txBody>
+          <a:bodyPr wrap="square" rtlCol="0">
+            <a:spAutoFit/>
+          </a:bodyPr>
+          <a:lstStyle/>
+          <a:p>
+            <a:r>
+              <a:rPr lang="en-US" altLang="zh-CN" dirty="0" smtClean="0"/>
+              <a:t>IncomingMessage</a:t>
+            </a:r>
+            <a:endParaRPr lang="zh-CN" altLang="en-US" dirty="0"/>
+          </a:p>
+        </p:txBody>
+      </p:sp>
+      <p:sp>
+        <p:nvSpPr>
+          <p:cNvPr id="27" name="矩形 26"/>
+          <p:cNvSpPr/>
+          <p:nvPr/>
+        </p:nvSpPr>
+        <p:spPr>
+          <a:xfrm>
+            <a:off x="3119525" y="3735755"/>
+            <a:ext cx="1702279" cy="517738"/>
+          </a:xfrm>
+          <a:prstGeom prst="rect">
+            <a:avLst/>
+          </a:prstGeom>
+        </p:spPr>
+        <p:style>
+          <a:lnRef idx="2">
+            <a:schemeClr val="accent3">
+              <a:shade val="50000"/>
+            </a:schemeClr>
+          </a:lnRef>
+          <a:fillRef idx="1">
+            <a:schemeClr val="accent3"/>
+          </a:fillRef>
+          <a:effectRef idx="0">
+            <a:schemeClr val="accent3"/>
+          </a:effectRef>
+          <a:fontRef idx="minor">
+            <a:schemeClr val="lt1"/>
+          </a:fontRef>
+        </p:style>
+        <p:txBody>
+          <a:bodyPr rtlCol="0" anchor="ctr"/>
+          <a:lstStyle/>
+          <a:p>
+            <a:pPr algn="ctr"/>
+            <a:endParaRPr lang="zh-CN" altLang="en-US"/>
+          </a:p>
+        </p:txBody>
+      </p:sp>
+      <p:sp>
+        <p:nvSpPr>
+          <p:cNvPr id="28" name="文本框 27"/>
+          <p:cNvSpPr txBox="1"/>
+          <p:nvPr/>
+        </p:nvSpPr>
+        <p:spPr>
+          <a:xfrm>
+            <a:off x="3119525" y="3799726"/>
+            <a:ext cx="1966822" cy="369332"/>
+          </a:xfrm>
+          <a:prstGeom prst="rect">
+            <a:avLst/>
+          </a:prstGeom>
+          <a:noFill/>
+        </p:spPr>
+        <p:txBody>
+          <a:bodyPr wrap="square" rtlCol="0">
+            <a:spAutoFit/>
+          </a:bodyPr>
+          <a:lstStyle/>
+          <a:p>
+            <a:r>
+              <a:rPr lang="en-US" altLang="zh-CN" dirty="0" smtClean="0"/>
+              <a:t>ServerResponse</a:t>
+            </a:r>
+            <a:endParaRPr lang="zh-CN" altLang="en-US" dirty="0"/>
+          </a:p>
+        </p:txBody>
+      </p:sp>
+      <p:sp>
+        <p:nvSpPr>
+          <p:cNvPr id="38" name="矩形 37"/>
+          <p:cNvSpPr/>
+          <p:nvPr/>
+        </p:nvSpPr>
+        <p:spPr>
+          <a:xfrm>
+            <a:off x="9275895" y="2943438"/>
+            <a:ext cx="1863306" cy="517738"/>
+          </a:xfrm>
+          <a:prstGeom prst="rect">
+            <a:avLst/>
+          </a:prstGeom>
+        </p:spPr>
+        <p:style>
+          <a:lnRef idx="2">
+            <a:schemeClr val="accent3">
+              <a:shade val="50000"/>
+            </a:schemeClr>
+          </a:lnRef>
+          <a:fillRef idx="1">
+            <a:schemeClr val="accent3"/>
+          </a:fillRef>
+          <a:effectRef idx="0">
+            <a:schemeClr val="accent3"/>
+          </a:effectRef>
+          <a:fontRef idx="minor">
+            <a:schemeClr val="lt1"/>
+          </a:fontRef>
+        </p:style>
+        <p:txBody>
+          <a:bodyPr rtlCol="0" anchor="ctr"/>
+          <a:lstStyle/>
+          <a:p>
+            <a:pPr algn="ctr"/>
+            <a:endParaRPr lang="zh-CN" altLang="en-US"/>
+          </a:p>
+        </p:txBody>
+      </p:sp>
+      <p:sp>
+        <p:nvSpPr>
+          <p:cNvPr id="39" name="文本框 38"/>
+          <p:cNvSpPr txBox="1"/>
+          <p:nvPr/>
+        </p:nvSpPr>
+        <p:spPr>
+          <a:xfrm>
+            <a:off x="9275895" y="3017641"/>
+            <a:ext cx="1966822" cy="369332"/>
+          </a:xfrm>
+          <a:prstGeom prst="rect">
+            <a:avLst/>
+          </a:prstGeom>
+          <a:noFill/>
+        </p:spPr>
+        <p:txBody>
+          <a:bodyPr wrap="square" rtlCol="0">
+            <a:spAutoFit/>
+          </a:bodyPr>
+          <a:lstStyle/>
+          <a:p>
+            <a:r>
+              <a:rPr lang="en-US" altLang="zh-CN" dirty="0" smtClean="0"/>
+              <a:t>IncomingMessage</a:t>
+            </a:r>
+            <a:endParaRPr lang="zh-CN" altLang="en-US" dirty="0"/>
+          </a:p>
+        </p:txBody>
+      </p:sp>
+      <p:sp>
+        <p:nvSpPr>
+          <p:cNvPr id="40" name="矩形 39"/>
+          <p:cNvSpPr/>
+          <p:nvPr/>
+        </p:nvSpPr>
+        <p:spPr>
+          <a:xfrm>
+            <a:off x="9275895" y="3733969"/>
+            <a:ext cx="1702279" cy="517738"/>
+          </a:xfrm>
+          <a:prstGeom prst="rect">
+            <a:avLst/>
+          </a:prstGeom>
+        </p:spPr>
+        <p:style>
+          <a:lnRef idx="2">
+            <a:schemeClr val="accent3">
+              <a:shade val="50000"/>
+            </a:schemeClr>
+          </a:lnRef>
+          <a:fillRef idx="1">
+            <a:schemeClr val="accent3"/>
+          </a:fillRef>
+          <a:effectRef idx="0">
+            <a:schemeClr val="accent3"/>
+          </a:effectRef>
+          <a:fontRef idx="minor">
+            <a:schemeClr val="lt1"/>
+          </a:fontRef>
+        </p:style>
+        <p:txBody>
+          <a:bodyPr rtlCol="0" anchor="ctr"/>
+          <a:lstStyle/>
+          <a:p>
+            <a:pPr algn="ctr"/>
+            <a:endParaRPr lang="zh-CN" altLang="en-US"/>
+          </a:p>
+        </p:txBody>
+      </p:sp>
+      <p:sp>
+        <p:nvSpPr>
+          <p:cNvPr id="41" name="文本框 40"/>
+          <p:cNvSpPr txBox="1"/>
+          <p:nvPr/>
+        </p:nvSpPr>
+        <p:spPr>
+          <a:xfrm>
+            <a:off x="9333399" y="3779806"/>
+            <a:ext cx="1966822" cy="369332"/>
+          </a:xfrm>
+          <a:prstGeom prst="rect">
+            <a:avLst/>
+          </a:prstGeom>
+          <a:noFill/>
+        </p:spPr>
+        <p:txBody>
+          <a:bodyPr wrap="square" rtlCol="0">
+            <a:spAutoFit/>
+          </a:bodyPr>
+          <a:lstStyle/>
+          <a:p>
+            <a:r>
+              <a:rPr lang="en-US" altLang="zh-CN" dirty="0" smtClean="0"/>
+              <a:t>ServerResponse</a:t>
+            </a:r>
+            <a:endParaRPr lang="zh-CN" altLang="en-US" dirty="0"/>
+          </a:p>
+        </p:txBody>
+      </p:sp>
+      <p:sp>
+        <p:nvSpPr>
+          <p:cNvPr id="42" name="圆角矩形 41"/>
+          <p:cNvSpPr/>
+          <p:nvPr/>
+        </p:nvSpPr>
+        <p:spPr>
+          <a:xfrm>
+            <a:off x="6684394" y="2544792"/>
+            <a:ext cx="1355425" cy="1900351"/>
+          </a:xfrm>
+          <a:prstGeom prst="roundRect">
+            <a:avLst/>
+          </a:prstGeom>
+        </p:spPr>
+        <p:style>
+          <a:lnRef idx="2">
+            <a:schemeClr val="accent6">
+              <a:shade val="50000"/>
+            </a:schemeClr>
+          </a:lnRef>
+          <a:fillRef idx="1">
+            <a:schemeClr val="accent6"/>
+          </a:fillRef>
+          <a:effectRef idx="0">
+            <a:schemeClr val="accent6"/>
+          </a:effectRef>
+          <a:fontRef idx="minor">
+            <a:schemeClr val="lt1"/>
+          </a:fontRef>
+        </p:style>
+        <p:txBody>
+          <a:bodyPr rtlCol="0" anchor="ctr"/>
+          <a:lstStyle/>
+          <a:p>
+            <a:pPr algn="ctr"/>
+            <a:endParaRPr lang="zh-CN" altLang="en-US"/>
+          </a:p>
+        </p:txBody>
+      </p:sp>
+      <p:sp>
+        <p:nvSpPr>
+          <p:cNvPr id="43" name="矩形 42"/>
+          <p:cNvSpPr/>
+          <p:nvPr/>
+        </p:nvSpPr>
+        <p:spPr>
+          <a:xfrm>
+            <a:off x="6962941" y="3053898"/>
+            <a:ext cx="793630" cy="296819"/>
+          </a:xfrm>
+          <a:prstGeom prst="rect">
+            <a:avLst/>
+          </a:prstGeom>
+        </p:spPr>
+        <p:style>
+          <a:lnRef idx="2">
+            <a:schemeClr val="accent3">
+              <a:shade val="50000"/>
+            </a:schemeClr>
+          </a:lnRef>
+          <a:fillRef idx="1">
+            <a:schemeClr val="accent3"/>
+          </a:fillRef>
+          <a:effectRef idx="0">
+            <a:schemeClr val="accent3"/>
+          </a:effectRef>
+          <a:fontRef idx="minor">
+            <a:schemeClr val="lt1"/>
+          </a:fontRef>
+        </p:style>
+        <p:txBody>
+          <a:bodyPr rtlCol="0" anchor="ctr"/>
+          <a:lstStyle/>
+          <a:p>
+            <a:pPr algn="ctr"/>
+            <a:endParaRPr lang="zh-CN" altLang="en-US"/>
+          </a:p>
+        </p:txBody>
+      </p:sp>
+      <p:sp>
+        <p:nvSpPr>
+          <p:cNvPr id="44" name="矩形 43"/>
+          <p:cNvSpPr/>
+          <p:nvPr/>
+        </p:nvSpPr>
+        <p:spPr>
+          <a:xfrm>
+            <a:off x="6896083" y="3838473"/>
+            <a:ext cx="927344" cy="312302"/>
+          </a:xfrm>
+          <a:prstGeom prst="rect">
+            <a:avLst/>
+          </a:prstGeom>
+        </p:spPr>
+        <p:style>
+          <a:lnRef idx="2">
+            <a:schemeClr val="accent3">
+              <a:shade val="50000"/>
+            </a:schemeClr>
+          </a:lnRef>
+          <a:fillRef idx="1">
+            <a:schemeClr val="accent3"/>
+          </a:fillRef>
+          <a:effectRef idx="0">
+            <a:schemeClr val="accent3"/>
+          </a:effectRef>
+          <a:fontRef idx="minor">
+            <a:schemeClr val="lt1"/>
+          </a:fontRef>
+        </p:style>
+        <p:txBody>
+          <a:bodyPr rtlCol="0" anchor="ctr"/>
+          <a:lstStyle/>
+          <a:p>
+            <a:pPr algn="ctr"/>
+            <a:endParaRPr lang="zh-CN" altLang="en-US"/>
+          </a:p>
+        </p:txBody>
+      </p:sp>
+      <p:sp>
+        <p:nvSpPr>
+          <p:cNvPr id="45" name="文本框 44"/>
+          <p:cNvSpPr txBox="1"/>
+          <p:nvPr/>
+        </p:nvSpPr>
+        <p:spPr>
+          <a:xfrm>
+            <a:off x="6918384" y="3000564"/>
+            <a:ext cx="931653" cy="369332"/>
+          </a:xfrm>
+          <a:prstGeom prst="rect">
+            <a:avLst/>
+          </a:prstGeom>
+          <a:noFill/>
+        </p:spPr>
+        <p:txBody>
+          <a:bodyPr wrap="square" rtlCol="0">
+            <a:spAutoFit/>
+          </a:bodyPr>
+          <a:lstStyle/>
+          <a:p>
+            <a:r>
+              <a:rPr lang="en-US" altLang="zh-CN" dirty="0" smtClean="0"/>
+              <a:t>request</a:t>
+            </a:r>
+            <a:endParaRPr lang="zh-CN" altLang="en-US" dirty="0"/>
+          </a:p>
+        </p:txBody>
+      </p:sp>
+      <p:sp>
+        <p:nvSpPr>
+          <p:cNvPr id="46" name="文本框 45"/>
+          <p:cNvSpPr txBox="1"/>
+          <p:nvPr/>
+        </p:nvSpPr>
+        <p:spPr>
+          <a:xfrm>
+            <a:off x="6843977" y="3792706"/>
+            <a:ext cx="1138687" cy="369332"/>
+          </a:xfrm>
+          <a:prstGeom prst="rect">
+            <a:avLst/>
+          </a:prstGeom>
+          <a:noFill/>
+        </p:spPr>
+        <p:txBody>
+          <a:bodyPr wrap="square" rtlCol="0">
+            <a:spAutoFit/>
+          </a:bodyPr>
+          <a:lstStyle/>
+          <a:p>
+            <a:r>
+              <a:rPr lang="en-US" altLang="zh-CN" dirty="0" smtClean="0"/>
+              <a:t>response</a:t>
+            </a:r>
+            <a:endParaRPr lang="zh-CN" altLang="en-US" dirty="0"/>
+          </a:p>
+        </p:txBody>
+      </p:sp>
+      <p:sp>
+        <p:nvSpPr>
+          <p:cNvPr id="47" name="文本框 46"/>
+          <p:cNvSpPr txBox="1"/>
+          <p:nvPr/>
+        </p:nvSpPr>
+        <p:spPr>
+          <a:xfrm>
+            <a:off x="11254028" y="3230926"/>
+            <a:ext cx="448573" cy="646331"/>
+          </a:xfrm>
+          <a:prstGeom prst="rect">
+            <a:avLst/>
+          </a:prstGeom>
+          <a:noFill/>
+        </p:spPr>
+        <p:txBody>
+          <a:bodyPr wrap="square" rtlCol="0">
+            <a:spAutoFit/>
+          </a:bodyPr>
+          <a:lstStyle/>
+          <a:p>
+            <a:r>
+              <a:rPr lang="zh-CN" altLang="en-US" dirty="0"/>
+              <a:t>服务</a:t>
+            </a:r>
+          </a:p>
+        </p:txBody>
+      </p:sp>
+      <p:sp>
+        <p:nvSpPr>
+          <p:cNvPr id="48" name="圆角矩形 47"/>
+          <p:cNvSpPr/>
+          <p:nvPr/>
+        </p:nvSpPr>
+        <p:spPr>
+          <a:xfrm>
+            <a:off x="4364961" y="4578002"/>
+            <a:ext cx="3391609" cy="802731"/>
+          </a:xfrm>
+          <a:prstGeom prst="roundRect">
+            <a:avLst/>
+          </a:prstGeom>
+        </p:spPr>
+        <p:style>
+          <a:lnRef idx="2">
+            <a:schemeClr val="accent6">
+              <a:shade val="50000"/>
+            </a:schemeClr>
+          </a:lnRef>
+          <a:fillRef idx="1">
+            <a:schemeClr val="accent6"/>
+          </a:fillRef>
+          <a:effectRef idx="0">
+            <a:schemeClr val="accent6"/>
+          </a:effectRef>
+          <a:fontRef idx="minor">
+            <a:schemeClr val="lt1"/>
+          </a:fontRef>
+        </p:style>
+        <p:txBody>
+          <a:bodyPr rtlCol="0" anchor="ctr"/>
+          <a:lstStyle/>
+          <a:p>
+            <a:pPr algn="ctr"/>
+            <a:endParaRPr lang="zh-CN" altLang="en-US"/>
+          </a:p>
+        </p:txBody>
+      </p:sp>
+      <p:sp>
+        <p:nvSpPr>
+          <p:cNvPr id="50" name="矩形 49"/>
+          <p:cNvSpPr/>
+          <p:nvPr/>
+        </p:nvSpPr>
+        <p:spPr>
+          <a:xfrm>
+            <a:off x="5348373" y="4604920"/>
+            <a:ext cx="1166177" cy="393568"/>
+          </a:xfrm>
+          <a:prstGeom prst="rect">
+            <a:avLst/>
+          </a:prstGeom>
+        </p:spPr>
+        <p:style>
+          <a:lnRef idx="2">
+            <a:schemeClr val="accent3">
+              <a:shade val="50000"/>
+            </a:schemeClr>
+          </a:lnRef>
+          <a:fillRef idx="1">
+            <a:schemeClr val="accent3"/>
+          </a:fillRef>
+          <a:effectRef idx="0">
+            <a:schemeClr val="accent3"/>
+          </a:effectRef>
+          <a:fontRef idx="minor">
+            <a:schemeClr val="lt1"/>
+          </a:fontRef>
+        </p:style>
+        <p:txBody>
+          <a:bodyPr rtlCol="0" anchor="ctr"/>
+          <a:lstStyle/>
+          <a:p>
+            <a:pPr algn="ctr"/>
+            <a:endParaRPr lang="zh-CN" altLang="en-US"/>
+          </a:p>
+        </p:txBody>
+      </p:sp>
+      <p:sp>
+        <p:nvSpPr>
+          <p:cNvPr id="51" name="文本框 50"/>
+          <p:cNvSpPr txBox="1"/>
+          <p:nvPr/>
+        </p:nvSpPr>
+        <p:spPr>
+          <a:xfrm>
+            <a:off x="5427969" y="4617038"/>
+            <a:ext cx="1138687" cy="369332"/>
+          </a:xfrm>
+          <a:prstGeom prst="rect">
+            <a:avLst/>
+          </a:prstGeom>
+          <a:noFill/>
+        </p:spPr>
+        <p:txBody>
+          <a:bodyPr wrap="square" rtlCol="0">
+            <a:spAutoFit/>
+          </a:bodyPr>
+          <a:lstStyle/>
+          <a:p>
+            <a:r>
+              <a:rPr lang="en-US" altLang="zh-CN" dirty="0"/>
+              <a:t>database</a:t>
+            </a:r>
+            <a:endParaRPr lang="zh-CN" altLang="en-US" dirty="0"/>
+          </a:p>
+        </p:txBody>
+      </p:sp>
+      <p:sp>
+        <p:nvSpPr>
+          <p:cNvPr id="52" name="文本框 51"/>
+          <p:cNvSpPr txBox="1"/>
+          <p:nvPr/>
+        </p:nvSpPr>
+        <p:spPr>
+          <a:xfrm>
+            <a:off x="5489570" y="5011401"/>
+            <a:ext cx="964919" cy="369332"/>
+          </a:xfrm>
+          <a:prstGeom prst="rect">
+            <a:avLst/>
+          </a:prstGeom>
+          <a:noFill/>
+        </p:spPr>
+        <p:txBody>
+          <a:bodyPr wrap="square" rtlCol="0">
+            <a:spAutoFit/>
+          </a:bodyPr>
+          <a:lstStyle/>
+          <a:p>
+            <a:r>
+              <a:rPr lang="zh-CN" altLang="en-US" dirty="0" smtClean="0"/>
+              <a:t>数据库</a:t>
+            </a:r>
+            <a:endParaRPr lang="zh-CN" altLang="en-US" dirty="0"/>
+          </a:p>
+        </p:txBody>
+      </p:sp>
+      <p:sp>
+        <p:nvSpPr>
+          <p:cNvPr id="70" name="椭圆 69"/>
+          <p:cNvSpPr/>
+          <p:nvPr/>
+        </p:nvSpPr>
+        <p:spPr>
+          <a:xfrm>
+            <a:off x="5283294" y="2677072"/>
+            <a:ext cx="1224950" cy="1794294"/>
+          </a:xfrm>
+          <a:prstGeom prst="ellipse">
+            <a:avLst/>
+          </a:prstGeom>
+        </p:spPr>
+        <p:style>
+          <a:lnRef idx="2">
+            <a:schemeClr val="accent6">
+              <a:shade val="50000"/>
+            </a:schemeClr>
+          </a:lnRef>
+          <a:fillRef idx="1">
+            <a:schemeClr val="accent6"/>
+          </a:fillRef>
+          <a:effectRef idx="0">
+            <a:schemeClr val="accent6"/>
+          </a:effectRef>
+          <a:fontRef idx="minor">
+            <a:schemeClr val="lt1"/>
+          </a:fontRef>
+        </p:style>
+        <p:txBody>
+          <a:bodyPr rtlCol="0" anchor="ctr"/>
+          <a:lstStyle/>
+          <a:p>
+            <a:pPr algn="ctr"/>
+            <a:endParaRPr lang="zh-CN" altLang="en-US"/>
+          </a:p>
+        </p:txBody>
+      </p:sp>
+      <p:sp>
+        <p:nvSpPr>
+          <p:cNvPr id="71" name="文本框 70"/>
+          <p:cNvSpPr txBox="1"/>
+          <p:nvPr/>
+        </p:nvSpPr>
+        <p:spPr>
+          <a:xfrm>
+            <a:off x="5698819" y="3007410"/>
+            <a:ext cx="448573" cy="1200329"/>
+          </a:xfrm>
+          <a:prstGeom prst="rect">
+            <a:avLst/>
+          </a:prstGeom>
+          <a:noFill/>
+        </p:spPr>
+        <p:txBody>
+          <a:bodyPr wrap="square" rtlCol="0">
+            <a:spAutoFit/>
+          </a:bodyPr>
+          <a:lstStyle/>
+          <a:p>
+            <a:r>
+              <a:rPr lang="zh-CN" altLang="en-US" dirty="0" smtClean="0"/>
+              <a:t>业务逻辑</a:t>
+            </a:r>
+            <a:endParaRPr lang="zh-CN" altLang="en-US" dirty="0"/>
+          </a:p>
+        </p:txBody>
+      </p:sp>
+      <p:cxnSp>
+        <p:nvCxnSpPr>
+          <p:cNvPr id="72" name="直接箭头连接符 71"/>
+          <p:cNvCxnSpPr>
+            <a:endCxn id="45" idx="1"/>
+          </p:cNvCxnSpPr>
+          <p:nvPr/>
+        </p:nvCxnSpPr>
+        <p:spPr>
+          <a:xfrm flipV="1">
+            <a:off x="6528197" y="3185230"/>
+            <a:ext cx="390187" cy="195831"/>
+          </a:xfrm>
+          <a:prstGeom prst="straightConnector1">
+            <a:avLst/>
+          </a:prstGeom>
+          <a:ln>
+            <a:prstDash val="sysDash"/>
+            <a:tailEnd type="triangle"/>
+          </a:ln>
+        </p:spPr>
+        <p:style>
+          <a:lnRef idx="3">
+            <a:schemeClr val="accent2"/>
+          </a:lnRef>
+          <a:fillRef idx="0">
+            <a:schemeClr val="accent2"/>
+          </a:fillRef>
+          <a:effectRef idx="2">
+            <a:schemeClr val="accent2"/>
+          </a:effectRef>
+          <a:fontRef idx="minor">
+            <a:schemeClr val="tx1"/>
+          </a:fontRef>
+        </p:style>
+      </p:cxnSp>
+      <p:cxnSp>
+        <p:nvCxnSpPr>
+          <p:cNvPr id="73" name="直接箭头连接符 72"/>
+          <p:cNvCxnSpPr/>
+          <p:nvPr/>
+        </p:nvCxnSpPr>
+        <p:spPr>
+          <a:xfrm>
+            <a:off x="5002049" y="3247180"/>
+            <a:ext cx="322071" cy="122716"/>
+          </a:xfrm>
+          <a:prstGeom prst="straightConnector1">
+            <a:avLst/>
+          </a:prstGeom>
+          <a:ln>
+            <a:prstDash val="sysDash"/>
+            <a:tailEnd type="triangle"/>
+          </a:ln>
+        </p:spPr>
+        <p:style>
+          <a:lnRef idx="3">
+            <a:schemeClr val="accent2"/>
+          </a:lnRef>
+          <a:fillRef idx="0">
+            <a:schemeClr val="accent2"/>
+          </a:fillRef>
+          <a:effectRef idx="2">
+            <a:schemeClr val="accent2"/>
+          </a:effectRef>
+          <a:fontRef idx="minor">
+            <a:schemeClr val="tx1"/>
+          </a:fontRef>
+        </p:style>
+      </p:cxnSp>
+      <p:cxnSp>
+        <p:nvCxnSpPr>
+          <p:cNvPr id="74" name="直接箭头连接符 73"/>
+          <p:cNvCxnSpPr/>
+          <p:nvPr/>
+        </p:nvCxnSpPr>
+        <p:spPr>
+          <a:xfrm flipH="1" flipV="1">
+            <a:off x="6515430" y="3882706"/>
+            <a:ext cx="337857" cy="155052"/>
+          </a:xfrm>
+          <a:prstGeom prst="straightConnector1">
+            <a:avLst/>
+          </a:prstGeom>
+          <a:ln>
+            <a:prstDash val="sysDash"/>
+            <a:tailEnd type="triangle"/>
+          </a:ln>
+        </p:spPr>
+        <p:style>
+          <a:lnRef idx="3">
+            <a:schemeClr val="accent2"/>
+          </a:lnRef>
+          <a:fillRef idx="0">
+            <a:schemeClr val="accent2"/>
+          </a:fillRef>
+          <a:effectRef idx="2">
+            <a:schemeClr val="accent2"/>
+          </a:effectRef>
+          <a:fontRef idx="minor">
+            <a:schemeClr val="tx1"/>
+          </a:fontRef>
+        </p:style>
+      </p:cxnSp>
+      <p:cxnSp>
+        <p:nvCxnSpPr>
+          <p:cNvPr id="75" name="直接箭头连接符 74"/>
+          <p:cNvCxnSpPr/>
+          <p:nvPr/>
+        </p:nvCxnSpPr>
+        <p:spPr>
+          <a:xfrm flipH="1">
+            <a:off x="4838992" y="3897539"/>
+            <a:ext cx="464845" cy="150472"/>
+          </a:xfrm>
+          <a:prstGeom prst="straightConnector1">
+            <a:avLst/>
+          </a:prstGeom>
+          <a:ln>
+            <a:prstDash val="sysDash"/>
+            <a:tailEnd type="triangle"/>
+          </a:ln>
+        </p:spPr>
+        <p:style>
+          <a:lnRef idx="3">
+            <a:schemeClr val="accent2"/>
+          </a:lnRef>
+          <a:fillRef idx="0">
+            <a:schemeClr val="accent2"/>
+          </a:fillRef>
+          <a:effectRef idx="2">
+            <a:schemeClr val="accent2"/>
+          </a:effectRef>
+          <a:fontRef idx="minor">
+            <a:schemeClr val="tx1"/>
+          </a:fontRef>
+        </p:style>
+      </p:cxnSp>
+      <p:cxnSp>
+        <p:nvCxnSpPr>
+          <p:cNvPr id="88" name="直接箭头连接符 87"/>
+          <p:cNvCxnSpPr/>
+          <p:nvPr/>
+        </p:nvCxnSpPr>
+        <p:spPr>
+          <a:xfrm flipH="1">
+            <a:off x="6147392" y="4385912"/>
+            <a:ext cx="6030" cy="246431"/>
+          </a:xfrm>
+          <a:prstGeom prst="straightConnector1">
+            <a:avLst/>
+          </a:prstGeom>
+          <a:ln>
+            <a:prstDash val="sysDash"/>
+            <a:tailEnd type="triangle"/>
+          </a:ln>
+        </p:spPr>
+        <p:style>
+          <a:lnRef idx="3">
+            <a:schemeClr val="accent2"/>
+          </a:lnRef>
+          <a:fillRef idx="0">
+            <a:schemeClr val="accent2"/>
+          </a:fillRef>
+          <a:effectRef idx="2">
+            <a:schemeClr val="accent2"/>
+          </a:effectRef>
+          <a:fontRef idx="minor">
+            <a:schemeClr val="tx1"/>
+          </a:fontRef>
+        </p:style>
+      </p:cxnSp>
+      <p:cxnSp>
+        <p:nvCxnSpPr>
+          <p:cNvPr id="89" name="直接箭头连接符 88"/>
+          <p:cNvCxnSpPr/>
+          <p:nvPr/>
+        </p:nvCxnSpPr>
+        <p:spPr>
+          <a:xfrm flipV="1">
+            <a:off x="5621525" y="4377798"/>
+            <a:ext cx="1" cy="220666"/>
+          </a:xfrm>
+          <a:prstGeom prst="straightConnector1">
+            <a:avLst/>
+          </a:prstGeom>
+          <a:ln>
+            <a:prstDash val="sysDash"/>
+            <a:tailEnd type="triangle"/>
+          </a:ln>
+        </p:spPr>
+        <p:style>
+          <a:lnRef idx="3">
+            <a:schemeClr val="accent2"/>
+          </a:lnRef>
+          <a:fillRef idx="0">
+            <a:schemeClr val="accent2"/>
+          </a:fillRef>
+          <a:effectRef idx="2">
+            <a:schemeClr val="accent2"/>
+          </a:effectRef>
+          <a:fontRef idx="minor">
+            <a:schemeClr val="tx1"/>
+          </a:fontRef>
+        </p:style>
+      </p:cxnSp>
+      <p:sp>
+        <p:nvSpPr>
+          <p:cNvPr id="97" name="流程图: 资料带 96"/>
+          <p:cNvSpPr/>
+          <p:nvPr/>
+        </p:nvSpPr>
+        <p:spPr>
+          <a:xfrm>
+            <a:off x="1780665" y="3000564"/>
+            <a:ext cx="905773" cy="1153841"/>
+          </a:xfrm>
+          <a:prstGeom prst="flowChartPunchedTape">
+            <a:avLst/>
+          </a:prstGeom>
+        </p:spPr>
+        <p:style>
+          <a:lnRef idx="2">
+            <a:schemeClr val="accent4">
+              <a:shade val="50000"/>
+            </a:schemeClr>
+          </a:lnRef>
+          <a:fillRef idx="1">
+            <a:schemeClr val="accent4"/>
+          </a:fillRef>
+          <a:effectRef idx="0">
+            <a:schemeClr val="accent4"/>
+          </a:effectRef>
+          <a:fontRef idx="minor">
+            <a:schemeClr val="lt1"/>
+          </a:fontRef>
+        </p:style>
+        <p:txBody>
+          <a:bodyPr rtlCol="0" anchor="ctr"/>
+          <a:lstStyle/>
+          <a:p>
+            <a:pPr algn="ctr"/>
+            <a:endParaRPr lang="zh-CN" altLang="en-US"/>
+          </a:p>
+        </p:txBody>
+      </p:sp>
+      <p:sp>
+        <p:nvSpPr>
+          <p:cNvPr id="98" name="文本框 97"/>
+          <p:cNvSpPr txBox="1"/>
+          <p:nvPr/>
+        </p:nvSpPr>
+        <p:spPr>
+          <a:xfrm>
+            <a:off x="1983382" y="3392818"/>
+            <a:ext cx="667477" cy="369332"/>
+          </a:xfrm>
+          <a:prstGeom prst="rect">
+            <a:avLst/>
+          </a:prstGeom>
+          <a:noFill/>
+        </p:spPr>
+        <p:txBody>
+          <a:bodyPr wrap="square" rtlCol="0">
+            <a:spAutoFit/>
+          </a:bodyPr>
+          <a:lstStyle/>
+          <a:p>
+            <a:r>
+              <a:rPr lang="en-US" altLang="zh-CN" dirty="0" smtClean="0"/>
+              <a:t>http</a:t>
+            </a:r>
+            <a:endParaRPr lang="zh-CN" altLang="en-US" dirty="0"/>
+          </a:p>
+        </p:txBody>
+      </p:sp>
+      <p:sp>
+        <p:nvSpPr>
+          <p:cNvPr id="99" name="流程图: 资料带 98"/>
+          <p:cNvSpPr/>
+          <p:nvPr/>
+        </p:nvSpPr>
+        <p:spPr>
+          <a:xfrm>
+            <a:off x="8150511" y="3007410"/>
+            <a:ext cx="905773" cy="1153841"/>
+          </a:xfrm>
+          <a:prstGeom prst="flowChartPunchedTape">
+            <a:avLst/>
+          </a:prstGeom>
+        </p:spPr>
+        <p:style>
+          <a:lnRef idx="2">
+            <a:schemeClr val="accent4">
+              <a:shade val="50000"/>
+            </a:schemeClr>
+          </a:lnRef>
+          <a:fillRef idx="1">
+            <a:schemeClr val="accent4"/>
+          </a:fillRef>
+          <a:effectRef idx="0">
+            <a:schemeClr val="accent4"/>
+          </a:effectRef>
+          <a:fontRef idx="minor">
+            <a:schemeClr val="lt1"/>
+          </a:fontRef>
+        </p:style>
+        <p:txBody>
+          <a:bodyPr rtlCol="0" anchor="ctr"/>
+          <a:lstStyle/>
+          <a:p>
+            <a:pPr algn="ctr"/>
+            <a:endParaRPr lang="zh-CN" altLang="en-US"/>
+          </a:p>
+        </p:txBody>
+      </p:sp>
+      <p:sp>
+        <p:nvSpPr>
+          <p:cNvPr id="100" name="文本框 99"/>
+          <p:cNvSpPr txBox="1"/>
+          <p:nvPr/>
+        </p:nvSpPr>
+        <p:spPr>
+          <a:xfrm>
+            <a:off x="8353228" y="3399664"/>
+            <a:ext cx="667477" cy="369332"/>
+          </a:xfrm>
+          <a:prstGeom prst="rect">
+            <a:avLst/>
+          </a:prstGeom>
+          <a:noFill/>
+        </p:spPr>
+        <p:txBody>
+          <a:bodyPr wrap="square" rtlCol="0">
+            <a:spAutoFit/>
+          </a:bodyPr>
+          <a:lstStyle/>
+          <a:p>
+            <a:r>
+              <a:rPr lang="en-US" altLang="zh-CN" dirty="0" smtClean="0"/>
+              <a:t>http</a:t>
+            </a:r>
+            <a:endParaRPr lang="zh-CN" altLang="en-US" dirty="0"/>
+          </a:p>
+        </p:txBody>
+      </p:sp>
+      <p:cxnSp>
+        <p:nvCxnSpPr>
+          <p:cNvPr id="101" name="直接箭头连接符 100"/>
+          <p:cNvCxnSpPr/>
+          <p:nvPr/>
+        </p:nvCxnSpPr>
+        <p:spPr>
+          <a:xfrm>
+            <a:off x="7789271" y="3219257"/>
+            <a:ext cx="1475313" cy="27923"/>
+          </a:xfrm>
+          <a:prstGeom prst="straightConnector1">
+            <a:avLst/>
+          </a:prstGeom>
+          <a:ln>
+            <a:prstDash val="sysDash"/>
+            <a:tailEnd type="triangle"/>
+          </a:ln>
+        </p:spPr>
+        <p:style>
+          <a:lnRef idx="3">
+            <a:schemeClr val="accent2"/>
+          </a:lnRef>
+          <a:fillRef idx="0">
+            <a:schemeClr val="accent2"/>
+          </a:fillRef>
+          <a:effectRef idx="2">
+            <a:schemeClr val="accent2"/>
+          </a:effectRef>
+          <a:fontRef idx="minor">
+            <a:schemeClr val="tx1"/>
+          </a:fontRef>
+        </p:style>
+      </p:cxnSp>
+      <p:cxnSp>
+        <p:nvCxnSpPr>
+          <p:cNvPr id="102" name="直接箭头连接符 101"/>
+          <p:cNvCxnSpPr>
+            <a:stCxn id="40" idx="1"/>
+          </p:cNvCxnSpPr>
+          <p:nvPr/>
+        </p:nvCxnSpPr>
+        <p:spPr>
+          <a:xfrm flipH="1">
+            <a:off x="7850038" y="3992838"/>
+            <a:ext cx="1425857" cy="2"/>
+          </a:xfrm>
+          <a:prstGeom prst="straightConnector1">
+            <a:avLst/>
+          </a:prstGeom>
+          <a:ln>
+            <a:prstDash val="sysDash"/>
+            <a:tailEnd type="triangle"/>
+          </a:ln>
+        </p:spPr>
+        <p:style>
+          <a:lnRef idx="3">
+            <a:schemeClr val="accent2"/>
+          </a:lnRef>
+          <a:fillRef idx="0">
+            <a:schemeClr val="accent2"/>
+          </a:fillRef>
+          <a:effectRef idx="2">
+            <a:schemeClr val="accent2"/>
+          </a:effectRef>
+          <a:fontRef idx="minor">
+            <a:schemeClr val="tx1"/>
+          </a:fontRef>
+        </p:style>
+      </p:cxnSp>
+      <p:cxnSp>
+        <p:nvCxnSpPr>
+          <p:cNvPr id="103" name="直接箭头连接符 102"/>
+          <p:cNvCxnSpPr/>
+          <p:nvPr/>
+        </p:nvCxnSpPr>
+        <p:spPr>
+          <a:xfrm>
+            <a:off x="1535501" y="3293611"/>
+            <a:ext cx="1584024" cy="1"/>
+          </a:xfrm>
+          <a:prstGeom prst="straightConnector1">
+            <a:avLst/>
+          </a:prstGeom>
+          <a:ln>
+            <a:prstDash val="sysDash"/>
+            <a:tailEnd type="triangle"/>
+          </a:ln>
+        </p:spPr>
+        <p:style>
+          <a:lnRef idx="3">
+            <a:schemeClr val="accent2"/>
+          </a:lnRef>
+          <a:fillRef idx="0">
+            <a:schemeClr val="accent2"/>
+          </a:fillRef>
+          <a:effectRef idx="2">
+            <a:schemeClr val="accent2"/>
+          </a:effectRef>
+          <a:fontRef idx="minor">
+            <a:schemeClr val="tx1"/>
+          </a:fontRef>
+        </p:style>
+      </p:cxnSp>
+      <p:cxnSp>
+        <p:nvCxnSpPr>
+          <p:cNvPr id="104" name="直接箭头连接符 103"/>
+          <p:cNvCxnSpPr/>
+          <p:nvPr/>
+        </p:nvCxnSpPr>
+        <p:spPr>
+          <a:xfrm flipH="1" flipV="1">
+            <a:off x="1550784" y="3799726"/>
+            <a:ext cx="1568742" cy="161974"/>
+          </a:xfrm>
+          <a:prstGeom prst="straightConnector1">
+            <a:avLst/>
+          </a:prstGeom>
+          <a:ln>
+            <a:prstDash val="sysDash"/>
+            <a:tailEnd type="triangle"/>
+          </a:ln>
+        </p:spPr>
+        <p:style>
+          <a:lnRef idx="3">
+            <a:schemeClr val="accent2"/>
+          </a:lnRef>
+          <a:fillRef idx="0">
+            <a:schemeClr val="accent2"/>
+          </a:fillRef>
+          <a:effectRef idx="2">
+            <a:schemeClr val="accent2"/>
+          </a:effectRef>
+          <a:fontRef idx="minor">
+            <a:schemeClr val="tx1"/>
+          </a:fontRef>
+        </p:style>
+      </p:cxnSp>
+      <p:sp>
+        <p:nvSpPr>
+          <p:cNvPr id="107" name="图文框 106"/>
+          <p:cNvSpPr/>
+          <p:nvPr/>
+        </p:nvSpPr>
+        <p:spPr>
+          <a:xfrm>
+            <a:off x="2740302" y="2363639"/>
+            <a:ext cx="5357378" cy="3157268"/>
+          </a:xfrm>
+          <a:prstGeom prst="frame">
+            <a:avLst>
+              <a:gd name="adj1" fmla="val 0"/>
+            </a:avLst>
+          </a:prstGeom>
+        </p:spPr>
+        <p:style>
+          <a:lnRef idx="2">
+            <a:schemeClr val="accent1">
+              <a:shade val="50000"/>
+            </a:schemeClr>
+          </a:lnRef>
+          <a:fillRef idx="1">
+            <a:schemeClr val="accent1"/>
+          </a:fillRef>
+          <a:effectRef idx="0">
+            <a:schemeClr val="accent1"/>
+          </a:effectRef>
+          <a:fontRef idx="minor">
+            <a:schemeClr val="lt1"/>
+          </a:fontRef>
+        </p:style>
+        <p:txBody>
+          <a:bodyPr rtlCol="0" anchor="ctr"/>
+          <a:lstStyle/>
+          <a:p>
+            <a:pPr algn="ctr"/>
+            <a:endParaRPr lang="zh-CN" altLang="en-US">
+              <a:solidFill>
+                <a:schemeClr val="tx1"/>
+              </a:solidFill>
+            </a:endParaRPr>
+          </a:p>
+        </p:txBody>
+      </p:sp>
+      <p:sp>
+        <p:nvSpPr>
+          <p:cNvPr id="108" name="右箭头 107"/>
+          <p:cNvSpPr/>
+          <p:nvPr/>
+        </p:nvSpPr>
+        <p:spPr>
+          <a:xfrm>
+            <a:off x="163902" y="1415372"/>
+            <a:ext cx="11602519" cy="678786"/>
+          </a:xfrm>
+          <a:prstGeom prst="rightArrow">
+            <a:avLst/>
+          </a:prstGeom>
+        </p:spPr>
+        <p:style>
+          <a:lnRef idx="2">
+            <a:schemeClr val="accent5">
+              <a:shade val="50000"/>
+            </a:schemeClr>
+          </a:lnRef>
+          <a:fillRef idx="1">
+            <a:schemeClr val="accent5"/>
+          </a:fillRef>
+          <a:effectRef idx="0">
+            <a:schemeClr val="accent5"/>
+          </a:effectRef>
+          <a:fontRef idx="minor">
+            <a:schemeClr val="lt1"/>
+          </a:fontRef>
+        </p:style>
+        <p:txBody>
+          <a:bodyPr rtlCol="0" anchor="ctr"/>
+          <a:lstStyle/>
+          <a:p>
+            <a:pPr algn="ctr"/>
+            <a:endParaRPr lang="zh-CN" altLang="en-US"/>
+          </a:p>
+        </p:txBody>
+      </p:sp>
+      <p:sp>
+        <p:nvSpPr>
+          <p:cNvPr id="109" name="文本框 108"/>
+          <p:cNvSpPr txBox="1"/>
+          <p:nvPr/>
+        </p:nvSpPr>
+        <p:spPr>
+          <a:xfrm>
+            <a:off x="250164" y="1572690"/>
+            <a:ext cx="707368" cy="369332"/>
+          </a:xfrm>
+          <a:prstGeom prst="rect">
+            <a:avLst/>
+          </a:prstGeom>
+          <a:noFill/>
+        </p:spPr>
+        <p:txBody>
+          <a:bodyPr wrap="square" rtlCol="0">
+            <a:spAutoFit/>
+          </a:bodyPr>
+          <a:lstStyle/>
+          <a:p>
+            <a:r>
+              <a:rPr lang="zh-CN" altLang="en-US" dirty="0"/>
+              <a:t>前端</a:t>
+            </a:r>
+          </a:p>
+        </p:txBody>
+      </p:sp>
+      <p:sp>
+        <p:nvSpPr>
+          <p:cNvPr id="110" name="文本框 109"/>
+          <p:cNvSpPr txBox="1"/>
+          <p:nvPr/>
+        </p:nvSpPr>
+        <p:spPr>
+          <a:xfrm>
+            <a:off x="5002049" y="1583945"/>
+            <a:ext cx="1009291" cy="369332"/>
+          </a:xfrm>
+          <a:prstGeom prst="rect">
+            <a:avLst/>
+          </a:prstGeom>
+          <a:noFill/>
+        </p:spPr>
+        <p:txBody>
+          <a:bodyPr wrap="square" rtlCol="0">
+            <a:spAutoFit/>
+          </a:bodyPr>
+          <a:lstStyle/>
+          <a:p>
+            <a:r>
+              <a:rPr lang="zh-CN" altLang="en-US" dirty="0" smtClean="0"/>
+              <a:t>中间层</a:t>
+            </a:r>
+            <a:endParaRPr lang="zh-CN" altLang="en-US" dirty="0"/>
+          </a:p>
+        </p:txBody>
+      </p:sp>
+      <p:sp>
+        <p:nvSpPr>
+          <p:cNvPr id="111" name="文本框 110"/>
+          <p:cNvSpPr txBox="1"/>
+          <p:nvPr/>
+        </p:nvSpPr>
+        <p:spPr>
+          <a:xfrm>
+            <a:off x="9931862" y="1592828"/>
+            <a:ext cx="1009291" cy="369332"/>
+          </a:xfrm>
+          <a:prstGeom prst="rect">
+            <a:avLst/>
+          </a:prstGeom>
+          <a:noFill/>
+        </p:spPr>
+        <p:txBody>
+          <a:bodyPr wrap="square" rtlCol="0">
+            <a:spAutoFit/>
+          </a:bodyPr>
+          <a:lstStyle/>
+          <a:p>
+            <a:r>
+              <a:rPr lang="zh-CN" altLang="en-US" dirty="0" smtClean="0"/>
+              <a:t>服务层</a:t>
+            </a:r>
+            <a:endParaRPr lang="zh-CN" altLang="en-US" dirty="0"/>
+          </a:p>
+        </p:txBody>
+      </p:sp>
+    </p:spTree>
+    <p:extLst>
+      <p:ext uri="{BB962C8B-B14F-4D97-AF65-F5344CB8AC3E}">
+        <p14:creationId xmlns:p14="http://schemas.microsoft.com/office/powerpoint/2010/main" val="185689851"/>
       </p:ext>
     </p:extLst>
   </p:cSld>
